--- a/docs/Figures/EnvironmentWorking.pptx
+++ b/docs/Figures/EnvironmentWorking.pptx
@@ -6,28 +6,27 @@
     <p:sldMasterId id="2147483672" r:id="rId2"/>
   </p:sldMasterIdLst>
   <p:notesMasterIdLst>
-    <p:notesMasterId r:id="rId22"/>
+    <p:notesMasterId r:id="rId21"/>
   </p:notesMasterIdLst>
   <p:sldIdLst>
     <p:sldId id="328" r:id="rId3"/>
     <p:sldId id="329" r:id="rId4"/>
     <p:sldId id="330" r:id="rId5"/>
     <p:sldId id="331" r:id="rId6"/>
-    <p:sldId id="349" r:id="rId7"/>
-    <p:sldId id="335" r:id="rId8"/>
-    <p:sldId id="356" r:id="rId9"/>
-    <p:sldId id="336" r:id="rId10"/>
-    <p:sldId id="337" r:id="rId11"/>
-    <p:sldId id="338" r:id="rId12"/>
-    <p:sldId id="339" r:id="rId13"/>
-    <p:sldId id="340" r:id="rId14"/>
-    <p:sldId id="341" r:id="rId15"/>
-    <p:sldId id="342" r:id="rId16"/>
-    <p:sldId id="343" r:id="rId17"/>
-    <p:sldId id="344" r:id="rId18"/>
-    <p:sldId id="352" r:id="rId19"/>
-    <p:sldId id="353" r:id="rId20"/>
-    <p:sldId id="354" r:id="rId21"/>
+    <p:sldId id="335" r:id="rId7"/>
+    <p:sldId id="356" r:id="rId8"/>
+    <p:sldId id="336" r:id="rId9"/>
+    <p:sldId id="337" r:id="rId10"/>
+    <p:sldId id="338" r:id="rId11"/>
+    <p:sldId id="339" r:id="rId12"/>
+    <p:sldId id="340" r:id="rId13"/>
+    <p:sldId id="341" r:id="rId14"/>
+    <p:sldId id="342" r:id="rId15"/>
+    <p:sldId id="343" r:id="rId16"/>
+    <p:sldId id="344" r:id="rId17"/>
+    <p:sldId id="352" r:id="rId18"/>
+    <p:sldId id="353" r:id="rId19"/>
+    <p:sldId id="354" r:id="rId20"/>
   </p:sldIdLst>
   <p:sldSz cx="9144000" cy="6858000" type="screen4x3"/>
   <p:notesSz cx="6996113" cy="9282113"/>
@@ -143,10 +142,6 @@
     </p:ext>
   </p:extLst>
 </p:presentation>
-</file>
-
-<file path=ppt/revisionInfo.xml><?xml version="1.0" encoding="utf-8"?>
-<p1510:revInfo xmlns:a="http://schemas.openxmlformats.org/drawingml/2006/main" xmlns:r="http://schemas.openxmlformats.org/officeDocument/2006/relationships" xmlns:p1510="http://schemas.microsoft.com/office/powerpoint/2015/10/main"/>
 </file>
 
 <file path=ppt/charts/chart1.xml><?xml version="1.0" encoding="utf-8"?>
@@ -1510,7 +1505,7 @@
           <a:p>
             <a:fld id="{7B126BB8-5932-4ACC-8CD5-328D9DA138C9}" type="datetimeFigureOut">
               <a:rPr lang="en-US" smtClean="0"/>
-              <a:t>8/24/2017</a:t>
+              <a:t>1/7/2020</a:t>
             </a:fld>
             <a:endParaRPr lang="en-US"/>
           </a:p>
@@ -1956,7 +1951,7 @@
           <a:p>
             <a:fld id="{9E9AFD63-10BD-4598-9E1E-9FFECB76D2D7}" type="datetimeFigureOut">
               <a:rPr lang="en-US" smtClean="0"/>
-              <a:t>8/24/2017</a:t>
+              <a:t>1/7/2020</a:t>
             </a:fld>
             <a:endParaRPr lang="en-US"/>
           </a:p>
@@ -2124,7 +2119,7 @@
           <a:p>
             <a:fld id="{9E9AFD63-10BD-4598-9E1E-9FFECB76D2D7}" type="datetimeFigureOut">
               <a:rPr lang="en-US" smtClean="0"/>
-              <a:t>8/24/2017</a:t>
+              <a:t>1/7/2020</a:t>
             </a:fld>
             <a:endParaRPr lang="en-US"/>
           </a:p>
@@ -2302,7 +2297,7 @@
           <a:p>
             <a:fld id="{9E9AFD63-10BD-4598-9E1E-9FFECB76D2D7}" type="datetimeFigureOut">
               <a:rPr lang="en-US" smtClean="0"/>
-              <a:t>8/24/2017</a:t>
+              <a:t>1/7/2020</a:t>
             </a:fld>
             <a:endParaRPr lang="en-US"/>
           </a:p>
@@ -4057,7 +4052,7 @@
           <a:p>
             <a:fld id="{9E9AFD63-10BD-4598-9E1E-9FFECB76D2D7}" type="datetimeFigureOut">
               <a:rPr lang="en-US" smtClean="0"/>
-              <a:t>8/24/2017</a:t>
+              <a:t>1/7/2020</a:t>
             </a:fld>
             <a:endParaRPr lang="en-US"/>
           </a:p>
@@ -4501,7 +4496,7 @@
           <a:p>
             <a:fld id="{9E9AFD63-10BD-4598-9E1E-9FFECB76D2D7}" type="datetimeFigureOut">
               <a:rPr lang="en-US" smtClean="0"/>
-              <a:t>8/24/2017</a:t>
+              <a:t>1/7/2020</a:t>
             </a:fld>
             <a:endParaRPr lang="en-US"/>
           </a:p>
@@ -4786,7 +4781,7 @@
           <a:p>
             <a:fld id="{9E9AFD63-10BD-4598-9E1E-9FFECB76D2D7}" type="datetimeFigureOut">
               <a:rPr lang="en-US" smtClean="0"/>
-              <a:t>8/24/2017</a:t>
+              <a:t>1/7/2020</a:t>
             </a:fld>
             <a:endParaRPr lang="en-US"/>
           </a:p>
@@ -5205,7 +5200,7 @@
           <a:p>
             <a:fld id="{9E9AFD63-10BD-4598-9E1E-9FFECB76D2D7}" type="datetimeFigureOut">
               <a:rPr lang="en-US" smtClean="0"/>
-              <a:t>8/24/2017</a:t>
+              <a:t>1/7/2020</a:t>
             </a:fld>
             <a:endParaRPr lang="en-US"/>
           </a:p>
@@ -5322,7 +5317,7 @@
           <a:p>
             <a:fld id="{9E9AFD63-10BD-4598-9E1E-9FFECB76D2D7}" type="datetimeFigureOut">
               <a:rPr lang="en-US" smtClean="0"/>
-              <a:t>8/24/2017</a:t>
+              <a:t>1/7/2020</a:t>
             </a:fld>
             <a:endParaRPr lang="en-US"/>
           </a:p>
@@ -5417,7 +5412,7 @@
           <a:p>
             <a:fld id="{9E9AFD63-10BD-4598-9E1E-9FFECB76D2D7}" type="datetimeFigureOut">
               <a:rPr lang="en-US" smtClean="0"/>
-              <a:t>8/24/2017</a:t>
+              <a:t>1/7/2020</a:t>
             </a:fld>
             <a:endParaRPr lang="en-US"/>
           </a:p>
@@ -5692,7 +5687,7 @@
           <a:p>
             <a:fld id="{9E9AFD63-10BD-4598-9E1E-9FFECB76D2D7}" type="datetimeFigureOut">
               <a:rPr lang="en-US" smtClean="0"/>
-              <a:t>8/24/2017</a:t>
+              <a:t>1/7/2020</a:t>
             </a:fld>
             <a:endParaRPr lang="en-US"/>
           </a:p>
@@ -5944,7 +5939,7 @@
           <a:p>
             <a:fld id="{9E9AFD63-10BD-4598-9E1E-9FFECB76D2D7}" type="datetimeFigureOut">
               <a:rPr lang="en-US" smtClean="0"/>
-              <a:t>8/24/2017</a:t>
+              <a:t>1/7/2020</a:t>
             </a:fld>
             <a:endParaRPr lang="en-US"/>
           </a:p>
@@ -6155,7 +6150,7 @@
           <a:p>
             <a:fld id="{9E9AFD63-10BD-4598-9E1E-9FFECB76D2D7}" type="datetimeFigureOut">
               <a:rPr lang="en-US" smtClean="0"/>
-              <a:t>8/24/2017</a:t>
+              <a:t>1/7/2020</a:t>
             </a:fld>
             <a:endParaRPr lang="en-US"/>
           </a:p>
@@ -7356,3281 +7351,6 @@
 </file>
 
 <file path=ppt/slides/slide10.xml><?xml version="1.0" encoding="utf-8"?>
-<p:sld xmlns:a="http://schemas.openxmlformats.org/drawingml/2006/main" xmlns:r="http://schemas.openxmlformats.org/officeDocument/2006/relationships" xmlns:p="http://schemas.openxmlformats.org/presentationml/2006/main">
-  <p:cSld>
-    <p:spTree>
-      <p:nvGrpSpPr>
-        <p:cNvPr id="1" name=""/>
-        <p:cNvGrpSpPr/>
-        <p:nvPr/>
-      </p:nvGrpSpPr>
-      <p:grpSpPr>
-        <a:xfrm>
-          <a:off x="0" y="0"/>
-          <a:ext cx="0" cy="0"/>
-          <a:chOff x="0" y="0"/>
-          <a:chExt cx="0" cy="0"/>
-        </a:xfrm>
-      </p:grpSpPr>
-      <mc:AlternateContent xmlns:mc="http://schemas.openxmlformats.org/markup-compatibility/2006" xmlns:a14="http://schemas.microsoft.com/office/drawing/2010/main">
-        <mc:Choice Requires="a14">
-          <p:sp>
-            <p:nvSpPr>
-              <p:cNvPr id="2" name="TextBox 1"/>
-              <p:cNvSpPr txBox="1"/>
-              <p:nvPr/>
-            </p:nvSpPr>
-            <p:spPr>
-              <a:xfrm>
-                <a:off x="329438" y="4794411"/>
-                <a:ext cx="833112" cy="273729"/>
-              </a:xfrm>
-              <a:prstGeom prst="rect">
-                <a:avLst/>
-              </a:prstGeom>
-              <a:noFill/>
-              <a:ln>
-                <a:noFill/>
-              </a:ln>
-              <a:effectLst/>
-            </p:spPr>
-            <p:style>
-              <a:lnRef idx="1">
-                <a:schemeClr val="dk1"/>
-              </a:lnRef>
-              <a:fillRef idx="2">
-                <a:schemeClr val="dk1"/>
-              </a:fillRef>
-              <a:effectRef idx="1">
-                <a:schemeClr val="dk1"/>
-              </a:effectRef>
-              <a:fontRef idx="minor">
-                <a:schemeClr val="dk1"/>
-              </a:fontRef>
-            </p:style>
-            <p:txBody>
-              <a:bodyPr rtlCol="0" anchor="ctr"/>
-              <a:lstStyle>
-                <a:defPPr>
-                  <a:defRPr lang="en-US"/>
-                </a:defPPr>
-                <a:lvl1pPr>
-                  <a:defRPr sz="800">
-                    <a:solidFill>
-                      <a:schemeClr val="dk1"/>
-                    </a:solidFill>
-                  </a:defRPr>
-                </a:lvl1pPr>
-                <a:lvl2pPr>
-                  <a:defRPr>
-                    <a:solidFill>
-                      <a:schemeClr val="dk1"/>
-                    </a:solidFill>
-                  </a:defRPr>
-                </a:lvl2pPr>
-                <a:lvl3pPr>
-                  <a:defRPr>
-                    <a:solidFill>
-                      <a:schemeClr val="dk1"/>
-                    </a:solidFill>
-                  </a:defRPr>
-                </a:lvl3pPr>
-                <a:lvl4pPr>
-                  <a:defRPr>
-                    <a:solidFill>
-                      <a:schemeClr val="dk1"/>
-                    </a:solidFill>
-                  </a:defRPr>
-                </a:lvl4pPr>
-                <a:lvl5pPr>
-                  <a:defRPr>
-                    <a:solidFill>
-                      <a:schemeClr val="dk1"/>
-                    </a:solidFill>
-                  </a:defRPr>
-                </a:lvl5pPr>
-                <a:lvl6pPr>
-                  <a:defRPr>
-                    <a:solidFill>
-                      <a:schemeClr val="dk1"/>
-                    </a:solidFill>
-                  </a:defRPr>
-                </a:lvl6pPr>
-                <a:lvl7pPr>
-                  <a:defRPr>
-                    <a:solidFill>
-                      <a:schemeClr val="dk1"/>
-                    </a:solidFill>
-                  </a:defRPr>
-                </a:lvl7pPr>
-                <a:lvl8pPr>
-                  <a:defRPr>
-                    <a:solidFill>
-                      <a:schemeClr val="dk1"/>
-                    </a:solidFill>
-                  </a:defRPr>
-                </a:lvl8pPr>
-                <a:lvl9pPr>
-                  <a:defRPr>
-                    <a:solidFill>
-                      <a:schemeClr val="dk1"/>
-                    </a:solidFill>
-                  </a:defRPr>
-                </a:lvl9pPr>
-              </a:lstStyle>
-              <a:p>
-                <a:pPr/>
-                <a14:m>
-                  <m:oMathPara xmlns:m="http://schemas.openxmlformats.org/officeDocument/2006/math">
-                    <m:oMathParaPr>
-                      <m:jc m:val="centerGroup"/>
-                    </m:oMathParaPr>
-                    <m:oMath xmlns:m="http://schemas.openxmlformats.org/officeDocument/2006/math">
-                      <m:r>
-                        <a:rPr lang="en-US">
-                          <a:latin typeface="Cambria Math"/>
-                        </a:rPr>
-                        <m:t>𝑝</m:t>
-                      </m:r>
-                      <m:r>
-                        <a:rPr lang="en-US">
-                          <a:latin typeface="Cambria Math"/>
-                        </a:rPr>
-                        <m:t>=</m:t>
-                      </m:r>
-                      <m:sSup>
-                        <m:sSupPr>
-                          <m:ctrlPr>
-                            <a:rPr lang="en-US" i="1">
-                              <a:latin typeface="Cambria Math" panose="02040503050406030204" pitchFamily="18" charset="0"/>
-                            </a:rPr>
-                          </m:ctrlPr>
-                        </m:sSupPr>
-                        <m:e>
-                          <m:r>
-                            <a:rPr lang="en-US">
-                              <a:latin typeface="Cambria Math"/>
-                            </a:rPr>
-                            <m:t>10</m:t>
-                          </m:r>
-                        </m:e>
-                        <m:sup>
-                          <m:d>
-                            <m:dPr>
-                              <m:ctrlPr>
-                                <a:rPr lang="en-US" i="1">
-                                  <a:latin typeface="Cambria Math" panose="02040503050406030204" pitchFamily="18" charset="0"/>
-                                </a:rPr>
-                              </m:ctrlPr>
-                            </m:dPr>
-                            <m:e>
-                              <m:r>
-                                <a:rPr lang="en-US">
-                                  <a:latin typeface="Cambria Math"/>
-                                </a:rPr>
-                                <m:t>𝐴</m:t>
-                              </m:r>
-                              <m:r>
-                                <a:rPr lang="en-US">
-                                  <a:latin typeface="Cambria Math"/>
-                                </a:rPr>
-                                <m:t>−</m:t>
-                              </m:r>
-                              <m:f>
-                                <m:fPr>
-                                  <m:ctrlPr>
-                                    <a:rPr lang="en-US" i="1">
-                                      <a:latin typeface="Cambria Math" panose="02040503050406030204" pitchFamily="18" charset="0"/>
-                                    </a:rPr>
-                                  </m:ctrlPr>
-                                </m:fPr>
-                                <m:num>
-                                  <m:r>
-                                    <a:rPr lang="en-US">
-                                      <a:latin typeface="Cambria Math"/>
-                                    </a:rPr>
-                                    <m:t>𝐵</m:t>
-                                  </m:r>
-                                </m:num>
-                                <m:den>
-                                  <m:r>
-                                    <a:rPr lang="en-US">
-                                      <a:latin typeface="Cambria Math"/>
-                                    </a:rPr>
-                                    <m:t>𝐶</m:t>
-                                  </m:r>
-                                  <m:r>
-                                    <a:rPr lang="en-US">
-                                      <a:latin typeface="Cambria Math"/>
-                                    </a:rPr>
-                                    <m:t>+</m:t>
-                                  </m:r>
-                                  <m:r>
-                                    <a:rPr lang="en-US">
-                                      <a:latin typeface="Cambria Math"/>
-                                    </a:rPr>
-                                    <m:t>𝑡</m:t>
-                                  </m:r>
-                                </m:den>
-                              </m:f>
-                            </m:e>
-                          </m:d>
-                        </m:sup>
-                      </m:sSup>
-                    </m:oMath>
-                  </m:oMathPara>
-                </a14:m>
-                <a:endParaRPr lang="en-US" dirty="0"/>
-              </a:p>
-            </p:txBody>
-          </p:sp>
-        </mc:Choice>
-        <mc:Fallback xmlns="">
-          <p:sp>
-            <p:nvSpPr>
-              <p:cNvPr id="2" name="TextBox 1"/>
-              <p:cNvSpPr txBox="1">
-                <a:spLocks noRot="1" noChangeAspect="1" noMove="1" noResize="1" noEditPoints="1" noAdjustHandles="1" noChangeArrowheads="1" noChangeShapeType="1" noTextEdit="1"/>
-              </p:cNvSpPr>
-              <p:nvPr/>
-            </p:nvSpPr>
-            <p:spPr>
-              <a:xfrm>
-                <a:off x="329438" y="4794411"/>
-                <a:ext cx="833112" cy="273729"/>
-              </a:xfrm>
-              <a:prstGeom prst="rect">
-                <a:avLst/>
-              </a:prstGeom>
-              <a:blipFill rotWithShape="1">
-                <a:blip r:embed="rId3"/>
-                <a:stretch>
-                  <a:fillRect/>
-                </a:stretch>
-              </a:blipFill>
-              <a:ln>
-                <a:noFill/>
-              </a:ln>
-              <a:effectLst/>
-            </p:spPr>
-            <p:txBody>
-              <a:bodyPr/>
-              <a:lstStyle/>
-              <a:p>
-                <a:r>
-                  <a:rPr lang="en-US">
-                    <a:noFill/>
-                  </a:rPr>
-                  <a:t> </a:t>
-                </a:r>
-              </a:p>
-            </p:txBody>
-          </p:sp>
-        </mc:Fallback>
-      </mc:AlternateContent>
-      <p:graphicFrame>
-        <p:nvGraphicFramePr>
-          <p:cNvPr id="3" name="Table 2"/>
-          <p:cNvGraphicFramePr>
-            <a:graphicFrameLocks noGrp="1"/>
-          </p:cNvGraphicFramePr>
-          <p:nvPr>
-            <p:extLst>
-              <p:ext uri="{D42A27DB-BD31-4B8C-83A1-F6EECF244321}">
-                <p14:modId xmlns:p14="http://schemas.microsoft.com/office/powerpoint/2010/main" val="3895212552"/>
-              </p:ext>
-            </p:extLst>
-          </p:nvPr>
-        </p:nvGraphicFramePr>
-        <p:xfrm>
-          <a:off x="329438" y="5304199"/>
-          <a:ext cx="2981708" cy="812806"/>
-        </p:xfrm>
-        <a:graphic>
-          <a:graphicData uri="http://schemas.openxmlformats.org/drawingml/2006/table">
-            <a:tbl>
-              <a:tblPr>
-                <a:tableStyleId>{5940675A-B579-460E-94D1-54222C63F5DA}</a:tableStyleId>
-              </a:tblPr>
-              <a:tblGrid>
-                <a:gridCol w="602744">
-                  <a:extLst>
-                    <a:ext uri="{9D8B030D-6E8A-4147-A177-3AD203B41FA5}">
-                      <a16:colId xmlns:a16="http://schemas.microsoft.com/office/drawing/2014/main" val="20000"/>
-                    </a:ext>
-                  </a:extLst>
-                </a:gridCol>
-                <a:gridCol w="602744">
-                  <a:extLst>
-                    <a:ext uri="{9D8B030D-6E8A-4147-A177-3AD203B41FA5}">
-                      <a16:colId xmlns:a16="http://schemas.microsoft.com/office/drawing/2014/main" val="20001"/>
-                    </a:ext>
-                  </a:extLst>
-                </a:gridCol>
-                <a:gridCol w="602744">
-                  <a:extLst>
-                    <a:ext uri="{9D8B030D-6E8A-4147-A177-3AD203B41FA5}">
-                      <a16:colId xmlns:a16="http://schemas.microsoft.com/office/drawing/2014/main" val="20002"/>
-                    </a:ext>
-                  </a:extLst>
-                </a:gridCol>
-                <a:gridCol w="568566">
-                  <a:extLst>
-                    <a:ext uri="{9D8B030D-6E8A-4147-A177-3AD203B41FA5}">
-                      <a16:colId xmlns:a16="http://schemas.microsoft.com/office/drawing/2014/main" val="20003"/>
-                    </a:ext>
-                  </a:extLst>
-                </a:gridCol>
-                <a:gridCol w="604910">
-                  <a:extLst>
-                    <a:ext uri="{9D8B030D-6E8A-4147-A177-3AD203B41FA5}">
-                      <a16:colId xmlns:a16="http://schemas.microsoft.com/office/drawing/2014/main" val="20004"/>
-                    </a:ext>
-                  </a:extLst>
-                </a:gridCol>
-              </a:tblGrid>
-              <a:tr h="249746">
-                <a:tc>
-                  <a:txBody>
-                    <a:bodyPr/>
-                    <a:lstStyle/>
-                    <a:p>
-                      <a:pPr algn="ctr"/>
-                      <a:r>
-                        <a:rPr lang="en-US" sz="1200" b="1" dirty="0"/>
-                        <a:t>A</a:t>
-                      </a:r>
-                    </a:p>
-                  </a:txBody>
-                  <a:tcPr marL="38100" marR="38100" marT="38100" marB="38100" anchor="ctr"/>
-                </a:tc>
-                <a:tc>
-                  <a:txBody>
-                    <a:bodyPr/>
-                    <a:lstStyle/>
-                    <a:p>
-                      <a:pPr algn="ctr"/>
-                      <a:r>
-                        <a:rPr lang="en-US" sz="1200" b="1" dirty="0"/>
-                        <a:t>B</a:t>
-                      </a:r>
-                    </a:p>
-                  </a:txBody>
-                  <a:tcPr marL="38100" marR="38100" marT="38100" marB="38100" anchor="ctr"/>
-                </a:tc>
-                <a:tc>
-                  <a:txBody>
-                    <a:bodyPr/>
-                    <a:lstStyle/>
-                    <a:p>
-                      <a:pPr algn="ctr"/>
-                      <a:r>
-                        <a:rPr lang="en-US" sz="1200" b="1" dirty="0"/>
-                        <a:t>C</a:t>
-                      </a:r>
-                    </a:p>
-                  </a:txBody>
-                  <a:tcPr marL="38100" marR="38100" marT="38100" marB="38100" anchor="ctr"/>
-                </a:tc>
-                <a:tc>
-                  <a:txBody>
-                    <a:bodyPr/>
-                    <a:lstStyle/>
-                    <a:p>
-                      <a:pPr algn="ctr"/>
-                      <a:r>
-                        <a:rPr lang="en-US" sz="1200" b="1" dirty="0" err="1"/>
-                        <a:t>t</a:t>
-                      </a:r>
-                      <a:r>
-                        <a:rPr lang="en-US" sz="1200" b="1" baseline="-25000" dirty="0" err="1"/>
-                        <a:t>min</a:t>
-                      </a:r>
-                      <a:r>
-                        <a:rPr lang="en-US" sz="1200" b="1" baseline="0" dirty="0"/>
-                        <a:t> (</a:t>
-                      </a:r>
-                      <a:r>
-                        <a:rPr lang="en-US" sz="1200" b="1" dirty="0">
-                          <a:effectLst/>
-                        </a:rPr>
-                        <a:t>°C)</a:t>
-                      </a:r>
-                    </a:p>
-                  </a:txBody>
-                  <a:tcPr marL="38100" marR="38100" marT="38100" marB="38100" anchor="ctr"/>
-                </a:tc>
-                <a:tc>
-                  <a:txBody>
-                    <a:bodyPr/>
-                    <a:lstStyle/>
-                    <a:p>
-                      <a:pPr algn="ctr"/>
-                      <a:r>
-                        <a:rPr lang="en-US" sz="1200" b="1" dirty="0" err="1"/>
-                        <a:t>t</a:t>
-                      </a:r>
-                      <a:r>
-                        <a:rPr lang="en-US" sz="1200" b="1" baseline="-25000" dirty="0" err="1"/>
-                        <a:t>max</a:t>
-                      </a:r>
-                      <a:r>
-                        <a:rPr lang="en-US" sz="1200" b="1" dirty="0"/>
-                        <a:t> (</a:t>
-                      </a:r>
-                      <a:r>
-                        <a:rPr lang="en-US" sz="1200" b="1" dirty="0">
-                          <a:effectLst/>
-                        </a:rPr>
-                        <a:t>°C)</a:t>
-                      </a:r>
-                    </a:p>
-                  </a:txBody>
-                  <a:tcPr marL="38100" marR="38100" marT="38100" marB="38100" anchor="ctr"/>
-                </a:tc>
-                <a:extLst>
-                  <a:ext uri="{0D108BD9-81ED-4DB2-BD59-A6C34878D82A}">
-                    <a16:rowId xmlns:a16="http://schemas.microsoft.com/office/drawing/2014/main" val="10000"/>
-                  </a:ext>
-                </a:extLst>
-              </a:tr>
-              <a:tr h="276863">
-                <a:tc>
-                  <a:txBody>
-                    <a:bodyPr/>
-                    <a:lstStyle/>
-                    <a:p>
-                      <a:pPr algn="ctr"/>
-                      <a:r>
-                        <a:rPr lang="en-US" sz="1200" dirty="0"/>
-                        <a:t>8.07131</a:t>
-                      </a:r>
-                    </a:p>
-                  </a:txBody>
-                  <a:tcPr marL="38100" marR="38100" marT="38100" marB="38100" anchor="ctr"/>
-                </a:tc>
-                <a:tc>
-                  <a:txBody>
-                    <a:bodyPr/>
-                    <a:lstStyle/>
-                    <a:p>
-                      <a:pPr algn="ctr"/>
-                      <a:r>
-                        <a:rPr lang="en-US" sz="1200" dirty="0"/>
-                        <a:t>1730.63</a:t>
-                      </a:r>
-                    </a:p>
-                  </a:txBody>
-                  <a:tcPr marL="38100" marR="38100" marT="38100" marB="38100" anchor="ctr"/>
-                </a:tc>
-                <a:tc>
-                  <a:txBody>
-                    <a:bodyPr/>
-                    <a:lstStyle/>
-                    <a:p>
-                      <a:pPr algn="ctr"/>
-                      <a:r>
-                        <a:rPr lang="en-US" sz="1200" dirty="0"/>
-                        <a:t>233.426</a:t>
-                      </a:r>
-                    </a:p>
-                  </a:txBody>
-                  <a:tcPr marL="38100" marR="38100" marT="38100" marB="38100" anchor="ctr"/>
-                </a:tc>
-                <a:tc>
-                  <a:txBody>
-                    <a:bodyPr/>
-                    <a:lstStyle/>
-                    <a:p>
-                      <a:pPr algn="ctr"/>
-                      <a:r>
-                        <a:rPr lang="en-US" sz="1200" dirty="0"/>
-                        <a:t>1</a:t>
-                      </a:r>
-                    </a:p>
-                  </a:txBody>
-                  <a:tcPr marL="38100" marR="38100" marT="38100" marB="38100" anchor="ctr"/>
-                </a:tc>
-                <a:tc>
-                  <a:txBody>
-                    <a:bodyPr/>
-                    <a:lstStyle/>
-                    <a:p>
-                      <a:pPr algn="ctr"/>
-                      <a:r>
-                        <a:rPr lang="en-US" sz="1200" dirty="0"/>
-                        <a:t>100</a:t>
-                      </a:r>
-                    </a:p>
-                  </a:txBody>
-                  <a:tcPr marL="38100" marR="38100" marT="38100" marB="38100" anchor="ctr"/>
-                </a:tc>
-                <a:extLst>
-                  <a:ext uri="{0D108BD9-81ED-4DB2-BD59-A6C34878D82A}">
-                    <a16:rowId xmlns:a16="http://schemas.microsoft.com/office/drawing/2014/main" val="10001"/>
-                  </a:ext>
-                </a:extLst>
-              </a:tr>
-              <a:tr h="276863">
-                <a:tc>
-                  <a:txBody>
-                    <a:bodyPr/>
-                    <a:lstStyle/>
-                    <a:p>
-                      <a:pPr algn="ctr"/>
-                      <a:r>
-                        <a:rPr lang="en-US" sz="1200" dirty="0"/>
-                        <a:t>8.14019</a:t>
-                      </a:r>
-                    </a:p>
-                  </a:txBody>
-                  <a:tcPr marL="38100" marR="38100" marT="38100" marB="38100" anchor="ctr"/>
-                </a:tc>
-                <a:tc>
-                  <a:txBody>
-                    <a:bodyPr/>
-                    <a:lstStyle/>
-                    <a:p>
-                      <a:pPr algn="ctr"/>
-                      <a:r>
-                        <a:rPr lang="en-US" sz="1200" dirty="0"/>
-                        <a:t>1810.94</a:t>
-                      </a:r>
-                    </a:p>
-                  </a:txBody>
-                  <a:tcPr marL="38100" marR="38100" marT="38100" marB="38100" anchor="ctr"/>
-                </a:tc>
-                <a:tc>
-                  <a:txBody>
-                    <a:bodyPr/>
-                    <a:lstStyle/>
-                    <a:p>
-                      <a:pPr algn="ctr"/>
-                      <a:r>
-                        <a:rPr lang="en-US" sz="1200" dirty="0"/>
-                        <a:t>244.485</a:t>
-                      </a:r>
-                    </a:p>
-                  </a:txBody>
-                  <a:tcPr marL="38100" marR="38100" marT="38100" marB="38100" anchor="ctr"/>
-                </a:tc>
-                <a:tc>
-                  <a:txBody>
-                    <a:bodyPr/>
-                    <a:lstStyle/>
-                    <a:p>
-                      <a:pPr algn="ctr"/>
-                      <a:r>
-                        <a:rPr lang="en-US" sz="1200"/>
-                        <a:t>99</a:t>
-                      </a:r>
-                    </a:p>
-                  </a:txBody>
-                  <a:tcPr marL="38100" marR="38100" marT="38100" marB="38100" anchor="ctr"/>
-                </a:tc>
-                <a:tc>
-                  <a:txBody>
-                    <a:bodyPr/>
-                    <a:lstStyle/>
-                    <a:p>
-                      <a:pPr algn="ctr"/>
-                      <a:r>
-                        <a:rPr lang="en-US" sz="1200" dirty="0"/>
-                        <a:t>374</a:t>
-                      </a:r>
-                    </a:p>
-                  </a:txBody>
-                  <a:tcPr marL="38100" marR="38100" marT="38100" marB="38100" anchor="ctr"/>
-                </a:tc>
-                <a:extLst>
-                  <a:ext uri="{0D108BD9-81ED-4DB2-BD59-A6C34878D82A}">
-                    <a16:rowId xmlns:a16="http://schemas.microsoft.com/office/drawing/2014/main" val="10002"/>
-                  </a:ext>
-                </a:extLst>
-              </a:tr>
-            </a:tbl>
-          </a:graphicData>
-        </a:graphic>
-      </p:graphicFrame>
-      <p:sp>
-        <p:nvSpPr>
-          <p:cNvPr id="4" name="Rectangle 3"/>
-          <p:cNvSpPr/>
-          <p:nvPr/>
-        </p:nvSpPr>
-        <p:spPr>
-          <a:xfrm>
-            <a:off x="236374" y="4489112"/>
-            <a:ext cx="3121367" cy="369332"/>
-          </a:xfrm>
-          <a:prstGeom prst="rect">
-            <a:avLst/>
-          </a:prstGeom>
-        </p:spPr>
-        <p:txBody>
-          <a:bodyPr wrap="none">
-            <a:spAutoFit/>
-          </a:bodyPr>
-          <a:lstStyle/>
-          <a:p>
-            <a:r>
-              <a:rPr lang="en-US" u="sng" dirty="0"/>
-              <a:t>Antoine Equation (for water):</a:t>
-            </a:r>
-          </a:p>
-        </p:txBody>
-      </p:sp>
-      <p:sp>
-        <p:nvSpPr>
-          <p:cNvPr id="5" name="TextBox 4"/>
-          <p:cNvSpPr txBox="1"/>
-          <p:nvPr/>
-        </p:nvSpPr>
-        <p:spPr>
-          <a:xfrm>
-            <a:off x="2123877" y="4921133"/>
-            <a:ext cx="1115669" cy="276999"/>
-          </a:xfrm>
-          <a:prstGeom prst="rect">
-            <a:avLst/>
-          </a:prstGeom>
-        </p:spPr>
-        <p:style>
-          <a:lnRef idx="1">
-            <a:schemeClr val="dk1"/>
-          </a:lnRef>
-          <a:fillRef idx="2">
-            <a:schemeClr val="dk1"/>
-          </a:fillRef>
-          <a:effectRef idx="1">
-            <a:schemeClr val="dk1"/>
-          </a:effectRef>
-          <a:fontRef idx="minor">
-            <a:schemeClr val="dk1"/>
-          </a:fontRef>
-        </p:style>
-        <p:txBody>
-          <a:bodyPr wrap="square" rtlCol="0">
-            <a:spAutoFit/>
-          </a:bodyPr>
-          <a:lstStyle/>
-          <a:p>
-            <a:r>
-              <a:rPr lang="en-US" sz="1200" i="1" dirty="0"/>
-              <a:t>For </a:t>
-            </a:r>
-            <a:r>
-              <a:rPr lang="en-US" sz="1200" i="1" dirty="0" err="1"/>
-              <a:t>p</a:t>
-            </a:r>
-            <a:r>
-              <a:rPr lang="en-US" sz="1200" i="1" baseline="-25000" dirty="0" err="1"/>
-              <a:t>sk,s</a:t>
-            </a:r>
-            <a:r>
-              <a:rPr lang="en-US" sz="1200" i="1" dirty="0"/>
-              <a:t> and p</a:t>
-            </a:r>
-            <a:r>
-              <a:rPr lang="en-US" sz="1200" i="1" baseline="-25000" dirty="0"/>
-              <a:t>a</a:t>
-            </a:r>
-          </a:p>
-        </p:txBody>
-      </p:sp>
-      <mc:AlternateContent xmlns:mc="http://schemas.openxmlformats.org/markup-compatibility/2006" xmlns:a14="http://schemas.microsoft.com/office/drawing/2010/main">
-        <mc:Choice Requires="a14">
-          <p:sp>
-            <p:nvSpPr>
-              <p:cNvPr id="7" name="TextBox 6"/>
-              <p:cNvSpPr txBox="1"/>
-              <p:nvPr/>
-            </p:nvSpPr>
-            <p:spPr>
-              <a:xfrm>
-                <a:off x="293687" y="1708867"/>
-                <a:ext cx="561179" cy="357983"/>
-              </a:xfrm>
-              <a:prstGeom prst="rect">
-                <a:avLst/>
-              </a:prstGeom>
-              <a:noFill/>
-              <a:ln>
-                <a:noFill/>
-              </a:ln>
-              <a:effectLst/>
-            </p:spPr>
-            <p:style>
-              <a:lnRef idx="1">
-                <a:schemeClr val="dk1"/>
-              </a:lnRef>
-              <a:fillRef idx="2">
-                <a:schemeClr val="dk1"/>
-              </a:fillRef>
-              <a:effectRef idx="1">
-                <a:schemeClr val="dk1"/>
-              </a:effectRef>
-              <a:fontRef idx="minor">
-                <a:schemeClr val="dk1"/>
-              </a:fontRef>
-            </p:style>
-            <p:txBody>
-              <a:bodyPr rtlCol="0" anchor="ctr"/>
-              <a:lstStyle>
-                <a:defPPr>
-                  <a:defRPr lang="en-US"/>
-                </a:defPPr>
-                <a:lvl1pPr>
-                  <a:defRPr sz="800">
-                    <a:solidFill>
-                      <a:schemeClr val="dk1"/>
-                    </a:solidFill>
-                  </a:defRPr>
-                </a:lvl1pPr>
-                <a:lvl2pPr>
-                  <a:defRPr>
-                    <a:solidFill>
-                      <a:schemeClr val="dk1"/>
-                    </a:solidFill>
-                  </a:defRPr>
-                </a:lvl2pPr>
-                <a:lvl3pPr>
-                  <a:defRPr>
-                    <a:solidFill>
-                      <a:schemeClr val="dk1"/>
-                    </a:solidFill>
-                  </a:defRPr>
-                </a:lvl3pPr>
-                <a:lvl4pPr>
-                  <a:defRPr>
-                    <a:solidFill>
-                      <a:schemeClr val="dk1"/>
-                    </a:solidFill>
-                  </a:defRPr>
-                </a:lvl4pPr>
-                <a:lvl5pPr>
-                  <a:defRPr>
-                    <a:solidFill>
-                      <a:schemeClr val="dk1"/>
-                    </a:solidFill>
-                  </a:defRPr>
-                </a:lvl5pPr>
-                <a:lvl6pPr>
-                  <a:defRPr>
-                    <a:solidFill>
-                      <a:schemeClr val="dk1"/>
-                    </a:solidFill>
-                  </a:defRPr>
-                </a:lvl6pPr>
-                <a:lvl7pPr>
-                  <a:defRPr>
-                    <a:solidFill>
-                      <a:schemeClr val="dk1"/>
-                    </a:solidFill>
-                  </a:defRPr>
-                </a:lvl7pPr>
-                <a:lvl8pPr>
-                  <a:defRPr>
-                    <a:solidFill>
-                      <a:schemeClr val="dk1"/>
-                    </a:solidFill>
-                  </a:defRPr>
-                </a:lvl8pPr>
-                <a:lvl9pPr>
-                  <a:defRPr>
-                    <a:solidFill>
-                      <a:schemeClr val="dk1"/>
-                    </a:solidFill>
-                  </a:defRPr>
-                </a:lvl9pPr>
-              </a:lstStyle>
-              <a:p>
-                <a:pPr/>
-                <a14:m>
-                  <m:oMathPara xmlns:m="http://schemas.openxmlformats.org/officeDocument/2006/math">
-                    <m:oMathParaPr>
-                      <m:jc m:val="centerGroup"/>
-                    </m:oMathParaPr>
-                    <m:oMath xmlns:m="http://schemas.openxmlformats.org/officeDocument/2006/math">
-                      <m:r>
-                        <a:rPr lang="en-US">
-                          <a:latin typeface="Cambria Math"/>
-                        </a:rPr>
-                        <m:t>𝛽</m:t>
-                      </m:r>
-                      <m:r>
-                        <a:rPr lang="en-US">
-                          <a:latin typeface="Cambria Math"/>
-                        </a:rPr>
-                        <m:t>=</m:t>
-                      </m:r>
-                      <m:f>
-                        <m:fPr>
-                          <m:ctrlPr>
-                            <a:rPr lang="en-US" i="1">
-                              <a:latin typeface="Cambria Math" panose="02040503050406030204" pitchFamily="18" charset="0"/>
-                            </a:rPr>
-                          </m:ctrlPr>
-                        </m:fPr>
-                        <m:num>
-                          <m:r>
-                            <a:rPr lang="en-US">
-                              <a:latin typeface="Cambria Math"/>
-                            </a:rPr>
-                            <m:t>1</m:t>
-                          </m:r>
-                        </m:num>
-                        <m:den>
-                          <m:r>
-                            <a:rPr lang="en-US">
-                              <a:latin typeface="Cambria Math"/>
-                            </a:rPr>
-                            <m:t>𝜌</m:t>
-                          </m:r>
-                          <m:sSub>
-                            <m:sSubPr>
-                              <m:ctrlPr>
-                                <a:rPr lang="en-US" i="1">
-                                  <a:latin typeface="Cambria Math" panose="02040503050406030204" pitchFamily="18" charset="0"/>
-                                </a:rPr>
-                              </m:ctrlPr>
-                            </m:sSubPr>
-                            <m:e>
-                              <m:r>
-                                <a:rPr lang="en-US">
-                                  <a:latin typeface="Cambria Math"/>
-                                </a:rPr>
-                                <m:t>𝑐</m:t>
-                              </m:r>
-                            </m:e>
-                            <m:sub>
-                              <m:r>
-                                <a:rPr lang="en-US">
-                                  <a:latin typeface="Cambria Math"/>
-                                </a:rPr>
-                                <m:t>𝑝</m:t>
-                              </m:r>
-                            </m:sub>
-                          </m:sSub>
-                        </m:den>
-                      </m:f>
-                    </m:oMath>
-                  </m:oMathPara>
-                </a14:m>
-                <a:endParaRPr lang="en-US" dirty="0"/>
-              </a:p>
-            </p:txBody>
-          </p:sp>
-        </mc:Choice>
-        <mc:Fallback xmlns="">
-          <p:sp>
-            <p:nvSpPr>
-              <p:cNvPr id="7" name="TextBox 6"/>
-              <p:cNvSpPr txBox="1">
-                <a:spLocks noRot="1" noChangeAspect="1" noMove="1" noResize="1" noEditPoints="1" noAdjustHandles="1" noChangeArrowheads="1" noChangeShapeType="1" noTextEdit="1"/>
-              </p:cNvSpPr>
-              <p:nvPr/>
-            </p:nvSpPr>
-            <p:spPr>
-              <a:xfrm>
-                <a:off x="293687" y="1708867"/>
-                <a:ext cx="561179" cy="357983"/>
-              </a:xfrm>
-              <a:prstGeom prst="rect">
-                <a:avLst/>
-              </a:prstGeom>
-              <a:blipFill rotWithShape="1">
-                <a:blip r:embed="rId4"/>
-                <a:stretch>
-                  <a:fillRect/>
-                </a:stretch>
-              </a:blipFill>
-              <a:ln>
-                <a:noFill/>
-              </a:ln>
-              <a:effectLst/>
-            </p:spPr>
-            <p:txBody>
-              <a:bodyPr/>
-              <a:lstStyle/>
-              <a:p>
-                <a:r>
-                  <a:rPr lang="en-US">
-                    <a:noFill/>
-                  </a:rPr>
-                  <a:t> </a:t>
-                </a:r>
-              </a:p>
-            </p:txBody>
-          </p:sp>
-        </mc:Fallback>
-      </mc:AlternateContent>
-      <mc:AlternateContent xmlns:mc="http://schemas.openxmlformats.org/markup-compatibility/2006" xmlns:a14="http://schemas.microsoft.com/office/drawing/2010/main">
-        <mc:Choice Requires="a14">
-          <p:sp>
-            <p:nvSpPr>
-              <p:cNvPr id="8" name="TextBox 7"/>
-              <p:cNvSpPr txBox="1"/>
-              <p:nvPr/>
-            </p:nvSpPr>
-            <p:spPr>
-              <a:xfrm>
-                <a:off x="293687" y="2457385"/>
-                <a:ext cx="998735" cy="349904"/>
-              </a:xfrm>
-              <a:prstGeom prst="rect">
-                <a:avLst/>
-              </a:prstGeom>
-              <a:noFill/>
-              <a:ln>
-                <a:noFill/>
-              </a:ln>
-              <a:effectLst/>
-            </p:spPr>
-            <p:style>
-              <a:lnRef idx="1">
-                <a:schemeClr val="dk1"/>
-              </a:lnRef>
-              <a:fillRef idx="2">
-                <a:schemeClr val="dk1"/>
-              </a:fillRef>
-              <a:effectRef idx="1">
-                <a:schemeClr val="dk1"/>
-              </a:effectRef>
-              <a:fontRef idx="minor">
-                <a:schemeClr val="dk1"/>
-              </a:fontRef>
-            </p:style>
-            <p:txBody>
-              <a:bodyPr rtlCol="0" anchor="ctr"/>
-              <a:lstStyle>
-                <a:defPPr>
-                  <a:defRPr lang="en-US"/>
-                </a:defPPr>
-                <a:lvl1pPr>
-                  <a:defRPr sz="800">
-                    <a:solidFill>
-                      <a:schemeClr val="dk1"/>
-                    </a:solidFill>
-                  </a:defRPr>
-                </a:lvl1pPr>
-                <a:lvl2pPr>
-                  <a:defRPr>
-                    <a:solidFill>
-                      <a:schemeClr val="dk1"/>
-                    </a:solidFill>
-                  </a:defRPr>
-                </a:lvl2pPr>
-                <a:lvl3pPr>
-                  <a:defRPr>
-                    <a:solidFill>
-                      <a:schemeClr val="dk1"/>
-                    </a:solidFill>
-                  </a:defRPr>
-                </a:lvl3pPr>
-                <a:lvl4pPr>
-                  <a:defRPr>
-                    <a:solidFill>
-                      <a:schemeClr val="dk1"/>
-                    </a:solidFill>
-                  </a:defRPr>
-                </a:lvl4pPr>
-                <a:lvl5pPr>
-                  <a:defRPr>
-                    <a:solidFill>
-                      <a:schemeClr val="dk1"/>
-                    </a:solidFill>
-                  </a:defRPr>
-                </a:lvl5pPr>
-                <a:lvl6pPr>
-                  <a:defRPr>
-                    <a:solidFill>
-                      <a:schemeClr val="dk1"/>
-                    </a:solidFill>
-                  </a:defRPr>
-                </a:lvl6pPr>
-                <a:lvl7pPr>
-                  <a:defRPr>
-                    <a:solidFill>
-                      <a:schemeClr val="dk1"/>
-                    </a:solidFill>
-                  </a:defRPr>
-                </a:lvl7pPr>
-                <a:lvl8pPr>
-                  <a:defRPr>
-                    <a:solidFill>
-                      <a:schemeClr val="dk1"/>
-                    </a:solidFill>
-                  </a:defRPr>
-                </a:lvl8pPr>
-                <a:lvl9pPr>
-                  <a:defRPr>
-                    <a:solidFill>
-                      <a:schemeClr val="dk1"/>
-                    </a:solidFill>
-                  </a:defRPr>
-                </a:lvl9pPr>
-              </a:lstStyle>
-              <a:p>
-                <a:pPr/>
-                <a14:m>
-                  <m:oMathPara xmlns:m="http://schemas.openxmlformats.org/officeDocument/2006/math">
-                    <m:oMathParaPr>
-                      <m:jc m:val="centerGroup"/>
-                    </m:oMathParaPr>
-                    <m:oMath xmlns:m="http://schemas.openxmlformats.org/officeDocument/2006/math">
-                      <m:r>
-                        <a:rPr lang="en-US">
-                          <a:latin typeface="Cambria Math"/>
-                        </a:rPr>
-                        <m:t>𝜌</m:t>
-                      </m:r>
-                      <m:r>
-                        <a:rPr lang="en-US">
-                          <a:latin typeface="Cambria Math"/>
-                        </a:rPr>
-                        <m:t>=</m:t>
-                      </m:r>
-                      <m:f>
-                        <m:fPr>
-                          <m:ctrlPr>
-                            <a:rPr lang="en-US" i="1">
-                              <a:latin typeface="Cambria Math" panose="02040503050406030204" pitchFamily="18" charset="0"/>
-                            </a:rPr>
-                          </m:ctrlPr>
-                        </m:fPr>
-                        <m:num>
-                          <m:sSub>
-                            <m:sSubPr>
-                              <m:ctrlPr>
-                                <a:rPr lang="en-US" i="1">
-                                  <a:latin typeface="Cambria Math" panose="02040503050406030204" pitchFamily="18" charset="0"/>
-                                </a:rPr>
-                              </m:ctrlPr>
-                            </m:sSubPr>
-                            <m:e>
-                              <m:r>
-                                <a:rPr lang="en-US">
-                                  <a:latin typeface="Cambria Math"/>
-                                </a:rPr>
-                                <m:t>𝑝</m:t>
-                              </m:r>
-                            </m:e>
-                            <m:sub>
-                              <m:r>
-                                <a:rPr lang="en-US">
-                                  <a:latin typeface="Cambria Math"/>
-                                </a:rPr>
-                                <m:t>𝑑</m:t>
-                              </m:r>
-                            </m:sub>
-                          </m:sSub>
-                          <m:sSub>
-                            <m:sSubPr>
-                              <m:ctrlPr>
-                                <a:rPr lang="en-US" i="1">
-                                  <a:latin typeface="Cambria Math" panose="02040503050406030204" pitchFamily="18" charset="0"/>
-                                </a:rPr>
-                              </m:ctrlPr>
-                            </m:sSubPr>
-                            <m:e>
-                              <m:r>
-                                <a:rPr lang="en-US">
-                                  <a:latin typeface="Cambria Math"/>
-                                </a:rPr>
-                                <m:t>𝑀</m:t>
-                              </m:r>
-                            </m:e>
-                            <m:sub>
-                              <m:r>
-                                <a:rPr lang="en-US">
-                                  <a:latin typeface="Cambria Math"/>
-                                </a:rPr>
-                                <m:t>𝑑</m:t>
-                              </m:r>
-                            </m:sub>
-                          </m:sSub>
-                          <m:r>
-                            <a:rPr lang="en-US">
-                              <a:latin typeface="Cambria Math"/>
-                            </a:rPr>
-                            <m:t>+</m:t>
-                          </m:r>
-                          <m:sSub>
-                            <m:sSubPr>
-                              <m:ctrlPr>
-                                <a:rPr lang="en-US" i="1">
-                                  <a:latin typeface="Cambria Math" panose="02040503050406030204" pitchFamily="18" charset="0"/>
-                                </a:rPr>
-                              </m:ctrlPr>
-                            </m:sSubPr>
-                            <m:e>
-                              <m:r>
-                                <a:rPr lang="en-US">
-                                  <a:latin typeface="Cambria Math"/>
-                                </a:rPr>
-                                <m:t>𝑝</m:t>
-                              </m:r>
-                            </m:e>
-                            <m:sub>
-                              <m:r>
-                                <a:rPr lang="en-US">
-                                  <a:latin typeface="Cambria Math"/>
-                                </a:rPr>
-                                <m:t>𝑣</m:t>
-                              </m:r>
-                            </m:sub>
-                          </m:sSub>
-                          <m:sSub>
-                            <m:sSubPr>
-                              <m:ctrlPr>
-                                <a:rPr lang="en-US" i="1">
-                                  <a:latin typeface="Cambria Math" panose="02040503050406030204" pitchFamily="18" charset="0"/>
-                                </a:rPr>
-                              </m:ctrlPr>
-                            </m:sSubPr>
-                            <m:e>
-                              <m:r>
-                                <a:rPr lang="en-US">
-                                  <a:latin typeface="Cambria Math"/>
-                                </a:rPr>
-                                <m:t>𝑀</m:t>
-                              </m:r>
-                            </m:e>
-                            <m:sub>
-                              <m:r>
-                                <a:rPr lang="en-US">
-                                  <a:latin typeface="Cambria Math"/>
-                                </a:rPr>
-                                <m:t>𝑣</m:t>
-                              </m:r>
-                            </m:sub>
-                          </m:sSub>
-                        </m:num>
-                        <m:den>
-                          <m:r>
-                            <a:rPr lang="en-US">
-                              <a:latin typeface="Cambria Math"/>
-                            </a:rPr>
-                            <m:t>𝑈</m:t>
-                          </m:r>
-                          <m:sSub>
-                            <m:sSubPr>
-                              <m:ctrlPr>
-                                <a:rPr lang="en-US" i="1">
-                                  <a:latin typeface="Cambria Math" panose="02040503050406030204" pitchFamily="18" charset="0"/>
-                                </a:rPr>
-                              </m:ctrlPr>
-                            </m:sSubPr>
-                            <m:e>
-                              <m:r>
-                                <a:rPr lang="en-US">
-                                  <a:latin typeface="Cambria Math"/>
-                                </a:rPr>
-                                <m:t>𝑡</m:t>
-                              </m:r>
-                            </m:e>
-                            <m:sub>
-                              <m:r>
-                                <a:rPr lang="en-US">
-                                  <a:latin typeface="Cambria Math"/>
-                                </a:rPr>
-                                <m:t>𝑎</m:t>
-                              </m:r>
-                            </m:sub>
-                          </m:sSub>
-                        </m:den>
-                      </m:f>
-                    </m:oMath>
-                  </m:oMathPara>
-                </a14:m>
-                <a:endParaRPr lang="en-US" dirty="0"/>
-              </a:p>
-            </p:txBody>
-          </p:sp>
-        </mc:Choice>
-        <mc:Fallback xmlns="">
-          <p:sp>
-            <p:nvSpPr>
-              <p:cNvPr id="8" name="TextBox 7"/>
-              <p:cNvSpPr txBox="1">
-                <a:spLocks noRot="1" noChangeAspect="1" noMove="1" noResize="1" noEditPoints="1" noAdjustHandles="1" noChangeArrowheads="1" noChangeShapeType="1" noTextEdit="1"/>
-              </p:cNvSpPr>
-              <p:nvPr/>
-            </p:nvSpPr>
-            <p:spPr>
-              <a:xfrm>
-                <a:off x="293687" y="2457385"/>
-                <a:ext cx="998735" cy="349904"/>
-              </a:xfrm>
-              <a:prstGeom prst="rect">
-                <a:avLst/>
-              </a:prstGeom>
-              <a:blipFill rotWithShape="1">
-                <a:blip r:embed="rId5"/>
-                <a:stretch>
-                  <a:fillRect/>
-                </a:stretch>
-              </a:blipFill>
-              <a:ln>
-                <a:noFill/>
-              </a:ln>
-              <a:effectLst/>
-            </p:spPr>
-            <p:txBody>
-              <a:bodyPr/>
-              <a:lstStyle/>
-              <a:p>
-                <a:r>
-                  <a:rPr lang="en-US">
-                    <a:noFill/>
-                  </a:rPr>
-                  <a:t> </a:t>
-                </a:r>
-              </a:p>
-            </p:txBody>
-          </p:sp>
-        </mc:Fallback>
-      </mc:AlternateContent>
-      <mc:AlternateContent xmlns:mc="http://schemas.openxmlformats.org/markup-compatibility/2006" xmlns:a14="http://schemas.microsoft.com/office/drawing/2010/main">
-        <mc:Choice Requires="a14">
-          <p:sp>
-            <p:nvSpPr>
-              <p:cNvPr id="9" name="TextBox 8"/>
-              <p:cNvSpPr txBox="1"/>
-              <p:nvPr/>
-            </p:nvSpPr>
-            <p:spPr>
-              <a:xfrm>
-                <a:off x="293687" y="3208511"/>
-                <a:ext cx="624851" cy="228076"/>
-              </a:xfrm>
-              <a:prstGeom prst="rect">
-                <a:avLst/>
-              </a:prstGeom>
-              <a:noFill/>
-              <a:ln>
-                <a:noFill/>
-              </a:ln>
-              <a:effectLst/>
-            </p:spPr>
-            <p:style>
-              <a:lnRef idx="1">
-                <a:schemeClr val="dk1"/>
-              </a:lnRef>
-              <a:fillRef idx="2">
-                <a:schemeClr val="dk1"/>
-              </a:fillRef>
-              <a:effectRef idx="1">
-                <a:schemeClr val="dk1"/>
-              </a:effectRef>
-              <a:fontRef idx="minor">
-                <a:schemeClr val="dk1"/>
-              </a:fontRef>
-            </p:style>
-            <p:txBody>
-              <a:bodyPr rtlCol="0" anchor="ctr"/>
-              <a:lstStyle>
-                <a:defPPr>
-                  <a:defRPr lang="en-US"/>
-                </a:defPPr>
-                <a:lvl1pPr>
-                  <a:defRPr sz="800">
-                    <a:solidFill>
-                      <a:schemeClr val="dk1"/>
-                    </a:solidFill>
-                  </a:defRPr>
-                </a:lvl1pPr>
-                <a:lvl2pPr>
-                  <a:defRPr>
-                    <a:solidFill>
-                      <a:schemeClr val="dk1"/>
-                    </a:solidFill>
-                  </a:defRPr>
-                </a:lvl2pPr>
-                <a:lvl3pPr>
-                  <a:defRPr>
-                    <a:solidFill>
-                      <a:schemeClr val="dk1"/>
-                    </a:solidFill>
-                  </a:defRPr>
-                </a:lvl3pPr>
-                <a:lvl4pPr>
-                  <a:defRPr>
-                    <a:solidFill>
-                      <a:schemeClr val="dk1"/>
-                    </a:solidFill>
-                  </a:defRPr>
-                </a:lvl4pPr>
-                <a:lvl5pPr>
-                  <a:defRPr>
-                    <a:solidFill>
-                      <a:schemeClr val="dk1"/>
-                    </a:solidFill>
-                  </a:defRPr>
-                </a:lvl5pPr>
-                <a:lvl6pPr>
-                  <a:defRPr>
-                    <a:solidFill>
-                      <a:schemeClr val="dk1"/>
-                    </a:solidFill>
-                  </a:defRPr>
-                </a:lvl6pPr>
-                <a:lvl7pPr>
-                  <a:defRPr>
-                    <a:solidFill>
-                      <a:schemeClr val="dk1"/>
-                    </a:solidFill>
-                  </a:defRPr>
-                </a:lvl7pPr>
-                <a:lvl8pPr>
-                  <a:defRPr>
-                    <a:solidFill>
-                      <a:schemeClr val="dk1"/>
-                    </a:solidFill>
-                  </a:defRPr>
-                </a:lvl8pPr>
-                <a:lvl9pPr>
-                  <a:defRPr>
-                    <a:solidFill>
-                      <a:schemeClr val="dk1"/>
-                    </a:solidFill>
-                  </a:defRPr>
-                </a:lvl9pPr>
-              </a:lstStyle>
-              <a:p>
-                <a:pPr/>
-                <a14:m>
-                  <m:oMathPara xmlns:m="http://schemas.openxmlformats.org/officeDocument/2006/math">
-                    <m:oMathParaPr>
-                      <m:jc m:val="centerGroup"/>
-                    </m:oMathParaPr>
-                    <m:oMath xmlns:m="http://schemas.openxmlformats.org/officeDocument/2006/math">
-                      <m:sSub>
-                        <m:sSubPr>
-                          <m:ctrlPr>
-                            <a:rPr lang="en-US" i="1">
-                              <a:latin typeface="Cambria Math" panose="02040503050406030204" pitchFamily="18" charset="0"/>
-                            </a:rPr>
-                          </m:ctrlPr>
-                        </m:sSubPr>
-                        <m:e>
-                          <m:r>
-                            <a:rPr lang="en-US">
-                              <a:latin typeface="Cambria Math"/>
-                            </a:rPr>
-                            <m:t>𝑝</m:t>
-                          </m:r>
-                        </m:e>
-                        <m:sub>
-                          <m:r>
-                            <a:rPr lang="en-US">
-                              <a:latin typeface="Cambria Math"/>
-                            </a:rPr>
-                            <m:t>𝑣</m:t>
-                          </m:r>
-                        </m:sub>
-                      </m:sSub>
-                      <m:r>
-                        <a:rPr lang="en-US">
-                          <a:latin typeface="Cambria Math"/>
-                        </a:rPr>
-                        <m:t>=</m:t>
-                      </m:r>
-                      <m:r>
-                        <m:rPr>
-                          <m:sty m:val="p"/>
-                        </m:rPr>
-                        <a:rPr lang="en-US">
-                          <a:latin typeface="Cambria Math"/>
-                        </a:rPr>
-                        <m:t>ϕ</m:t>
-                      </m:r>
-                      <m:sSub>
-                        <m:sSubPr>
-                          <m:ctrlPr>
-                            <a:rPr lang="en-US" i="1">
-                              <a:latin typeface="Cambria Math" panose="02040503050406030204" pitchFamily="18" charset="0"/>
-                            </a:rPr>
-                          </m:ctrlPr>
-                        </m:sSubPr>
-                        <m:e>
-                          <m:r>
-                            <a:rPr lang="en-US">
-                              <a:latin typeface="Cambria Math"/>
-                            </a:rPr>
-                            <m:t>𝑝</m:t>
-                          </m:r>
-                        </m:e>
-                        <m:sub>
-                          <m:r>
-                            <a:rPr lang="en-US">
-                              <a:latin typeface="Cambria Math"/>
-                            </a:rPr>
-                            <m:t>𝑎</m:t>
-                          </m:r>
-                        </m:sub>
-                      </m:sSub>
-                    </m:oMath>
-                  </m:oMathPara>
-                </a14:m>
-                <a:endParaRPr lang="en-US" dirty="0"/>
-              </a:p>
-            </p:txBody>
-          </p:sp>
-        </mc:Choice>
-        <mc:Fallback xmlns="">
-          <p:sp>
-            <p:nvSpPr>
-              <p:cNvPr id="9" name="TextBox 8"/>
-              <p:cNvSpPr txBox="1">
-                <a:spLocks noRot="1" noChangeAspect="1" noMove="1" noResize="1" noEditPoints="1" noAdjustHandles="1" noChangeArrowheads="1" noChangeShapeType="1" noTextEdit="1"/>
-              </p:cNvSpPr>
-              <p:nvPr/>
-            </p:nvSpPr>
-            <p:spPr>
-              <a:xfrm>
-                <a:off x="293687" y="3208511"/>
-                <a:ext cx="624851" cy="228076"/>
-              </a:xfrm>
-              <a:prstGeom prst="rect">
-                <a:avLst/>
-              </a:prstGeom>
-              <a:blipFill rotWithShape="1">
-                <a:blip r:embed="rId6"/>
-                <a:stretch>
-                  <a:fillRect/>
-                </a:stretch>
-              </a:blipFill>
-              <a:ln>
-                <a:noFill/>
-              </a:ln>
-              <a:effectLst/>
-            </p:spPr>
-            <p:txBody>
-              <a:bodyPr/>
-              <a:lstStyle/>
-              <a:p>
-                <a:r>
-                  <a:rPr lang="en-US">
-                    <a:noFill/>
-                  </a:rPr>
-                  <a:t> </a:t>
-                </a:r>
-              </a:p>
-            </p:txBody>
-          </p:sp>
-        </mc:Fallback>
-      </mc:AlternateContent>
-      <mc:AlternateContent xmlns:mc="http://schemas.openxmlformats.org/markup-compatibility/2006" xmlns:a14="http://schemas.microsoft.com/office/drawing/2010/main">
-        <mc:Choice Requires="a14">
-          <p:sp>
-            <p:nvSpPr>
-              <p:cNvPr id="10" name="TextBox 9"/>
-              <p:cNvSpPr txBox="1"/>
-              <p:nvPr/>
-            </p:nvSpPr>
-            <p:spPr>
-              <a:xfrm>
-                <a:off x="293687" y="3726104"/>
-                <a:ext cx="771814" cy="228139"/>
-              </a:xfrm>
-              <a:prstGeom prst="rect">
-                <a:avLst/>
-              </a:prstGeom>
-              <a:noFill/>
-              <a:ln>
-                <a:noFill/>
-              </a:ln>
-              <a:effectLst/>
-            </p:spPr>
-            <p:style>
-              <a:lnRef idx="1">
-                <a:schemeClr val="dk1"/>
-              </a:lnRef>
-              <a:fillRef idx="2">
-                <a:schemeClr val="dk1"/>
-              </a:fillRef>
-              <a:effectRef idx="1">
-                <a:schemeClr val="dk1"/>
-              </a:effectRef>
-              <a:fontRef idx="minor">
-                <a:schemeClr val="dk1"/>
-              </a:fontRef>
-            </p:style>
-            <p:txBody>
-              <a:bodyPr rtlCol="0" anchor="ctr"/>
-              <a:lstStyle>
-                <a:defPPr>
-                  <a:defRPr lang="en-US"/>
-                </a:defPPr>
-                <a:lvl1pPr>
-                  <a:defRPr sz="800">
-                    <a:solidFill>
-                      <a:schemeClr val="dk1"/>
-                    </a:solidFill>
-                  </a:defRPr>
-                </a:lvl1pPr>
-                <a:lvl2pPr>
-                  <a:defRPr>
-                    <a:solidFill>
-                      <a:schemeClr val="dk1"/>
-                    </a:solidFill>
-                  </a:defRPr>
-                </a:lvl2pPr>
-                <a:lvl3pPr>
-                  <a:defRPr>
-                    <a:solidFill>
-                      <a:schemeClr val="dk1"/>
-                    </a:solidFill>
-                  </a:defRPr>
-                </a:lvl3pPr>
-                <a:lvl4pPr>
-                  <a:defRPr>
-                    <a:solidFill>
-                      <a:schemeClr val="dk1"/>
-                    </a:solidFill>
-                  </a:defRPr>
-                </a:lvl4pPr>
-                <a:lvl5pPr>
-                  <a:defRPr>
-                    <a:solidFill>
-                      <a:schemeClr val="dk1"/>
-                    </a:solidFill>
-                  </a:defRPr>
-                </a:lvl5pPr>
-                <a:lvl6pPr>
-                  <a:defRPr>
-                    <a:solidFill>
-                      <a:schemeClr val="dk1"/>
-                    </a:solidFill>
-                  </a:defRPr>
-                </a:lvl6pPr>
-                <a:lvl7pPr>
-                  <a:defRPr>
-                    <a:solidFill>
-                      <a:schemeClr val="dk1"/>
-                    </a:solidFill>
-                  </a:defRPr>
-                </a:lvl7pPr>
-                <a:lvl8pPr>
-                  <a:defRPr>
-                    <a:solidFill>
-                      <a:schemeClr val="dk1"/>
-                    </a:solidFill>
-                  </a:defRPr>
-                </a:lvl8pPr>
-                <a:lvl9pPr>
-                  <a:defRPr>
-                    <a:solidFill>
-                      <a:schemeClr val="dk1"/>
-                    </a:solidFill>
-                  </a:defRPr>
-                </a:lvl9pPr>
-              </a:lstStyle>
-              <a:p>
-                <a:pPr/>
-                <a14:m>
-                  <m:oMathPara xmlns:m="http://schemas.openxmlformats.org/officeDocument/2006/math">
-                    <m:oMathParaPr>
-                      <m:jc m:val="centerGroup"/>
-                    </m:oMathParaPr>
-                    <m:oMath xmlns:m="http://schemas.openxmlformats.org/officeDocument/2006/math">
-                      <m:sSub>
-                        <m:sSubPr>
-                          <m:ctrlPr>
-                            <a:rPr lang="en-US" i="1">
-                              <a:latin typeface="Cambria Math" panose="02040503050406030204" pitchFamily="18" charset="0"/>
-                            </a:rPr>
-                          </m:ctrlPr>
-                        </m:sSubPr>
-                        <m:e>
-                          <m:r>
-                            <a:rPr lang="en-US">
-                              <a:latin typeface="Cambria Math"/>
-                            </a:rPr>
-                            <m:t>𝑝</m:t>
-                          </m:r>
-                        </m:e>
-                        <m:sub>
-                          <m:r>
-                            <a:rPr lang="en-US">
-                              <a:latin typeface="Cambria Math"/>
-                            </a:rPr>
-                            <m:t>𝑑</m:t>
-                          </m:r>
-                        </m:sub>
-                      </m:sSub>
-                      <m:r>
-                        <a:rPr lang="en-US">
-                          <a:latin typeface="Cambria Math"/>
-                        </a:rPr>
-                        <m:t>=</m:t>
-                      </m:r>
-                      <m:sSub>
-                        <m:sSubPr>
-                          <m:ctrlPr>
-                            <a:rPr lang="en-US" i="1">
-                              <a:latin typeface="Cambria Math" panose="02040503050406030204" pitchFamily="18" charset="0"/>
-                            </a:rPr>
-                          </m:ctrlPr>
-                        </m:sSubPr>
-                        <m:e>
-                          <m:r>
-                            <a:rPr lang="en-US">
-                              <a:latin typeface="Cambria Math"/>
-                            </a:rPr>
-                            <m:t>𝑝</m:t>
-                          </m:r>
-                        </m:e>
-                        <m:sub>
-                          <m:r>
-                            <a:rPr lang="en-US">
-                              <a:latin typeface="Cambria Math"/>
-                            </a:rPr>
-                            <m:t>𝑡</m:t>
-                          </m:r>
-                        </m:sub>
-                      </m:sSub>
-                      <m:r>
-                        <a:rPr lang="en-US">
-                          <a:latin typeface="Cambria Math"/>
-                        </a:rPr>
-                        <m:t>−</m:t>
-                      </m:r>
-                      <m:sSub>
-                        <m:sSubPr>
-                          <m:ctrlPr>
-                            <a:rPr lang="en-US" i="1">
-                              <a:latin typeface="Cambria Math" panose="02040503050406030204" pitchFamily="18" charset="0"/>
-                            </a:rPr>
-                          </m:ctrlPr>
-                        </m:sSubPr>
-                        <m:e>
-                          <m:r>
-                            <a:rPr lang="en-US">
-                              <a:latin typeface="Cambria Math"/>
-                            </a:rPr>
-                            <m:t>𝑝</m:t>
-                          </m:r>
-                        </m:e>
-                        <m:sub>
-                          <m:r>
-                            <a:rPr lang="en-US">
-                              <a:latin typeface="Cambria Math"/>
-                            </a:rPr>
-                            <m:t>𝑣</m:t>
-                          </m:r>
-                        </m:sub>
-                      </m:sSub>
-                    </m:oMath>
-                  </m:oMathPara>
-                </a14:m>
-                <a:endParaRPr lang="en-US" dirty="0"/>
-              </a:p>
-            </p:txBody>
-          </p:sp>
-        </mc:Choice>
-        <mc:Fallback xmlns="">
-          <p:sp>
-            <p:nvSpPr>
-              <p:cNvPr id="10" name="TextBox 9"/>
-              <p:cNvSpPr txBox="1">
-                <a:spLocks noRot="1" noChangeAspect="1" noMove="1" noResize="1" noEditPoints="1" noAdjustHandles="1" noChangeArrowheads="1" noChangeShapeType="1" noTextEdit="1"/>
-              </p:cNvSpPr>
-              <p:nvPr/>
-            </p:nvSpPr>
-            <p:spPr>
-              <a:xfrm>
-                <a:off x="293687" y="3726104"/>
-                <a:ext cx="771814" cy="228139"/>
-              </a:xfrm>
-              <a:prstGeom prst="rect">
-                <a:avLst/>
-              </a:prstGeom>
-              <a:blipFill rotWithShape="1">
-                <a:blip r:embed="rId7"/>
-                <a:stretch>
-                  <a:fillRect/>
-                </a:stretch>
-              </a:blipFill>
-              <a:ln>
-                <a:noFill/>
-              </a:ln>
-              <a:effectLst/>
-            </p:spPr>
-            <p:txBody>
-              <a:bodyPr/>
-              <a:lstStyle/>
-              <a:p>
-                <a:r>
-                  <a:rPr lang="en-US">
-                    <a:noFill/>
-                  </a:rPr>
-                  <a:t> </a:t>
-                </a:r>
-              </a:p>
-            </p:txBody>
-          </p:sp>
-        </mc:Fallback>
-      </mc:AlternateContent>
-      <p:sp>
-        <p:nvSpPr>
-          <p:cNvPr id="11" name="Rectangle 10"/>
-          <p:cNvSpPr/>
-          <p:nvPr/>
-        </p:nvSpPr>
-        <p:spPr>
-          <a:xfrm>
-            <a:off x="2436944" y="2663114"/>
-            <a:ext cx="1765227" cy="184666"/>
-          </a:xfrm>
-          <a:prstGeom prst="rect">
-            <a:avLst/>
-          </a:prstGeom>
-          <a:noFill/>
-        </p:spPr>
-        <p:txBody>
-          <a:bodyPr wrap="none" rtlCol="0">
-            <a:spAutoFit/>
-          </a:bodyPr>
-          <a:lstStyle/>
-          <a:p>
-            <a:r>
-              <a:rPr lang="en-US" sz="600" i="1" dirty="0"/>
-              <a:t>http://wahiduddin.net/calc/density_altitude.htm</a:t>
-            </a:r>
-          </a:p>
-        </p:txBody>
-      </p:sp>
-      <p:sp>
-        <p:nvSpPr>
-          <p:cNvPr id="12" name="Rectangle 11"/>
-          <p:cNvSpPr/>
-          <p:nvPr/>
-        </p:nvSpPr>
-        <p:spPr>
-          <a:xfrm>
-            <a:off x="1639587" y="3331622"/>
-            <a:ext cx="1765227" cy="184666"/>
-          </a:xfrm>
-          <a:prstGeom prst="rect">
-            <a:avLst/>
-          </a:prstGeom>
-          <a:noFill/>
-        </p:spPr>
-        <p:txBody>
-          <a:bodyPr wrap="none" rtlCol="0">
-            <a:spAutoFit/>
-          </a:bodyPr>
-          <a:lstStyle/>
-          <a:p>
-            <a:r>
-              <a:rPr lang="en-US" sz="600" i="1" dirty="0"/>
-              <a:t>http://wahiduddin.net/calc/density_altitude.htm</a:t>
-            </a:r>
-          </a:p>
-        </p:txBody>
-      </p:sp>
-      <p:sp>
-        <p:nvSpPr>
-          <p:cNvPr id="13" name="Rectangle 12"/>
-          <p:cNvSpPr/>
-          <p:nvPr/>
-        </p:nvSpPr>
-        <p:spPr>
-          <a:xfrm>
-            <a:off x="1799099" y="3787659"/>
-            <a:ext cx="1765227" cy="184666"/>
-          </a:xfrm>
-          <a:prstGeom prst="rect">
-            <a:avLst/>
-          </a:prstGeom>
-          <a:noFill/>
-        </p:spPr>
-        <p:txBody>
-          <a:bodyPr wrap="none" rtlCol="0">
-            <a:spAutoFit/>
-          </a:bodyPr>
-          <a:lstStyle/>
-          <a:p>
-            <a:r>
-              <a:rPr lang="en-US" sz="600" i="1" dirty="0"/>
-              <a:t>http://wahiduddin.net/calc/density_altitude.htm</a:t>
-            </a:r>
-          </a:p>
-        </p:txBody>
-      </p:sp>
-      <p:sp>
-        <p:nvSpPr>
-          <p:cNvPr id="14" name="TextBox 13"/>
-          <p:cNvSpPr txBox="1"/>
-          <p:nvPr/>
-        </p:nvSpPr>
-        <p:spPr>
-          <a:xfrm>
-            <a:off x="2917404" y="1378196"/>
-            <a:ext cx="1473480" cy="184666"/>
-          </a:xfrm>
-          <a:prstGeom prst="rect">
-            <a:avLst/>
-          </a:prstGeom>
-          <a:noFill/>
-        </p:spPr>
-        <p:txBody>
-          <a:bodyPr wrap="none" rtlCol="0">
-            <a:spAutoFit/>
-          </a:bodyPr>
-          <a:lstStyle/>
-          <a:p>
-            <a:r>
-              <a:rPr lang="en-US" sz="600" i="1" dirty="0"/>
-              <a:t>ASHRAE Handbook of Fundamentals</a:t>
-            </a:r>
-          </a:p>
-        </p:txBody>
-      </p:sp>
-      <p:sp>
-        <p:nvSpPr>
-          <p:cNvPr id="15" name="TextBox 14"/>
-          <p:cNvSpPr txBox="1"/>
-          <p:nvPr/>
-        </p:nvSpPr>
-        <p:spPr>
-          <a:xfrm>
-            <a:off x="1473625" y="1961532"/>
-            <a:ext cx="1608133" cy="184666"/>
-          </a:xfrm>
-          <a:prstGeom prst="rect">
-            <a:avLst/>
-          </a:prstGeom>
-          <a:noFill/>
-        </p:spPr>
-        <p:txBody>
-          <a:bodyPr wrap="none" rtlCol="0">
-            <a:spAutoFit/>
-          </a:bodyPr>
-          <a:lstStyle/>
-          <a:p>
-            <a:r>
-              <a:rPr lang="en-US" sz="600" i="1" dirty="0"/>
-              <a:t>http://www.thermopedia.com/content/923/</a:t>
-            </a:r>
-          </a:p>
-        </p:txBody>
-      </p:sp>
-      <mc:AlternateContent xmlns:mc="http://schemas.openxmlformats.org/markup-compatibility/2006" xmlns:a14="http://schemas.microsoft.com/office/drawing/2010/main">
-        <mc:Choice Requires="a14">
-          <p:sp>
-            <p:nvSpPr>
-              <p:cNvPr id="16" name="Rectangle 15"/>
-              <p:cNvSpPr/>
-              <p:nvPr/>
-            </p:nvSpPr>
-            <p:spPr>
-              <a:xfrm>
-                <a:off x="5181600" y="1919598"/>
-                <a:ext cx="2260607" cy="226600"/>
-              </a:xfrm>
-              <a:prstGeom prst="rect">
-                <a:avLst/>
-              </a:prstGeom>
-              <a:noFill/>
-              <a:ln>
-                <a:noFill/>
-              </a:ln>
-              <a:effectLst/>
-            </p:spPr>
-            <p:style>
-              <a:lnRef idx="1">
-                <a:schemeClr val="dk1"/>
-              </a:lnRef>
-              <a:fillRef idx="2">
-                <a:schemeClr val="dk1"/>
-              </a:fillRef>
-              <a:effectRef idx="1">
-                <a:schemeClr val="dk1"/>
-              </a:effectRef>
-              <a:fontRef idx="minor">
-                <a:schemeClr val="dk1"/>
-              </a:fontRef>
-            </p:style>
-            <p:txBody>
-              <a:bodyPr rtlCol="0" anchor="ctr"/>
-              <a:lstStyle/>
-              <a:p>
-                <a14:m>
-                  <m:oMath xmlns:m="http://schemas.openxmlformats.org/officeDocument/2006/math">
-                    <m:sSub>
-                      <m:sSubPr>
-                        <m:ctrlPr>
-                          <a:rPr lang="en-US" sz="800" i="1">
-                            <a:solidFill>
-                              <a:schemeClr val="dk1"/>
-                            </a:solidFill>
-                            <a:latin typeface="Cambria Math" panose="02040503050406030204" pitchFamily="18" charset="0"/>
-                          </a:rPr>
-                        </m:ctrlPr>
-                      </m:sSubPr>
-                      <m:e>
-                        <m:r>
-                          <m:rPr>
-                            <m:sty m:val="p"/>
-                          </m:rPr>
-                          <a:rPr lang="en-US" sz="800">
-                            <a:solidFill>
-                              <a:schemeClr val="dk1"/>
-                            </a:solidFill>
-                            <a:latin typeface="Cambria Math"/>
-                          </a:rPr>
-                          <m:t>c</m:t>
-                        </m:r>
-                      </m:e>
-                      <m:sub>
-                        <m:r>
-                          <m:rPr>
-                            <m:sty m:val="p"/>
-                          </m:rPr>
-                          <a:rPr lang="en-US" sz="800">
-                            <a:solidFill>
-                              <a:schemeClr val="dk1"/>
-                            </a:solidFill>
-                            <a:latin typeface="Cambria Math"/>
-                          </a:rPr>
-                          <m:t>p</m:t>
-                        </m:r>
-                        <m:r>
-                          <a:rPr lang="en-US" sz="800">
-                            <a:solidFill>
-                              <a:schemeClr val="dk1"/>
-                            </a:solidFill>
-                            <a:latin typeface="Cambria Math"/>
-                          </a:rPr>
-                          <m:t>,</m:t>
-                        </m:r>
-                        <m:r>
-                          <m:rPr>
-                            <m:sty m:val="p"/>
-                          </m:rPr>
-                          <a:rPr lang="en-US" sz="800">
-                            <a:solidFill>
-                              <a:schemeClr val="dk1"/>
-                            </a:solidFill>
-                            <a:latin typeface="Cambria Math"/>
-                          </a:rPr>
-                          <m:t>w</m:t>
-                        </m:r>
-                      </m:sub>
-                    </m:sSub>
-                  </m:oMath>
-                </a14:m>
-                <a:r>
-                  <a:rPr lang="en-US" sz="800" dirty="0">
-                    <a:solidFill>
-                      <a:schemeClr val="dk1"/>
-                    </a:solidFill>
-                  </a:rPr>
-                  <a:t> = -1E-07</a:t>
-                </a:r>
-                <a14:m>
-                  <m:oMath xmlns:m="http://schemas.openxmlformats.org/officeDocument/2006/math">
-                    <m:sSubSup>
-                      <m:sSubSupPr>
-                        <m:ctrlPr>
-                          <a:rPr lang="en-US" sz="800" i="1">
-                            <a:solidFill>
-                              <a:schemeClr val="dk1"/>
-                            </a:solidFill>
-                            <a:latin typeface="Cambria Math" panose="02040503050406030204" pitchFamily="18" charset="0"/>
-                          </a:rPr>
-                        </m:ctrlPr>
-                      </m:sSubSupPr>
-                      <m:e>
-                        <m:r>
-                          <m:rPr>
-                            <m:sty m:val="p"/>
-                          </m:rPr>
-                          <a:rPr lang="en-US" sz="800">
-                            <a:solidFill>
-                              <a:schemeClr val="dk1"/>
-                            </a:solidFill>
-                            <a:latin typeface="Cambria Math"/>
-                          </a:rPr>
-                          <m:t>T</m:t>
-                        </m:r>
-                      </m:e>
-                      <m:sub>
-                        <m:r>
-                          <a:rPr lang="en-US" sz="800">
-                            <a:solidFill>
-                              <a:schemeClr val="dk1"/>
-                            </a:solidFill>
-                            <a:latin typeface="Cambria Math"/>
-                          </a:rPr>
-                          <m:t>∞</m:t>
-                        </m:r>
-                      </m:sub>
-                      <m:sup>
-                        <m:r>
-                          <a:rPr lang="en-US" sz="800">
-                            <a:solidFill>
-                              <a:schemeClr val="dk1"/>
-                            </a:solidFill>
-                            <a:latin typeface="Cambria Math"/>
-                          </a:rPr>
-                          <m:t>3</m:t>
-                        </m:r>
-                      </m:sup>
-                    </m:sSubSup>
-                  </m:oMath>
-                </a14:m>
-                <a:r>
-                  <a:rPr lang="en-US" sz="800" dirty="0">
-                    <a:solidFill>
-                      <a:schemeClr val="dk1"/>
-                    </a:solidFill>
-                  </a:rPr>
-                  <a:t>+ 3E-05</a:t>
-                </a:r>
-                <a14:m>
-                  <m:oMath xmlns:m="http://schemas.openxmlformats.org/officeDocument/2006/math">
-                    <m:sSubSup>
-                      <m:sSubSupPr>
-                        <m:ctrlPr>
-                          <a:rPr lang="en-US" sz="800" i="1" dirty="0">
-                            <a:solidFill>
-                              <a:schemeClr val="dk1"/>
-                            </a:solidFill>
-                            <a:latin typeface="Cambria Math" panose="02040503050406030204" pitchFamily="18" charset="0"/>
-                          </a:rPr>
-                        </m:ctrlPr>
-                      </m:sSubSupPr>
-                      <m:e>
-                        <m:r>
-                          <m:rPr>
-                            <m:sty m:val="p"/>
-                          </m:rPr>
-                          <a:rPr lang="en-US" sz="800" dirty="0">
-                            <a:solidFill>
-                              <a:schemeClr val="dk1"/>
-                            </a:solidFill>
-                            <a:latin typeface="Cambria Math"/>
-                          </a:rPr>
-                          <m:t>T</m:t>
-                        </m:r>
-                      </m:e>
-                      <m:sub>
-                        <m:r>
-                          <a:rPr lang="en-US" sz="800" dirty="0">
-                            <a:solidFill>
-                              <a:schemeClr val="dk1"/>
-                            </a:solidFill>
-                            <a:latin typeface="Cambria Math"/>
-                          </a:rPr>
-                          <m:t>∞</m:t>
-                        </m:r>
-                      </m:sub>
-                      <m:sup>
-                        <m:r>
-                          <a:rPr lang="en-US" sz="800" dirty="0">
-                            <a:solidFill>
-                              <a:schemeClr val="dk1"/>
-                            </a:solidFill>
-                            <a:latin typeface="Cambria Math"/>
-                          </a:rPr>
-                          <m:t>2</m:t>
-                        </m:r>
-                      </m:sup>
-                    </m:sSubSup>
-                  </m:oMath>
-                </a14:m>
-                <a:r>
-                  <a:rPr lang="en-US" sz="800" dirty="0">
-                    <a:solidFill>
-                      <a:schemeClr val="dk1"/>
-                    </a:solidFill>
-                  </a:rPr>
-                  <a:t> - 0.0018</a:t>
-                </a:r>
-                <a14:m>
-                  <m:oMath xmlns:m="http://schemas.openxmlformats.org/officeDocument/2006/math">
-                    <m:sSub>
-                      <m:sSubPr>
-                        <m:ctrlPr>
-                          <a:rPr lang="en-US" sz="800" i="1">
-                            <a:solidFill>
-                              <a:schemeClr val="dk1"/>
-                            </a:solidFill>
-                            <a:latin typeface="Cambria Math" panose="02040503050406030204" pitchFamily="18" charset="0"/>
-                          </a:rPr>
-                        </m:ctrlPr>
-                      </m:sSubPr>
-                      <m:e>
-                        <m:r>
-                          <m:rPr>
-                            <m:sty m:val="p"/>
-                          </m:rPr>
-                          <a:rPr lang="en-US" sz="800">
-                            <a:solidFill>
-                              <a:schemeClr val="dk1"/>
-                            </a:solidFill>
-                            <a:latin typeface="Cambria Math"/>
-                          </a:rPr>
-                          <m:t>T</m:t>
-                        </m:r>
-                      </m:e>
-                      <m:sub>
-                        <m:r>
-                          <a:rPr lang="en-US" sz="800">
-                            <a:solidFill>
-                              <a:schemeClr val="dk1"/>
-                            </a:solidFill>
-                            <a:latin typeface="Cambria Math"/>
-                          </a:rPr>
-                          <m:t>∞</m:t>
-                        </m:r>
-                      </m:sub>
-                    </m:sSub>
-                  </m:oMath>
-                </a14:m>
-                <a:r>
-                  <a:rPr lang="en-US" sz="800" dirty="0">
-                    <a:solidFill>
-                      <a:schemeClr val="dk1"/>
-                    </a:solidFill>
-                  </a:rPr>
-                  <a:t> + 4.2093</a:t>
-                </a:r>
-              </a:p>
-            </p:txBody>
-          </p:sp>
-        </mc:Choice>
-        <mc:Fallback xmlns="">
-          <p:sp>
-            <p:nvSpPr>
-              <p:cNvPr id="16" name="Rectangle 15"/>
-              <p:cNvSpPr>
-                <a:spLocks noRot="1" noChangeAspect="1" noMove="1" noResize="1" noEditPoints="1" noAdjustHandles="1" noChangeArrowheads="1" noChangeShapeType="1" noTextEdit="1"/>
-              </p:cNvSpPr>
-              <p:nvPr/>
-            </p:nvSpPr>
-            <p:spPr>
-              <a:xfrm>
-                <a:off x="5181600" y="1919598"/>
-                <a:ext cx="2260607" cy="226600"/>
-              </a:xfrm>
-              <a:prstGeom prst="rect">
-                <a:avLst/>
-              </a:prstGeom>
-              <a:blipFill rotWithShape="1">
-                <a:blip r:embed="rId8"/>
-                <a:stretch>
-                  <a:fillRect b="-5405"/>
-                </a:stretch>
-              </a:blipFill>
-              <a:ln>
-                <a:noFill/>
-              </a:ln>
-              <a:effectLst/>
-            </p:spPr>
-            <p:txBody>
-              <a:bodyPr/>
-              <a:lstStyle/>
-              <a:p>
-                <a:r>
-                  <a:rPr lang="en-US">
-                    <a:noFill/>
-                  </a:rPr>
-                  <a:t> </a:t>
-                </a:r>
-              </a:p>
-            </p:txBody>
-          </p:sp>
-        </mc:Fallback>
-      </mc:AlternateContent>
-      <mc:AlternateContent xmlns:mc="http://schemas.openxmlformats.org/markup-compatibility/2006" xmlns:a14="http://schemas.microsoft.com/office/drawing/2010/main">
-        <mc:Choice Requires="a14">
-          <p:sp>
-            <p:nvSpPr>
-              <p:cNvPr id="17" name="Rectangle 16"/>
-              <p:cNvSpPr/>
-              <p:nvPr/>
-            </p:nvSpPr>
-            <p:spPr>
-              <a:xfrm>
-                <a:off x="5193828" y="2383480"/>
-                <a:ext cx="2275427" cy="225959"/>
-              </a:xfrm>
-              <a:prstGeom prst="rect">
-                <a:avLst/>
-              </a:prstGeom>
-              <a:noFill/>
-              <a:ln>
-                <a:noFill/>
-              </a:ln>
-              <a:effectLst/>
-            </p:spPr>
-            <p:style>
-              <a:lnRef idx="1">
-                <a:schemeClr val="dk1"/>
-              </a:lnRef>
-              <a:fillRef idx="2">
-                <a:schemeClr val="dk1"/>
-              </a:fillRef>
-              <a:effectRef idx="1">
-                <a:schemeClr val="dk1"/>
-              </a:effectRef>
-              <a:fontRef idx="minor">
-                <a:schemeClr val="dk1"/>
-              </a:fontRef>
-            </p:style>
-            <p:txBody>
-              <a:bodyPr rtlCol="0" anchor="ctr"/>
-              <a:lstStyle/>
-              <a:p>
-                <a14:m>
-                  <m:oMath xmlns:m="http://schemas.openxmlformats.org/officeDocument/2006/math">
-                    <m:r>
-                      <a:rPr lang="en-US" sz="800">
-                        <a:solidFill>
-                          <a:schemeClr val="dk1"/>
-                        </a:solidFill>
-                        <a:latin typeface="Cambria Math"/>
-                      </a:rPr>
-                      <m:t>𝜇</m:t>
-                    </m:r>
-                  </m:oMath>
-                </a14:m>
-                <a:r>
-                  <a:rPr lang="en-US" sz="800" dirty="0">
-                    <a:solidFill>
-                      <a:schemeClr val="dk1"/>
-                    </a:solidFill>
-                  </a:rPr>
-                  <a:t> = -3E-06</a:t>
-                </a:r>
-                <a14:m>
-                  <m:oMath xmlns:m="http://schemas.openxmlformats.org/officeDocument/2006/math">
-                    <m:sSubSup>
-                      <m:sSubSupPr>
-                        <m:ctrlPr>
-                          <a:rPr lang="en-US" sz="800" i="1">
-                            <a:solidFill>
-                              <a:schemeClr val="dk1"/>
-                            </a:solidFill>
-                            <a:latin typeface="Cambria Math" panose="02040503050406030204" pitchFamily="18" charset="0"/>
-                          </a:rPr>
-                        </m:ctrlPr>
-                      </m:sSubSupPr>
-                      <m:e>
-                        <m:r>
-                          <a:rPr lang="en-US" sz="800">
-                            <a:solidFill>
-                              <a:schemeClr val="dk1"/>
-                            </a:solidFill>
-                            <a:latin typeface="Cambria Math"/>
-                          </a:rPr>
-                          <m:t>𝑇</m:t>
-                        </m:r>
-                      </m:e>
-                      <m:sub>
-                        <m:r>
-                          <a:rPr lang="en-US" sz="800">
-                            <a:solidFill>
-                              <a:schemeClr val="dk1"/>
-                            </a:solidFill>
-                            <a:latin typeface="Cambria Math"/>
-                          </a:rPr>
-                          <m:t>∞</m:t>
-                        </m:r>
-                      </m:sub>
-                      <m:sup>
-                        <m:r>
-                          <a:rPr lang="en-US" sz="800">
-                            <a:solidFill>
-                              <a:schemeClr val="dk1"/>
-                            </a:solidFill>
-                            <a:latin typeface="Cambria Math"/>
-                          </a:rPr>
-                          <m:t>3</m:t>
-                        </m:r>
-                      </m:sup>
-                    </m:sSubSup>
-                  </m:oMath>
-                </a14:m>
-                <a:r>
-                  <a:rPr lang="en-US" sz="800" dirty="0">
-                    <a:solidFill>
-                      <a:schemeClr val="dk1"/>
-                    </a:solidFill>
-                  </a:rPr>
-                  <a:t> + 0.0006</a:t>
-                </a:r>
-                <a14:m>
-                  <m:oMath xmlns:m="http://schemas.openxmlformats.org/officeDocument/2006/math">
-                    <m:sSubSup>
-                      <m:sSubSupPr>
-                        <m:ctrlPr>
-                          <a:rPr lang="en-US" sz="800" i="1">
-                            <a:solidFill>
-                              <a:schemeClr val="dk1"/>
-                            </a:solidFill>
-                            <a:latin typeface="Cambria Math" panose="02040503050406030204" pitchFamily="18" charset="0"/>
-                          </a:rPr>
-                        </m:ctrlPr>
-                      </m:sSubSupPr>
-                      <m:e>
-                        <m:r>
-                          <a:rPr lang="en-US" sz="800">
-                            <a:solidFill>
-                              <a:schemeClr val="dk1"/>
-                            </a:solidFill>
-                            <a:latin typeface="Cambria Math"/>
-                          </a:rPr>
-                          <m:t>𝑇</m:t>
-                        </m:r>
-                      </m:e>
-                      <m:sub>
-                        <m:r>
-                          <a:rPr lang="en-US" sz="800">
-                            <a:solidFill>
-                              <a:schemeClr val="dk1"/>
-                            </a:solidFill>
-                            <a:latin typeface="Cambria Math"/>
-                          </a:rPr>
-                          <m:t>∞</m:t>
-                        </m:r>
-                      </m:sub>
-                      <m:sup>
-                        <m:r>
-                          <a:rPr lang="en-US" sz="800">
-                            <a:solidFill>
-                              <a:schemeClr val="dk1"/>
-                            </a:solidFill>
-                            <a:latin typeface="Cambria Math"/>
-                          </a:rPr>
-                          <m:t>2</m:t>
-                        </m:r>
-                      </m:sup>
-                    </m:sSubSup>
-                  </m:oMath>
-                </a14:m>
-                <a:r>
-                  <a:rPr lang="en-US" sz="800" dirty="0">
-                    <a:solidFill>
-                      <a:schemeClr val="dk1"/>
-                    </a:solidFill>
-                  </a:rPr>
-                  <a:t> - 0.0462</a:t>
-                </a:r>
-                <a14:m>
-                  <m:oMath xmlns:m="http://schemas.openxmlformats.org/officeDocument/2006/math">
-                    <m:sSub>
-                      <m:sSubPr>
-                        <m:ctrlPr>
-                          <a:rPr lang="en-US" sz="800" i="1">
-                            <a:solidFill>
-                              <a:schemeClr val="dk1"/>
-                            </a:solidFill>
-                            <a:latin typeface="Cambria Math" panose="02040503050406030204" pitchFamily="18" charset="0"/>
-                          </a:rPr>
-                        </m:ctrlPr>
-                      </m:sSubPr>
-                      <m:e>
-                        <m:r>
-                          <a:rPr lang="en-US" sz="800">
-                            <a:solidFill>
-                              <a:schemeClr val="dk1"/>
-                            </a:solidFill>
-                            <a:latin typeface="Cambria Math"/>
-                          </a:rPr>
-                          <m:t>𝑇</m:t>
-                        </m:r>
-                      </m:e>
-                      <m:sub>
-                        <m:r>
-                          <a:rPr lang="en-US" sz="800">
-                            <a:solidFill>
-                              <a:schemeClr val="dk1"/>
-                            </a:solidFill>
-                            <a:latin typeface="Cambria Math"/>
-                          </a:rPr>
-                          <m:t>∞</m:t>
-                        </m:r>
-                      </m:sub>
-                    </m:sSub>
-                  </m:oMath>
-                </a14:m>
-                <a:r>
-                  <a:rPr lang="en-US" sz="800" dirty="0">
-                    <a:solidFill>
-                      <a:schemeClr val="dk1"/>
-                    </a:solidFill>
-                  </a:rPr>
-                  <a:t> + 1.7412</a:t>
-                </a:r>
-              </a:p>
-            </p:txBody>
-          </p:sp>
-        </mc:Choice>
-        <mc:Fallback xmlns="">
-          <p:sp>
-            <p:nvSpPr>
-              <p:cNvPr id="17" name="Rectangle 16"/>
-              <p:cNvSpPr>
-                <a:spLocks noRot="1" noChangeAspect="1" noMove="1" noResize="1" noEditPoints="1" noAdjustHandles="1" noChangeArrowheads="1" noChangeShapeType="1" noTextEdit="1"/>
-              </p:cNvSpPr>
-              <p:nvPr/>
-            </p:nvSpPr>
-            <p:spPr>
-              <a:xfrm>
-                <a:off x="5193828" y="2383480"/>
-                <a:ext cx="2275427" cy="225959"/>
-              </a:xfrm>
-              <a:prstGeom prst="rect">
-                <a:avLst/>
-              </a:prstGeom>
-              <a:blipFill rotWithShape="1">
-                <a:blip r:embed="rId9"/>
-                <a:stretch>
-                  <a:fillRect b="-8108"/>
-                </a:stretch>
-              </a:blipFill>
-              <a:ln>
-                <a:noFill/>
-              </a:ln>
-              <a:effectLst/>
-            </p:spPr>
-            <p:txBody>
-              <a:bodyPr/>
-              <a:lstStyle/>
-              <a:p>
-                <a:r>
-                  <a:rPr lang="en-US">
-                    <a:noFill/>
-                  </a:rPr>
-                  <a:t> </a:t>
-                </a:r>
-              </a:p>
-            </p:txBody>
-          </p:sp>
-        </mc:Fallback>
-      </mc:AlternateContent>
-      <mc:AlternateContent xmlns:mc="http://schemas.openxmlformats.org/markup-compatibility/2006" xmlns:a14="http://schemas.microsoft.com/office/drawing/2010/main">
-        <mc:Choice Requires="a14">
-          <p:sp>
-            <p:nvSpPr>
-              <p:cNvPr id="18" name="Rectangle 17"/>
-              <p:cNvSpPr/>
-              <p:nvPr/>
-            </p:nvSpPr>
-            <p:spPr>
-              <a:xfrm>
-                <a:off x="5277979" y="2863120"/>
-                <a:ext cx="2164228" cy="225959"/>
-              </a:xfrm>
-              <a:prstGeom prst="rect">
-                <a:avLst/>
-              </a:prstGeom>
-              <a:noFill/>
-              <a:ln>
-                <a:noFill/>
-              </a:ln>
-              <a:effectLst/>
-            </p:spPr>
-            <p:style>
-              <a:lnRef idx="1">
-                <a:schemeClr val="dk1"/>
-              </a:lnRef>
-              <a:fillRef idx="2">
-                <a:schemeClr val="dk1"/>
-              </a:fillRef>
-              <a:effectRef idx="1">
-                <a:schemeClr val="dk1"/>
-              </a:effectRef>
-              <a:fontRef idx="minor">
-                <a:schemeClr val="dk1"/>
-              </a:fontRef>
-            </p:style>
-            <p:txBody>
-              <a:bodyPr rtlCol="0" anchor="ctr"/>
-              <a:lstStyle/>
-              <a:p>
-                <a14:m>
-                  <m:oMath xmlns:m="http://schemas.openxmlformats.org/officeDocument/2006/math">
-                    <m:r>
-                      <m:rPr>
-                        <m:sty m:val="p"/>
-                      </m:rPr>
-                      <a:rPr lang="el-GR" sz="800">
-                        <a:solidFill>
-                          <a:schemeClr val="dk1"/>
-                        </a:solidFill>
-                        <a:latin typeface="Cambria Math"/>
-                      </a:rPr>
-                      <m:t>α</m:t>
-                    </m:r>
-                  </m:oMath>
-                </a14:m>
-                <a:r>
-                  <a:rPr lang="en-US" sz="800" dirty="0">
-                    <a:solidFill>
-                      <a:schemeClr val="dk1"/>
-                    </a:solidFill>
-                  </a:rPr>
-                  <a:t>= 6E-07</a:t>
-                </a:r>
-                <a14:m>
-                  <m:oMath xmlns:m="http://schemas.openxmlformats.org/officeDocument/2006/math">
-                    <m:sSubSup>
-                      <m:sSubSupPr>
-                        <m:ctrlPr>
-                          <a:rPr lang="en-US" sz="800" i="1">
-                            <a:solidFill>
-                              <a:schemeClr val="dk1"/>
-                            </a:solidFill>
-                            <a:latin typeface="Cambria Math" panose="02040503050406030204" pitchFamily="18" charset="0"/>
-                          </a:rPr>
-                        </m:ctrlPr>
-                      </m:sSubSupPr>
-                      <m:e>
-                        <m:r>
-                          <a:rPr lang="en-US" sz="800">
-                            <a:solidFill>
-                              <a:schemeClr val="dk1"/>
-                            </a:solidFill>
-                            <a:latin typeface="Cambria Math"/>
-                          </a:rPr>
-                          <m:t>𝑇</m:t>
-                        </m:r>
-                      </m:e>
-                      <m:sub>
-                        <m:r>
-                          <a:rPr lang="en-US" sz="800">
-                            <a:solidFill>
-                              <a:schemeClr val="dk1"/>
-                            </a:solidFill>
-                            <a:latin typeface="Cambria Math"/>
-                          </a:rPr>
-                          <m:t>∞</m:t>
-                        </m:r>
-                      </m:sub>
-                      <m:sup>
-                        <m:r>
-                          <a:rPr lang="en-US" sz="800">
-                            <a:solidFill>
-                              <a:schemeClr val="dk1"/>
-                            </a:solidFill>
-                            <a:latin typeface="Cambria Math"/>
-                          </a:rPr>
-                          <m:t>3</m:t>
-                        </m:r>
-                      </m:sup>
-                    </m:sSubSup>
-                  </m:oMath>
-                </a14:m>
-                <a:r>
-                  <a:rPr lang="en-US" sz="800" dirty="0">
-                    <a:solidFill>
-                      <a:schemeClr val="dk1"/>
-                    </a:solidFill>
-                  </a:rPr>
-                  <a:t> - 0.0001</a:t>
-                </a:r>
-                <a14:m>
-                  <m:oMath xmlns:m="http://schemas.openxmlformats.org/officeDocument/2006/math">
-                    <m:sSubSup>
-                      <m:sSubSupPr>
-                        <m:ctrlPr>
-                          <a:rPr lang="en-US" sz="800" i="1">
-                            <a:solidFill>
-                              <a:schemeClr val="dk1"/>
-                            </a:solidFill>
-                            <a:latin typeface="Cambria Math" panose="02040503050406030204" pitchFamily="18" charset="0"/>
-                          </a:rPr>
-                        </m:ctrlPr>
-                      </m:sSubSupPr>
-                      <m:e>
-                        <m:r>
-                          <a:rPr lang="en-US" sz="800">
-                            <a:solidFill>
-                              <a:schemeClr val="dk1"/>
-                            </a:solidFill>
-                            <a:latin typeface="Cambria Math"/>
-                          </a:rPr>
-                          <m:t>𝑇</m:t>
-                        </m:r>
-                      </m:e>
-                      <m:sub>
-                        <m:r>
-                          <a:rPr lang="en-US" sz="800">
-                            <a:solidFill>
-                              <a:schemeClr val="dk1"/>
-                            </a:solidFill>
-                            <a:latin typeface="Cambria Math"/>
-                          </a:rPr>
-                          <m:t>∞</m:t>
-                        </m:r>
-                      </m:sub>
-                      <m:sup>
-                        <m:r>
-                          <a:rPr lang="en-US" sz="800">
-                            <a:solidFill>
-                              <a:schemeClr val="dk1"/>
-                            </a:solidFill>
-                            <a:latin typeface="Cambria Math"/>
-                          </a:rPr>
-                          <m:t>2</m:t>
-                        </m:r>
-                      </m:sup>
-                    </m:sSubSup>
-                  </m:oMath>
-                </a14:m>
-                <a:r>
-                  <a:rPr lang="en-US" sz="800" dirty="0">
-                    <a:solidFill>
-                      <a:schemeClr val="dk1"/>
-                    </a:solidFill>
-                  </a:rPr>
-                  <a:t> + 0.016</a:t>
-                </a:r>
-                <a14:m>
-                  <m:oMath xmlns:m="http://schemas.openxmlformats.org/officeDocument/2006/math">
-                    <m:sSub>
-                      <m:sSubPr>
-                        <m:ctrlPr>
-                          <a:rPr lang="en-US" sz="800" i="1">
-                            <a:solidFill>
-                              <a:schemeClr val="dk1"/>
-                            </a:solidFill>
-                            <a:latin typeface="Cambria Math" panose="02040503050406030204" pitchFamily="18" charset="0"/>
-                          </a:rPr>
-                        </m:ctrlPr>
-                      </m:sSubPr>
-                      <m:e>
-                        <m:r>
-                          <a:rPr lang="en-US" sz="800">
-                            <a:solidFill>
-                              <a:schemeClr val="dk1"/>
-                            </a:solidFill>
-                            <a:latin typeface="Cambria Math"/>
-                          </a:rPr>
-                          <m:t>𝑇</m:t>
-                        </m:r>
-                      </m:e>
-                      <m:sub>
-                        <m:r>
-                          <a:rPr lang="en-US" sz="800">
-                            <a:solidFill>
-                              <a:schemeClr val="dk1"/>
-                            </a:solidFill>
-                            <a:latin typeface="Cambria Math"/>
-                          </a:rPr>
-                          <m:t>∞</m:t>
-                        </m:r>
-                      </m:sub>
-                    </m:sSub>
-                  </m:oMath>
-                </a14:m>
-                <a:r>
-                  <a:rPr lang="en-US" sz="800" dirty="0">
-                    <a:solidFill>
-                      <a:schemeClr val="dk1"/>
-                    </a:solidFill>
-                  </a:rPr>
-                  <a:t> - 0.0632</a:t>
-                </a:r>
-              </a:p>
-            </p:txBody>
-          </p:sp>
-        </mc:Choice>
-        <mc:Fallback xmlns="">
-          <p:sp>
-            <p:nvSpPr>
-              <p:cNvPr id="18" name="Rectangle 17"/>
-              <p:cNvSpPr>
-                <a:spLocks noRot="1" noChangeAspect="1" noMove="1" noResize="1" noEditPoints="1" noAdjustHandles="1" noChangeArrowheads="1" noChangeShapeType="1" noTextEdit="1"/>
-              </p:cNvSpPr>
-              <p:nvPr/>
-            </p:nvSpPr>
-            <p:spPr>
-              <a:xfrm>
-                <a:off x="5277979" y="2863120"/>
-                <a:ext cx="2164228" cy="225959"/>
-              </a:xfrm>
-              <a:prstGeom prst="rect">
-                <a:avLst/>
-              </a:prstGeom>
-              <a:blipFill rotWithShape="1">
-                <a:blip r:embed="rId10"/>
-                <a:stretch>
-                  <a:fillRect b="-8108"/>
-                </a:stretch>
-              </a:blipFill>
-              <a:ln>
-                <a:noFill/>
-              </a:ln>
-              <a:effectLst/>
-            </p:spPr>
-            <p:txBody>
-              <a:bodyPr/>
-              <a:lstStyle/>
-              <a:p>
-                <a:r>
-                  <a:rPr lang="en-US">
-                    <a:noFill/>
-                  </a:rPr>
-                  <a:t> </a:t>
-                </a:r>
-              </a:p>
-            </p:txBody>
-          </p:sp>
-        </mc:Fallback>
-      </mc:AlternateContent>
-      <mc:AlternateContent xmlns:mc="http://schemas.openxmlformats.org/markup-compatibility/2006" xmlns:a14="http://schemas.microsoft.com/office/drawing/2010/main">
-        <mc:Choice Requires="a14">
-          <p:sp>
-            <p:nvSpPr>
-              <p:cNvPr id="20" name="Rectangle 19"/>
-              <p:cNvSpPr/>
-              <p:nvPr/>
-            </p:nvSpPr>
-            <p:spPr>
-              <a:xfrm>
-                <a:off x="5486400" y="4074562"/>
-                <a:ext cx="2518056" cy="339428"/>
-              </a:xfrm>
-              <a:prstGeom prst="rect">
-                <a:avLst/>
-              </a:prstGeom>
-              <a:noFill/>
-              <a:ln>
-                <a:noFill/>
-              </a:ln>
-              <a:effectLst/>
-            </p:spPr>
-            <p:style>
-              <a:lnRef idx="1">
-                <a:schemeClr val="dk1"/>
-              </a:lnRef>
-              <a:fillRef idx="2">
-                <a:schemeClr val="dk1"/>
-              </a:fillRef>
-              <a:effectRef idx="1">
-                <a:schemeClr val="dk1"/>
-              </a:effectRef>
-              <a:fontRef idx="minor">
-                <a:schemeClr val="dk1"/>
-              </a:fontRef>
-            </p:style>
-            <p:txBody>
-              <a:bodyPr rtlCol="0" anchor="ctr"/>
-              <a:lstStyle/>
-              <a:p>
-                <a:pPr/>
-                <a14:m>
-                  <m:oMathPara xmlns:m="http://schemas.openxmlformats.org/officeDocument/2006/math">
-                    <m:oMathParaPr>
-                      <m:jc m:val="centerGroup"/>
-                    </m:oMathParaPr>
-                    <m:oMath xmlns:m="http://schemas.openxmlformats.org/officeDocument/2006/math">
-                      <m:sSub>
-                        <m:sSubPr>
-                          <m:ctrlPr>
-                            <a:rPr lang="en-US" sz="800" i="1" smtClean="0">
-                              <a:solidFill>
-                                <a:schemeClr val="dk1"/>
-                              </a:solidFill>
-                              <a:latin typeface="Cambria Math" panose="02040503050406030204" pitchFamily="18" charset="0"/>
-                            </a:rPr>
-                          </m:ctrlPr>
-                        </m:sSubPr>
-                        <m:e>
-                          <m:r>
-                            <m:rPr>
-                              <m:sty m:val="p"/>
-                            </m:rPr>
-                            <a:rPr lang="en-US" sz="800" b="0" i="0" smtClean="0">
-                              <a:solidFill>
-                                <a:schemeClr val="dk1"/>
-                              </a:solidFill>
-                              <a:latin typeface="Cambria Math"/>
-                            </a:rPr>
-                            <m:t>h</m:t>
-                          </m:r>
-                        </m:e>
-                        <m:sub>
-                          <m:r>
-                            <m:rPr>
-                              <m:sty m:val="p"/>
-                            </m:rPr>
-                            <a:rPr lang="en-US" sz="800" b="0" i="0" smtClean="0">
-                              <a:solidFill>
-                                <a:schemeClr val="dk1"/>
-                              </a:solidFill>
-                              <a:latin typeface="Cambria Math"/>
-                            </a:rPr>
-                            <m:t>fg</m:t>
-                          </m:r>
-                        </m:sub>
-                      </m:sSub>
-                      <m:r>
-                        <a:rPr lang="en-US" sz="800">
-                          <a:solidFill>
-                            <a:schemeClr val="dk1"/>
-                          </a:solidFill>
-                          <a:latin typeface="Cambria Math"/>
-                        </a:rPr>
-                        <m:t>=</m:t>
-                      </m:r>
-                      <m:d>
-                        <m:dPr>
-                          <m:begChr m:val="{"/>
-                          <m:endChr m:val=""/>
-                          <m:ctrlPr>
-                            <a:rPr lang="en-US" sz="800" i="1">
-                              <a:solidFill>
-                                <a:schemeClr val="dk1"/>
-                              </a:solidFill>
-                              <a:latin typeface="Cambria Math" panose="02040503050406030204" pitchFamily="18" charset="0"/>
-                            </a:rPr>
-                          </m:ctrlPr>
-                        </m:dPr>
-                        <m:e>
-                          <m:eqArr>
-                            <m:eqArrPr>
-                              <m:ctrlPr>
-                                <a:rPr lang="en-US" sz="800" i="1">
-                                  <a:solidFill>
-                                    <a:schemeClr val="dk1"/>
-                                  </a:solidFill>
-                                  <a:latin typeface="Cambria Math" panose="02040503050406030204" pitchFamily="18" charset="0"/>
-                                </a:rPr>
-                              </m:ctrlPr>
-                            </m:eqArrPr>
-                            <m:e>
-                              <m:r>
-                                <a:rPr lang="en-US" sz="800" i="1">
-                                  <a:latin typeface="Cambria Math"/>
-                                </a:rPr>
-                                <m:t>−0.10042</m:t>
-                              </m:r>
-                              <m:sSubSup>
-                                <m:sSubSupPr>
-                                  <m:ctrlPr>
-                                    <a:rPr lang="en-US" sz="800" i="1" smtClean="0">
-                                      <a:latin typeface="Cambria Math" panose="02040503050406030204" pitchFamily="18" charset="0"/>
-                                    </a:rPr>
-                                  </m:ctrlPr>
-                                </m:sSubSupPr>
-                                <m:e>
-                                  <m:r>
-                                    <a:rPr lang="en-US" sz="800" b="0" i="1" smtClean="0">
-                                      <a:latin typeface="Cambria Math"/>
-                                    </a:rPr>
-                                    <m:t>𝑡</m:t>
-                                  </m:r>
-                                </m:e>
-                                <m:sub>
-                                  <m:r>
-                                    <a:rPr lang="en-US" sz="800" b="0" i="1" smtClean="0">
-                                      <a:latin typeface="Cambria Math"/>
-                                    </a:rPr>
-                                    <m:t>𝑎</m:t>
-                                  </m:r>
-                                </m:sub>
-                                <m:sup>
-                                  <m:r>
-                                    <a:rPr lang="en-US" sz="800" b="0" i="1" smtClean="0">
-                                      <a:latin typeface="Cambria Math"/>
-                                    </a:rPr>
-                                    <m:t>2</m:t>
-                                  </m:r>
-                                </m:sup>
-                              </m:sSubSup>
-                              <m:r>
-                                <a:rPr lang="en-US" sz="800" i="1">
-                                  <a:latin typeface="Cambria Math"/>
-                                </a:rPr>
-                                <m:t>+22.173</m:t>
-                              </m:r>
-                              <m:sSub>
-                                <m:sSubPr>
-                                  <m:ctrlPr>
-                                    <a:rPr lang="en-US" sz="800" i="1" smtClean="0">
-                                      <a:latin typeface="Cambria Math" panose="02040503050406030204" pitchFamily="18" charset="0"/>
-                                    </a:rPr>
-                                  </m:ctrlPr>
-                                </m:sSubPr>
-                                <m:e>
-                                  <m:r>
-                                    <a:rPr lang="en-US" sz="800" b="0" i="1" smtClean="0">
-                                      <a:latin typeface="Cambria Math"/>
-                                    </a:rPr>
-                                    <m:t>𝑡</m:t>
-                                  </m:r>
-                                </m:e>
-                                <m:sub>
-                                  <m:r>
-                                    <a:rPr lang="en-US" sz="800" b="0" i="1" smtClean="0">
-                                      <a:latin typeface="Cambria Math"/>
-                                    </a:rPr>
-                                    <m:t>𝑎</m:t>
-                                  </m:r>
-                                </m:sub>
-                              </m:sSub>
-                              <m:r>
-                                <a:rPr lang="en-US" sz="800" i="1">
-                                  <a:latin typeface="Cambria Math"/>
-                                </a:rPr>
-                                <m:t>+46375</m:t>
-                              </m:r>
-                              <m:r>
-                                <a:rPr lang="en-US" sz="800">
-                                  <a:solidFill>
-                                    <a:schemeClr val="dk1"/>
-                                  </a:solidFill>
-                                  <a:latin typeface="Cambria Math"/>
-                                </a:rPr>
-                                <m:t>, </m:t>
-                              </m:r>
-                              <m:sSub>
-                                <m:sSubPr>
-                                  <m:ctrlPr>
-                                    <a:rPr lang="en-US" sz="800" i="1" smtClean="0">
-                                      <a:solidFill>
-                                        <a:schemeClr val="dk1"/>
-                                      </a:solidFill>
-                                      <a:latin typeface="Cambria Math" panose="02040503050406030204" pitchFamily="18" charset="0"/>
-                                    </a:rPr>
-                                  </m:ctrlPr>
-                                </m:sSubPr>
-                                <m:e>
-                                  <m:r>
-                                    <a:rPr lang="en-US" sz="800" b="0" i="1" smtClean="0">
-                                      <a:solidFill>
-                                        <a:schemeClr val="dk1"/>
-                                      </a:solidFill>
-                                      <a:latin typeface="Cambria Math"/>
-                                    </a:rPr>
-                                    <m:t>𝑡</m:t>
-                                  </m:r>
-                                </m:e>
-                                <m:sub>
-                                  <m:r>
-                                    <a:rPr lang="en-US" sz="800" b="0" i="1" smtClean="0">
-                                      <a:solidFill>
-                                        <a:schemeClr val="dk1"/>
-                                      </a:solidFill>
-                                      <a:latin typeface="Cambria Math"/>
-                                    </a:rPr>
-                                    <m:t>𝑎</m:t>
-                                  </m:r>
-                                </m:sub>
-                              </m:sSub>
-                              <m:r>
-                                <a:rPr lang="en-US" sz="800">
-                                  <a:solidFill>
-                                    <a:schemeClr val="dk1"/>
-                                  </a:solidFill>
-                                  <a:latin typeface="Cambria Math"/>
-                                </a:rPr>
-                                <m:t>≤</m:t>
-                              </m:r>
-                              <m:r>
-                                <a:rPr lang="en-US" sz="800" b="0" i="0" smtClean="0">
-                                  <a:solidFill>
-                                    <a:schemeClr val="dk1"/>
-                                  </a:solidFill>
-                                  <a:latin typeface="Cambria Math"/>
-                                </a:rPr>
-                                <m:t>560</m:t>
-                              </m:r>
-                              <m:r>
-                                <m:rPr>
-                                  <m:sty m:val="p"/>
-                                </m:rPr>
-                                <a:rPr lang="en-US" sz="800" b="0" i="0" smtClean="0">
-                                  <a:solidFill>
-                                    <a:schemeClr val="dk1"/>
-                                  </a:solidFill>
-                                  <a:latin typeface="Cambria Math"/>
-                                </a:rPr>
-                                <m:t>K</m:t>
-                              </m:r>
-                            </m:e>
-                            <m:e>
-                              <m:r>
-                                <a:rPr lang="en-US" sz="800" i="1">
-                                  <a:latin typeface="Cambria Math"/>
-                                </a:rPr>
-                                <m:t>−</m:t>
-                              </m:r>
-                              <m:r>
-                                <a:rPr lang="en-US" sz="800" b="0" i="1" smtClean="0">
-                                  <a:latin typeface="Cambria Math"/>
-                                </a:rPr>
-                                <m:t>1.5625</m:t>
-                              </m:r>
-                              <m:sSubSup>
-                                <m:sSubSupPr>
-                                  <m:ctrlPr>
-                                    <a:rPr lang="en-US" sz="800" i="1">
-                                      <a:latin typeface="Cambria Math" panose="02040503050406030204" pitchFamily="18" charset="0"/>
-                                    </a:rPr>
-                                  </m:ctrlPr>
-                                </m:sSubSupPr>
-                                <m:e>
-                                  <m:r>
-                                    <a:rPr lang="en-US" sz="800" i="1">
-                                      <a:latin typeface="Cambria Math"/>
-                                    </a:rPr>
-                                    <m:t>𝑡</m:t>
-                                  </m:r>
-                                </m:e>
-                                <m:sub>
-                                  <m:r>
-                                    <a:rPr lang="en-US" sz="800" i="1">
-                                      <a:latin typeface="Cambria Math"/>
-                                    </a:rPr>
-                                    <m:t>𝑎</m:t>
-                                  </m:r>
-                                </m:sub>
-                                <m:sup>
-                                  <m:r>
-                                    <a:rPr lang="en-US" sz="800" i="1">
-                                      <a:latin typeface="Cambria Math"/>
-                                    </a:rPr>
-                                    <m:t>2</m:t>
-                                  </m:r>
-                                </m:sup>
-                              </m:sSubSup>
-                              <m:r>
-                                <a:rPr lang="en-US" sz="800" i="1">
-                                  <a:latin typeface="Cambria Math"/>
-                                </a:rPr>
-                                <m:t>+</m:t>
-                              </m:r>
-                              <m:r>
-                                <a:rPr lang="en-US" sz="800" b="0" i="1" smtClean="0">
-                                  <a:latin typeface="Cambria Math"/>
-                                </a:rPr>
-                                <m:t>1662.5</m:t>
-                              </m:r>
-                              <m:sSub>
-                                <m:sSubPr>
-                                  <m:ctrlPr>
-                                    <a:rPr lang="en-US" sz="800" i="1">
-                                      <a:latin typeface="Cambria Math" panose="02040503050406030204" pitchFamily="18" charset="0"/>
-                                    </a:rPr>
-                                  </m:ctrlPr>
-                                </m:sSubPr>
-                                <m:e>
-                                  <m:r>
-                                    <a:rPr lang="en-US" sz="800" i="1">
-                                      <a:latin typeface="Cambria Math"/>
-                                    </a:rPr>
-                                    <m:t>𝑡</m:t>
-                                  </m:r>
-                                </m:e>
-                                <m:sub>
-                                  <m:r>
-                                    <a:rPr lang="en-US" sz="800" i="1">
-                                      <a:latin typeface="Cambria Math"/>
-                                    </a:rPr>
-                                    <m:t>𝑎</m:t>
-                                  </m:r>
-                                </m:sub>
-                              </m:sSub>
-                              <m:r>
-                                <a:rPr lang="en-US" sz="800" b="0" i="1" smtClean="0">
-                                  <a:latin typeface="Cambria Math"/>
-                                </a:rPr>
-                                <m:t>−</m:t>
-                              </m:r>
-                              <m:r>
-                                <a:rPr lang="en-US" sz="800" b="0" i="0" smtClean="0">
-                                  <a:latin typeface="Cambria Math"/>
-                                </a:rPr>
-                                <m:t>414000</m:t>
-                              </m:r>
-                              <m:r>
-                                <a:rPr lang="en-US" sz="800">
-                                  <a:latin typeface="Cambria Math"/>
-                                </a:rPr>
-                                <m:t>, </m:t>
-                              </m:r>
-                              <m:sSub>
-                                <m:sSubPr>
-                                  <m:ctrlPr>
-                                    <a:rPr lang="en-US" sz="800" i="1">
-                                      <a:latin typeface="Cambria Math" panose="02040503050406030204" pitchFamily="18" charset="0"/>
-                                    </a:rPr>
-                                  </m:ctrlPr>
-                                </m:sSubPr>
-                                <m:e>
-                                  <m:r>
-                                    <a:rPr lang="en-US" sz="800" i="1">
-                                      <a:latin typeface="Cambria Math"/>
-                                    </a:rPr>
-                                    <m:t>𝑡</m:t>
-                                  </m:r>
-                                </m:e>
-                                <m:sub>
-                                  <m:r>
-                                    <a:rPr lang="en-US" sz="800" i="1">
-                                      <a:latin typeface="Cambria Math"/>
-                                    </a:rPr>
-                                    <m:t>𝑎</m:t>
-                                  </m:r>
-                                </m:sub>
-                              </m:sSub>
-                              <m:r>
-                                <a:rPr lang="en-US" sz="800" b="0" i="0" smtClean="0">
-                                  <a:latin typeface="Cambria Math"/>
-                                </a:rPr>
-                                <m:t>&gt;560</m:t>
-                              </m:r>
-                              <m:r>
-                                <m:rPr>
-                                  <m:sty m:val="p"/>
-                                </m:rPr>
-                                <a:rPr lang="en-US" sz="800" b="0" i="0" smtClean="0">
-                                  <a:latin typeface="Cambria Math"/>
-                                </a:rPr>
-                                <m:t>K</m:t>
-                              </m:r>
-                            </m:e>
-                          </m:eqArr>
-                        </m:e>
-                      </m:d>
-                    </m:oMath>
-                  </m:oMathPara>
-                </a14:m>
-                <a:endParaRPr lang="en-US" sz="800" dirty="0">
-                  <a:solidFill>
-                    <a:schemeClr val="dk1"/>
-                  </a:solidFill>
-                  <a:latin typeface="Cambria Math"/>
-                </a:endParaRPr>
-              </a:p>
-            </p:txBody>
-          </p:sp>
-        </mc:Choice>
-        <mc:Fallback xmlns="">
-          <p:sp>
-            <p:nvSpPr>
-              <p:cNvPr id="20" name="Rectangle 19"/>
-              <p:cNvSpPr>
-                <a:spLocks noRot="1" noChangeAspect="1" noMove="1" noResize="1" noEditPoints="1" noAdjustHandles="1" noChangeArrowheads="1" noChangeShapeType="1" noTextEdit="1"/>
-              </p:cNvSpPr>
-              <p:nvPr/>
-            </p:nvSpPr>
-            <p:spPr>
-              <a:xfrm>
-                <a:off x="5486400" y="4074562"/>
-                <a:ext cx="2518056" cy="339428"/>
-              </a:xfrm>
-              <a:prstGeom prst="rect">
-                <a:avLst/>
-              </a:prstGeom>
-              <a:blipFill rotWithShape="1">
-                <a:blip r:embed="rId11"/>
-                <a:stretch>
-                  <a:fillRect l="-4843" t="-178571" b="-260714"/>
-                </a:stretch>
-              </a:blipFill>
-              <a:ln>
-                <a:noFill/>
-              </a:ln>
-              <a:effectLst/>
-            </p:spPr>
-            <p:txBody>
-              <a:bodyPr/>
-              <a:lstStyle/>
-              <a:p>
-                <a:r>
-                  <a:rPr lang="en-US">
-                    <a:noFill/>
-                  </a:rPr>
-                  <a:t> </a:t>
-                </a:r>
-              </a:p>
-            </p:txBody>
-          </p:sp>
-        </mc:Fallback>
-      </mc:AlternateContent>
-      <p:graphicFrame>
-        <p:nvGraphicFramePr>
-          <p:cNvPr id="19" name="Object 18"/>
-          <p:cNvGraphicFramePr>
-            <a:graphicFrameLocks noChangeAspect="1"/>
-          </p:cNvGraphicFramePr>
-          <p:nvPr>
-            <p:extLst>
-              <p:ext uri="{D42A27DB-BD31-4B8C-83A1-F6EECF244321}">
-                <p14:modId xmlns:p14="http://schemas.microsoft.com/office/powerpoint/2010/main" val="4208946737"/>
-              </p:ext>
-            </p:extLst>
-          </p:nvPr>
-        </p:nvGraphicFramePr>
-        <p:xfrm>
-          <a:off x="658806" y="1257546"/>
-          <a:ext cx="1206500" cy="241300"/>
-        </p:xfrm>
-        <a:graphic>
-          <a:graphicData uri="http://schemas.openxmlformats.org/presentationml/2006/ole">
-            <mc:AlternateContent xmlns:mc="http://schemas.openxmlformats.org/markup-compatibility/2006">
-              <mc:Choice xmlns:v="urn:schemas-microsoft-com:vml" Requires="v">
-                <p:oleObj spid="_x0000_s2065" name="Equation" r:id="rId12" imgW="1206360" imgH="241200" progId="Equation.DSMT4">
-                  <p:embed/>
-                </p:oleObj>
-              </mc:Choice>
-              <mc:Fallback>
-                <p:oleObj name="Equation" r:id="rId12" imgW="1206360" imgH="241200" progId="Equation.DSMT4">
-                  <p:embed/>
-                  <p:pic>
-                    <p:nvPicPr>
-                      <p:cNvPr id="0" name=""/>
-                      <p:cNvPicPr/>
-                      <p:nvPr/>
-                    </p:nvPicPr>
-                    <p:blipFill>
-                      <a:blip r:embed="rId13"/>
-                      <a:stretch>
-                        <a:fillRect/>
-                      </a:stretch>
-                    </p:blipFill>
-                    <p:spPr>
-                      <a:xfrm>
-                        <a:off x="658806" y="1257546"/>
-                        <a:ext cx="1206500" cy="241300"/>
-                      </a:xfrm>
-                      <a:prstGeom prst="rect">
-                        <a:avLst/>
-                      </a:prstGeom>
-                    </p:spPr>
-                  </p:pic>
-                </p:oleObj>
-              </mc:Fallback>
-            </mc:AlternateContent>
-          </a:graphicData>
-        </a:graphic>
-      </p:graphicFrame>
-    </p:spTree>
-    <p:extLst>
-      <p:ext uri="{BB962C8B-B14F-4D97-AF65-F5344CB8AC3E}">
-        <p14:creationId xmlns:p14="http://schemas.microsoft.com/office/powerpoint/2010/main" val="752915343"/>
-      </p:ext>
-    </p:extLst>
-  </p:cSld>
-  <p:clrMapOvr>
-    <a:masterClrMapping/>
-  </p:clrMapOvr>
-</p:sld>
-</file>
-
-<file path=ppt/slides/slide11.xml><?xml version="1.0" encoding="utf-8"?>
 <p:sld xmlns:a="http://schemas.openxmlformats.org/drawingml/2006/main" xmlns:r="http://schemas.openxmlformats.org/officeDocument/2006/relationships" xmlns:p="http://schemas.openxmlformats.org/presentationml/2006/main">
   <p:cSld>
     <p:spTree>
@@ -11634,7 +8354,7 @@
 </p:sld>
 </file>
 
-<file path=ppt/slides/slide12.xml><?xml version="1.0" encoding="utf-8"?>
+<file path=ppt/slides/slide11.xml><?xml version="1.0" encoding="utf-8"?>
 <p:sld xmlns:a="http://schemas.openxmlformats.org/drawingml/2006/main" xmlns:r="http://schemas.openxmlformats.org/officeDocument/2006/relationships" xmlns:p="http://schemas.openxmlformats.org/presentationml/2006/main">
   <p:cSld>
     <p:spTree>
@@ -12831,7 +9551,7 @@
 </p:sld>
 </file>
 
-<file path=ppt/slides/slide13.xml><?xml version="1.0" encoding="utf-8"?>
+<file path=ppt/slides/slide12.xml><?xml version="1.0" encoding="utf-8"?>
 <p:sld xmlns:a="http://schemas.openxmlformats.org/drawingml/2006/main" xmlns:r="http://schemas.openxmlformats.org/officeDocument/2006/relationships" xmlns:p="http://schemas.openxmlformats.org/presentationml/2006/main">
   <p:cSld>
     <p:spTree>
@@ -15280,7 +12000,7 @@
 </p:sld>
 </file>
 
-<file path=ppt/slides/slide14.xml><?xml version="1.0" encoding="utf-8"?>
+<file path=ppt/slides/slide13.xml><?xml version="1.0" encoding="utf-8"?>
 <p:sld xmlns:a="http://schemas.openxmlformats.org/drawingml/2006/main" xmlns:r="http://schemas.openxmlformats.org/officeDocument/2006/relationships" xmlns:p="http://schemas.openxmlformats.org/presentationml/2006/main">
   <p:cSld>
     <p:spTree>
@@ -18137,7 +14857,7 @@
 </p:sld>
 </file>
 
-<file path=ppt/slides/slide15.xml><?xml version="1.0" encoding="utf-8"?>
+<file path=ppt/slides/slide14.xml><?xml version="1.0" encoding="utf-8"?>
 <p:sld xmlns:a="http://schemas.openxmlformats.org/drawingml/2006/main" xmlns:r="http://schemas.openxmlformats.org/officeDocument/2006/relationships" xmlns:p="http://schemas.openxmlformats.org/presentationml/2006/main">
   <p:cSld>
     <p:spTree>
@@ -20265,7 +16985,7 @@
 </p:sld>
 </file>
 
-<file path=ppt/slides/slide16.xml><?xml version="1.0" encoding="utf-8"?>
+<file path=ppt/slides/slide15.xml><?xml version="1.0" encoding="utf-8"?>
 <p:sld xmlns:a="http://schemas.openxmlformats.org/drawingml/2006/main" xmlns:r="http://schemas.openxmlformats.org/officeDocument/2006/relationships" xmlns:p="http://schemas.openxmlformats.org/presentationml/2006/main">
   <p:cSld>
     <p:spTree>
@@ -20724,7 +17444,7 @@
 </p:sld>
 </file>
 
-<file path=ppt/slides/slide17.xml><?xml version="1.0" encoding="utf-8"?>
+<file path=ppt/slides/slide16.xml><?xml version="1.0" encoding="utf-8"?>
 <p:sld xmlns:a="http://schemas.openxmlformats.org/drawingml/2006/main" xmlns:r="http://schemas.openxmlformats.org/officeDocument/2006/relationships" xmlns:p="http://schemas.openxmlformats.org/presentationml/2006/main">
   <p:cSld>
     <p:spTree>
@@ -22628,7 +19348,7 @@
           <a:graphicData uri="http://schemas.openxmlformats.org/presentationml/2006/ole">
             <mc:AlternateContent xmlns:mc="http://schemas.openxmlformats.org/markup-compatibility/2006">
               <mc:Choice xmlns:v="urn:schemas-microsoft-com:vml" Requires="v">
-                <p:oleObj spid="_x0000_s3086" name="Equation" r:id="rId3" imgW="914400" imgH="198720" progId="Equation.DSMT4">
+                <p:oleObj spid="_x0000_s3087" name="Equation" r:id="rId3" imgW="914400" imgH="198720" progId="Equation.DSMT4">
                   <p:embed/>
                 </p:oleObj>
               </mc:Choice>
@@ -22676,7 +19396,7 @@
 </p:sld>
 </file>
 
-<file path=ppt/slides/slide18.xml><?xml version="1.0" encoding="utf-8"?>
+<file path=ppt/slides/slide17.xml><?xml version="1.0" encoding="utf-8"?>
 <p:sld xmlns:a="http://schemas.openxmlformats.org/drawingml/2006/main" xmlns:r="http://schemas.openxmlformats.org/officeDocument/2006/relationships" xmlns:p="http://schemas.openxmlformats.org/presentationml/2006/main">
   <p:cSld>
     <p:spTree>
@@ -24738,7 +21458,7 @@
 </p:sld>
 </file>
 
-<file path=ppt/slides/slide19.xml><?xml version="1.0" encoding="utf-8"?>
+<file path=ppt/slides/slide18.xml><?xml version="1.0" encoding="utf-8"?>
 <p:sld xmlns:a="http://schemas.openxmlformats.org/drawingml/2006/main" xmlns:r="http://schemas.openxmlformats.org/officeDocument/2006/relationships" xmlns:p="http://schemas.openxmlformats.org/presentationml/2006/main">
   <p:cSld>
     <p:spTree>
@@ -37431,539 +34151,64 @@
           <a:chExt cx="0" cy="0"/>
         </a:xfrm>
       </p:grpSpPr>
-      <p:sp>
-        <p:nvSpPr>
-          <p:cNvPr id="18" name="Down Arrow 17"/>
-          <p:cNvSpPr/>
-          <p:nvPr/>
-        </p:nvSpPr>
-        <p:spPr>
-          <a:xfrm rot="16200000">
-            <a:off x="2690380" y="3814739"/>
-            <a:ext cx="486640" cy="533400"/>
-          </a:xfrm>
-          <a:prstGeom prst="downArrow">
-            <a:avLst/>
-          </a:prstGeom>
-        </p:spPr>
-        <p:style>
-          <a:lnRef idx="2">
-            <a:schemeClr val="dk1">
-              <a:shade val="50000"/>
-            </a:schemeClr>
-          </a:lnRef>
-          <a:fillRef idx="1">
-            <a:schemeClr val="dk1"/>
-          </a:fillRef>
-          <a:effectRef idx="0">
-            <a:schemeClr val="dk1"/>
-          </a:effectRef>
-          <a:fontRef idx="minor">
-            <a:schemeClr val="lt1"/>
-          </a:fontRef>
-        </p:style>
-        <p:txBody>
-          <a:bodyPr rtlCol="0" anchor="ctr"/>
-          <a:lstStyle/>
-          <a:p>
-            <a:pPr algn="ctr"/>
-            <a:endParaRPr lang="en-US">
-              <a:solidFill>
-                <a:prstClr val="white"/>
-              </a:solidFill>
-            </a:endParaRPr>
-          </a:p>
-        </p:txBody>
-      </p:sp>
-      <p:sp>
-        <p:nvSpPr>
-          <p:cNvPr id="6" name="Rounded Rectangle 5"/>
-          <p:cNvSpPr/>
-          <p:nvPr/>
-        </p:nvSpPr>
-        <p:spPr>
-          <a:xfrm>
-            <a:off x="43621" y="3415258"/>
-            <a:ext cx="2547179" cy="1461541"/>
-          </a:xfrm>
-          <a:prstGeom prst="roundRect">
-            <a:avLst/>
-          </a:prstGeom>
-        </p:spPr>
-        <p:style>
-          <a:lnRef idx="2">
-            <a:schemeClr val="accent1">
-              <a:shade val="50000"/>
-            </a:schemeClr>
-          </a:lnRef>
-          <a:fillRef idx="1">
-            <a:schemeClr val="accent1"/>
-          </a:fillRef>
-          <a:effectRef idx="0">
-            <a:schemeClr val="accent1"/>
-          </a:effectRef>
-          <a:fontRef idx="minor">
-            <a:schemeClr val="lt1"/>
-          </a:fontRef>
-        </p:style>
-        <p:txBody>
-          <a:bodyPr rtlCol="0" anchor="t" anchorCtr="0"/>
-          <a:lstStyle/>
-          <a:p>
-            <a:pPr algn="ctr"/>
-            <a:r>
-              <a:rPr lang="en-US" sz="1050" b="1" u="sng" dirty="0">
+      <p:pic>
+        <p:nvPicPr>
+          <p:cNvPr id="5123" name="Picture 3"/>
+          <p:cNvPicPr>
+            <a:picLocks noChangeAspect="1" noChangeArrowheads="1"/>
+          </p:cNvPicPr>
+          <p:nvPr/>
+        </p:nvPicPr>
+        <p:blipFill>
+          <a:blip r:embed="rId2">
+            <a:extLst>
+              <a:ext uri="{28A0092B-C50C-407E-A947-70E740481C1C}">
+                <a14:useLocalDpi xmlns:a14="http://schemas.microsoft.com/office/drawing/2010/main" val="0"/>
+              </a:ext>
+            </a:extLst>
+          </a:blip>
+          <a:srcRect/>
+          <a:stretch>
+            <a:fillRect/>
+          </a:stretch>
+        </p:blipFill>
+        <p:spPr bwMode="auto">
+          <a:xfrm>
+            <a:off x="76200" y="0"/>
+            <a:ext cx="11834106" cy="13716000"/>
+          </a:xfrm>
+          <a:prstGeom prst="rect">
+            <a:avLst/>
+          </a:prstGeom>
+          <a:noFill/>
+          <a:ln>
+            <a:noFill/>
+          </a:ln>
+          <a:extLst>
+            <a:ext uri="{909E8E84-426E-40DD-AFC4-6F175D3DCCD1}">
+              <a14:hiddenFill xmlns:a14="http://schemas.microsoft.com/office/drawing/2010/main">
                 <a:solidFill>
-                  <a:prstClr val="white"/>
+                  <a:schemeClr val="accent1"/>
                 </a:solidFill>
-              </a:rPr>
-              <a:t>Preprocess</a:t>
-            </a:r>
-          </a:p>
-          <a:p>
-            <a:pPr marL="119063" indent="-119063">
-              <a:buFont typeface="Arial" pitchFamily="34" charset="0"/>
-              <a:buChar char="•"/>
-            </a:pPr>
-            <a:r>
-              <a:rPr lang="en-US" sz="1050" dirty="0" err="1"/>
-              <a:t>ProcessActions</a:t>
-            </a:r>
-            <a:endParaRPr lang="en-US" sz="1050" dirty="0"/>
-          </a:p>
-          <a:p>
-            <a:pPr marL="119063" indent="-119063">
-              <a:buFont typeface="Arial" pitchFamily="34" charset="0"/>
-              <a:buChar char="•"/>
-            </a:pPr>
-            <a:r>
-              <a:rPr lang="en-US" sz="1050" dirty="0" err="1"/>
-              <a:t>CalculateSupplementalValues</a:t>
-            </a:r>
-            <a:endParaRPr lang="en-US" sz="1050" dirty="0"/>
-          </a:p>
-          <a:p>
-            <a:pPr marL="576263" lvl="1" indent="-119063">
-              <a:buFont typeface="Arial" pitchFamily="34" charset="0"/>
-              <a:buChar char="•"/>
-            </a:pPr>
-            <a:r>
-              <a:rPr lang="en-US" sz="1050" dirty="0" err="1"/>
-              <a:t>AntioneEquation</a:t>
-            </a:r>
-            <a:endParaRPr lang="en-US" sz="1050" dirty="0"/>
-          </a:p>
-          <a:p>
-            <a:pPr marL="119063" indent="-119063">
-              <a:buFont typeface="Arial" pitchFamily="34" charset="0"/>
-              <a:buChar char="•"/>
-            </a:pPr>
-            <a:r>
-              <a:rPr lang="en-US" sz="1050" dirty="0" err="1"/>
-              <a:t>CalculateRadiation</a:t>
-            </a:r>
-            <a:endParaRPr lang="en-US" sz="1050" dirty="0"/>
-          </a:p>
-          <a:p>
-            <a:pPr marL="119063" indent="-119063">
-              <a:buFont typeface="Arial" pitchFamily="34" charset="0"/>
-              <a:buChar char="•"/>
-            </a:pPr>
-            <a:r>
-              <a:rPr lang="en-US" sz="1050" dirty="0" err="1"/>
-              <a:t>CalculateConvection</a:t>
-            </a:r>
-            <a:endParaRPr lang="en-US" sz="1050" dirty="0"/>
-          </a:p>
-          <a:p>
-            <a:pPr marL="119063" indent="-119063">
-              <a:buFont typeface="Arial" pitchFamily="34" charset="0"/>
-              <a:buChar char="•"/>
-            </a:pPr>
-            <a:r>
-              <a:rPr lang="en-US" sz="1050" dirty="0" err="1"/>
-              <a:t>CalculateEvaporation</a:t>
-            </a:r>
-            <a:endParaRPr lang="en-US" sz="1050" dirty="0">
-              <a:solidFill>
-                <a:prstClr val="white"/>
-              </a:solidFill>
-            </a:endParaRPr>
-          </a:p>
-          <a:p>
-            <a:pPr marL="119063" indent="-119063">
-              <a:buFont typeface="Arial" pitchFamily="34" charset="0"/>
-              <a:buChar char="•"/>
-            </a:pPr>
-            <a:r>
-              <a:rPr lang="en-US" sz="1050" dirty="0" err="1"/>
-              <a:t>CalculateRespiration</a:t>
-            </a:r>
-            <a:endParaRPr lang="en-US" sz="1050" dirty="0">
-              <a:solidFill>
-                <a:prstClr val="white"/>
-              </a:solidFill>
-            </a:endParaRPr>
-          </a:p>
-        </p:txBody>
-      </p:sp>
-      <p:sp>
-        <p:nvSpPr>
-          <p:cNvPr id="26" name="Rounded Rectangle 25"/>
-          <p:cNvSpPr/>
-          <p:nvPr/>
-        </p:nvSpPr>
-        <p:spPr>
-          <a:xfrm>
-            <a:off x="3304670" y="3836821"/>
-            <a:ext cx="2547179" cy="487938"/>
-          </a:xfrm>
-          <a:prstGeom prst="roundRect">
-            <a:avLst/>
-          </a:prstGeom>
-        </p:spPr>
-        <p:style>
-          <a:lnRef idx="2">
-            <a:schemeClr val="accent1">
-              <a:shade val="50000"/>
-            </a:schemeClr>
-          </a:lnRef>
-          <a:fillRef idx="1">
-            <a:schemeClr val="accent1"/>
-          </a:fillRef>
-          <a:effectRef idx="0">
-            <a:schemeClr val="accent1"/>
-          </a:effectRef>
-          <a:fontRef idx="minor">
-            <a:schemeClr val="lt1"/>
-          </a:fontRef>
-        </p:style>
-        <p:txBody>
-          <a:bodyPr rtlCol="0" anchor="t" anchorCtr="0"/>
-          <a:lstStyle/>
-          <a:p>
-            <a:pPr algn="ctr"/>
-            <a:r>
-              <a:rPr lang="en-US" sz="1050" b="1" u="sng" dirty="0">
+              </a14:hiddenFill>
+            </a:ext>
+            <a:ext uri="{91240B29-F687-4F45-9708-019B960494DF}">
+              <a14:hiddenLine xmlns:a14="http://schemas.microsoft.com/office/drawing/2010/main" w="9525">
                 <a:solidFill>
-                  <a:prstClr val="white"/>
+                  <a:schemeClr val="tx1"/>
                 </a:solidFill>
-              </a:rPr>
-              <a:t>Process</a:t>
-            </a:r>
-          </a:p>
-          <a:p>
-            <a:pPr marL="119063" indent="-119063">
-              <a:buFont typeface="Arial" pitchFamily="34" charset="0"/>
-              <a:buChar char="•"/>
-            </a:pPr>
-            <a:r>
-              <a:rPr lang="en-US" sz="1050" i="1" dirty="0"/>
-              <a:t>Combined Circuit Solved by Energy</a:t>
-            </a:r>
-          </a:p>
-        </p:txBody>
-      </p:sp>
-      <p:sp>
-        <p:nvSpPr>
-          <p:cNvPr id="27" name="Rounded Rectangle 26"/>
-          <p:cNvSpPr/>
-          <p:nvPr/>
-        </p:nvSpPr>
-        <p:spPr>
-          <a:xfrm>
-            <a:off x="6565719" y="3771259"/>
-            <a:ext cx="2547179" cy="619061"/>
-          </a:xfrm>
-          <a:prstGeom prst="roundRect">
-            <a:avLst/>
-          </a:prstGeom>
-        </p:spPr>
-        <p:style>
-          <a:lnRef idx="2">
-            <a:schemeClr val="accent1">
-              <a:shade val="50000"/>
-            </a:schemeClr>
-          </a:lnRef>
-          <a:fillRef idx="1">
-            <a:schemeClr val="accent1"/>
-          </a:fillRef>
-          <a:effectRef idx="0">
-            <a:schemeClr val="accent1"/>
-          </a:effectRef>
-          <a:fontRef idx="minor">
-            <a:schemeClr val="lt1"/>
-          </a:fontRef>
-        </p:style>
-        <p:txBody>
-          <a:bodyPr rtlCol="0" anchor="t" anchorCtr="0"/>
-          <a:lstStyle/>
-          <a:p>
-            <a:pPr algn="ctr"/>
-            <a:r>
-              <a:rPr lang="en-US" sz="1050" b="1" u="sng" dirty="0" err="1">
-                <a:solidFill>
-                  <a:prstClr val="white"/>
-                </a:solidFill>
-              </a:rPr>
-              <a:t>PostProcess</a:t>
-            </a:r>
-            <a:endParaRPr lang="en-US" sz="1050" b="1" u="sng" dirty="0">
-              <a:solidFill>
-                <a:prstClr val="white"/>
-              </a:solidFill>
-            </a:endParaRPr>
-          </a:p>
-          <a:p>
-            <a:pPr marL="119063" indent="-119063">
-              <a:buFont typeface="Arial" pitchFamily="34" charset="0"/>
-              <a:buChar char="•"/>
-            </a:pPr>
-            <a:r>
-              <a:rPr lang="en-US" sz="1050" i="1" dirty="0"/>
-              <a:t>Combined Circuit Time Advanced by Energy</a:t>
-            </a:r>
-          </a:p>
-        </p:txBody>
-      </p:sp>
-      <p:sp>
-        <p:nvSpPr>
-          <p:cNvPr id="33" name="Rounded Rectangle 32"/>
-          <p:cNvSpPr/>
-          <p:nvPr/>
-        </p:nvSpPr>
-        <p:spPr>
-          <a:xfrm>
-            <a:off x="43621" y="1620644"/>
-            <a:ext cx="2524974" cy="1046356"/>
-          </a:xfrm>
-          <a:prstGeom prst="roundRect">
-            <a:avLst/>
-          </a:prstGeom>
-        </p:spPr>
-        <p:style>
-          <a:lnRef idx="2">
-            <a:schemeClr val="accent1">
-              <a:shade val="50000"/>
-            </a:schemeClr>
-          </a:lnRef>
-          <a:fillRef idx="1">
-            <a:schemeClr val="accent1"/>
-          </a:fillRef>
-          <a:effectRef idx="0">
-            <a:schemeClr val="accent1"/>
-          </a:effectRef>
-          <a:fontRef idx="minor">
-            <a:schemeClr val="lt1"/>
-          </a:fontRef>
-        </p:style>
-        <p:txBody>
-          <a:bodyPr rtlCol="0" anchor="t" anchorCtr="0"/>
-          <a:lstStyle/>
-          <a:p>
-            <a:pPr algn="ctr"/>
-            <a:r>
-              <a:rPr lang="en-US" sz="1050" b="1" u="sng" dirty="0">
-                <a:solidFill>
-                  <a:prstClr val="white"/>
-                </a:solidFill>
-              </a:rPr>
-              <a:t>Conditions</a:t>
-            </a:r>
-          </a:p>
-          <a:p>
-            <a:pPr marL="119063" indent="-119063">
-              <a:buFont typeface="Arial" pitchFamily="34" charset="0"/>
-              <a:buChar char="•"/>
-            </a:pPr>
-            <a:r>
-              <a:rPr lang="en-US" sz="1050" dirty="0"/>
-              <a:t>Resting:</a:t>
-            </a:r>
-          </a:p>
-          <a:p>
-            <a:pPr marL="344488" lvl="1" indent="-111125">
-              <a:buFont typeface="Arial" pitchFamily="34" charset="0"/>
-              <a:buChar char="•"/>
-            </a:pPr>
-            <a:r>
-              <a:rPr lang="en-US" sz="1050" i="1" dirty="0"/>
-              <a:t>Use Standard Environment</a:t>
-            </a:r>
-          </a:p>
-          <a:p>
-            <a:pPr marL="119063" indent="-119063">
-              <a:buFont typeface="Arial" pitchFamily="34" charset="0"/>
-              <a:buChar char="•"/>
-            </a:pPr>
-            <a:r>
-              <a:rPr lang="en-US" sz="1050" dirty="0">
-                <a:solidFill>
-                  <a:prstClr val="white"/>
-                </a:solidFill>
-              </a:rPr>
-              <a:t>Conditions:</a:t>
-            </a:r>
-          </a:p>
-          <a:p>
-            <a:pPr marL="344488" lvl="1" indent="-111125">
-              <a:buFont typeface="Arial" pitchFamily="34" charset="0"/>
-              <a:buChar char="•"/>
-            </a:pPr>
-            <a:r>
-              <a:rPr lang="en-US" sz="1050" dirty="0" err="1"/>
-              <a:t>InitialEnvironment</a:t>
-            </a:r>
-            <a:endParaRPr lang="en-US" sz="1050" dirty="0">
-              <a:solidFill>
-                <a:prstClr val="white"/>
-              </a:solidFill>
-            </a:endParaRPr>
-          </a:p>
-        </p:txBody>
-      </p:sp>
-      <p:sp>
-        <p:nvSpPr>
-          <p:cNvPr id="34" name="Down Arrow 33"/>
-          <p:cNvSpPr/>
-          <p:nvPr/>
-        </p:nvSpPr>
-        <p:spPr>
-          <a:xfrm rot="16200000">
-            <a:off x="5966980" y="3814740"/>
-            <a:ext cx="486640" cy="533400"/>
-          </a:xfrm>
-          <a:prstGeom prst="downArrow">
-            <a:avLst/>
-          </a:prstGeom>
-        </p:spPr>
-        <p:style>
-          <a:lnRef idx="2">
-            <a:schemeClr val="dk1">
-              <a:shade val="50000"/>
-            </a:schemeClr>
-          </a:lnRef>
-          <a:fillRef idx="1">
-            <a:schemeClr val="dk1"/>
-          </a:fillRef>
-          <a:effectRef idx="0">
-            <a:schemeClr val="dk1"/>
-          </a:effectRef>
-          <a:fontRef idx="minor">
-            <a:schemeClr val="lt1"/>
-          </a:fontRef>
-        </p:style>
-        <p:txBody>
-          <a:bodyPr rtlCol="0" anchor="ctr"/>
-          <a:lstStyle/>
-          <a:p>
-            <a:pPr algn="ctr"/>
-            <a:endParaRPr lang="en-US">
-              <a:solidFill>
-                <a:prstClr val="white"/>
-              </a:solidFill>
-            </a:endParaRPr>
-          </a:p>
-        </p:txBody>
-      </p:sp>
-      <p:sp>
-        <p:nvSpPr>
-          <p:cNvPr id="35" name="Down Arrow 34"/>
-          <p:cNvSpPr/>
-          <p:nvPr/>
-        </p:nvSpPr>
-        <p:spPr>
-          <a:xfrm>
-            <a:off x="1062788" y="2791395"/>
-            <a:ext cx="486640" cy="533400"/>
-          </a:xfrm>
-          <a:prstGeom prst="downArrow">
-            <a:avLst/>
-          </a:prstGeom>
-        </p:spPr>
-        <p:style>
-          <a:lnRef idx="2">
-            <a:schemeClr val="dk1">
-              <a:shade val="50000"/>
-            </a:schemeClr>
-          </a:lnRef>
-          <a:fillRef idx="1">
-            <a:schemeClr val="dk1"/>
-          </a:fillRef>
-          <a:effectRef idx="0">
-            <a:schemeClr val="dk1"/>
-          </a:effectRef>
-          <a:fontRef idx="minor">
-            <a:schemeClr val="lt1"/>
-          </a:fontRef>
-        </p:style>
-        <p:txBody>
-          <a:bodyPr rtlCol="0" anchor="ctr"/>
-          <a:lstStyle/>
-          <a:p>
-            <a:pPr algn="ctr"/>
-            <a:endParaRPr lang="en-US">
-              <a:solidFill>
-                <a:prstClr val="white"/>
-              </a:solidFill>
-            </a:endParaRPr>
-          </a:p>
-        </p:txBody>
-      </p:sp>
-      <p:sp>
-        <p:nvSpPr>
-          <p:cNvPr id="2" name="U-Turn Arrow 1"/>
-          <p:cNvSpPr/>
-          <p:nvPr/>
-        </p:nvSpPr>
-        <p:spPr>
-          <a:xfrm rot="10800000">
-            <a:off x="1062788" y="4495800"/>
-            <a:ext cx="6938212" cy="1066800"/>
-          </a:xfrm>
-          <a:prstGeom prst="uturnArrow">
-            <a:avLst>
-              <a:gd name="adj1" fmla="val 25000"/>
-              <a:gd name="adj2" fmla="val 25000"/>
-              <a:gd name="adj3" fmla="val 25000"/>
-              <a:gd name="adj4" fmla="val 43750"/>
-              <a:gd name="adj5" fmla="val 58293"/>
-            </a:avLst>
-          </a:prstGeom>
-        </p:spPr>
-        <p:style>
-          <a:lnRef idx="2">
-            <a:schemeClr val="dk1">
-              <a:shade val="50000"/>
-            </a:schemeClr>
-          </a:lnRef>
-          <a:fillRef idx="1">
-            <a:schemeClr val="dk1"/>
-          </a:fillRef>
-          <a:effectRef idx="0">
-            <a:schemeClr val="dk1"/>
-          </a:effectRef>
-          <a:fontRef idx="minor">
-            <a:schemeClr val="lt1"/>
-          </a:fontRef>
-        </p:style>
-        <p:txBody>
-          <a:bodyPr rtlCol="0" anchor="ctr"/>
-          <a:lstStyle/>
-          <a:p>
-            <a:pPr algn="ctr"/>
-            <a:endParaRPr lang="en-US">
-              <a:solidFill>
-                <a:prstClr val="white"/>
-              </a:solidFill>
-            </a:endParaRPr>
-          </a:p>
-        </p:txBody>
-      </p:sp>
+                <a:miter lim="800000"/>
+                <a:headEnd/>
+                <a:tailEnd/>
+              </a14:hiddenLine>
+            </a:ext>
+          </a:extLst>
+        </p:spPr>
+      </p:pic>
     </p:spTree>
     <p:extLst>
       <p:ext uri="{BB962C8B-B14F-4D97-AF65-F5344CB8AC3E}">
-        <p14:creationId xmlns:p14="http://schemas.microsoft.com/office/powerpoint/2010/main" val="100059736"/>
+        <p14:creationId xmlns:p14="http://schemas.microsoft.com/office/powerpoint/2010/main" val="3362679736"/>
       </p:ext>
     </p:extLst>
   </p:cSld>
@@ -37992,90 +34237,6 @@
       </p:grpSpPr>
       <p:pic>
         <p:nvPicPr>
-          <p:cNvPr id="5123" name="Picture 3"/>
-          <p:cNvPicPr>
-            <a:picLocks noChangeAspect="1" noChangeArrowheads="1"/>
-          </p:cNvPicPr>
-          <p:nvPr/>
-        </p:nvPicPr>
-        <p:blipFill>
-          <a:blip r:embed="rId2">
-            <a:extLst>
-              <a:ext uri="{28A0092B-C50C-407E-A947-70E740481C1C}">
-                <a14:useLocalDpi xmlns:a14="http://schemas.microsoft.com/office/drawing/2010/main" val="0"/>
-              </a:ext>
-            </a:extLst>
-          </a:blip>
-          <a:srcRect/>
-          <a:stretch>
-            <a:fillRect/>
-          </a:stretch>
-        </p:blipFill>
-        <p:spPr bwMode="auto">
-          <a:xfrm>
-            <a:off x="76200" y="0"/>
-            <a:ext cx="11834106" cy="13716000"/>
-          </a:xfrm>
-          <a:prstGeom prst="rect">
-            <a:avLst/>
-          </a:prstGeom>
-          <a:noFill/>
-          <a:ln>
-            <a:noFill/>
-          </a:ln>
-          <a:extLst>
-            <a:ext uri="{909E8E84-426E-40DD-AFC4-6F175D3DCCD1}">
-              <a14:hiddenFill xmlns:a14="http://schemas.microsoft.com/office/drawing/2010/main">
-                <a:solidFill>
-                  <a:schemeClr val="accent1"/>
-                </a:solidFill>
-              </a14:hiddenFill>
-            </a:ext>
-            <a:ext uri="{91240B29-F687-4F45-9708-019B960494DF}">
-              <a14:hiddenLine xmlns:a14="http://schemas.microsoft.com/office/drawing/2010/main" w="9525">
-                <a:solidFill>
-                  <a:schemeClr val="tx1"/>
-                </a:solidFill>
-                <a:miter lim="800000"/>
-                <a:headEnd/>
-                <a:tailEnd/>
-              </a14:hiddenLine>
-            </a:ext>
-          </a:extLst>
-        </p:spPr>
-      </p:pic>
-    </p:spTree>
-    <p:extLst>
-      <p:ext uri="{BB962C8B-B14F-4D97-AF65-F5344CB8AC3E}">
-        <p14:creationId xmlns:p14="http://schemas.microsoft.com/office/powerpoint/2010/main" val="3362679736"/>
-      </p:ext>
-    </p:extLst>
-  </p:cSld>
-  <p:clrMapOvr>
-    <a:masterClrMapping/>
-  </p:clrMapOvr>
-</p:sld>
-</file>
-
-<file path=ppt/slides/slide7.xml><?xml version="1.0" encoding="utf-8"?>
-<p:sld xmlns:a="http://schemas.openxmlformats.org/drawingml/2006/main" xmlns:r="http://schemas.openxmlformats.org/officeDocument/2006/relationships" xmlns:p="http://schemas.openxmlformats.org/presentationml/2006/main">
-  <p:cSld>
-    <p:spTree>
-      <p:nvGrpSpPr>
-        <p:cNvPr id="1" name=""/>
-        <p:cNvGrpSpPr/>
-        <p:nvPr/>
-      </p:nvGrpSpPr>
-      <p:grpSpPr>
-        <a:xfrm>
-          <a:off x="0" y="0"/>
-          <a:ext cx="0" cy="0"/>
-          <a:chOff x="0" y="0"/>
-          <a:chExt cx="0" cy="0"/>
-        </a:xfrm>
-      </p:grpSpPr>
-      <p:pic>
-        <p:nvPicPr>
           <p:cNvPr id="2" name="Picture 1">
             <a:extLst>
               <a:ext uri="{FF2B5EF4-FFF2-40B4-BE49-F238E27FC236}">
@@ -38117,7 +34278,7 @@
 </p:sld>
 </file>
 
-<file path=ppt/slides/slide8.xml><?xml version="1.0" encoding="utf-8"?>
+<file path=ppt/slides/slide7.xml><?xml version="1.0" encoding="utf-8"?>
 <p:sld xmlns:a="http://schemas.openxmlformats.org/drawingml/2006/main" xmlns:r="http://schemas.openxmlformats.org/officeDocument/2006/relationships" xmlns:p="http://schemas.openxmlformats.org/presentationml/2006/main">
   <p:cSld>
     <p:spTree>
@@ -38407,7 +34568,7 @@
 </p:sld>
 </file>
 
-<file path=ppt/slides/slide9.xml><?xml version="1.0" encoding="utf-8"?>
+<file path=ppt/slides/slide8.xml><?xml version="1.0" encoding="utf-8"?>
 <p:sld xmlns:a="http://schemas.openxmlformats.org/drawingml/2006/main" xmlns:r="http://schemas.openxmlformats.org/officeDocument/2006/relationships" xmlns:p="http://schemas.openxmlformats.org/presentationml/2006/main">
   <p:cSld>
     <p:spTree>
@@ -38492,6 +34653,3281 @@
     <p:extLst>
       <p:ext uri="{BB962C8B-B14F-4D97-AF65-F5344CB8AC3E}">
         <p14:creationId xmlns:p14="http://schemas.microsoft.com/office/powerpoint/2010/main" val="1528335598"/>
+      </p:ext>
+    </p:extLst>
+  </p:cSld>
+  <p:clrMapOvr>
+    <a:masterClrMapping/>
+  </p:clrMapOvr>
+</p:sld>
+</file>
+
+<file path=ppt/slides/slide9.xml><?xml version="1.0" encoding="utf-8"?>
+<p:sld xmlns:a="http://schemas.openxmlformats.org/drawingml/2006/main" xmlns:r="http://schemas.openxmlformats.org/officeDocument/2006/relationships" xmlns:p="http://schemas.openxmlformats.org/presentationml/2006/main">
+  <p:cSld>
+    <p:spTree>
+      <p:nvGrpSpPr>
+        <p:cNvPr id="1" name=""/>
+        <p:cNvGrpSpPr/>
+        <p:nvPr/>
+      </p:nvGrpSpPr>
+      <p:grpSpPr>
+        <a:xfrm>
+          <a:off x="0" y="0"/>
+          <a:ext cx="0" cy="0"/>
+          <a:chOff x="0" y="0"/>
+          <a:chExt cx="0" cy="0"/>
+        </a:xfrm>
+      </p:grpSpPr>
+      <mc:AlternateContent xmlns:mc="http://schemas.openxmlformats.org/markup-compatibility/2006" xmlns:a14="http://schemas.microsoft.com/office/drawing/2010/main">
+        <mc:Choice Requires="a14">
+          <p:sp>
+            <p:nvSpPr>
+              <p:cNvPr id="2" name="TextBox 1"/>
+              <p:cNvSpPr txBox="1"/>
+              <p:nvPr/>
+            </p:nvSpPr>
+            <p:spPr>
+              <a:xfrm>
+                <a:off x="329438" y="4794411"/>
+                <a:ext cx="833112" cy="273729"/>
+              </a:xfrm>
+              <a:prstGeom prst="rect">
+                <a:avLst/>
+              </a:prstGeom>
+              <a:noFill/>
+              <a:ln>
+                <a:noFill/>
+              </a:ln>
+              <a:effectLst/>
+            </p:spPr>
+            <p:style>
+              <a:lnRef idx="1">
+                <a:schemeClr val="dk1"/>
+              </a:lnRef>
+              <a:fillRef idx="2">
+                <a:schemeClr val="dk1"/>
+              </a:fillRef>
+              <a:effectRef idx="1">
+                <a:schemeClr val="dk1"/>
+              </a:effectRef>
+              <a:fontRef idx="minor">
+                <a:schemeClr val="dk1"/>
+              </a:fontRef>
+            </p:style>
+            <p:txBody>
+              <a:bodyPr rtlCol="0" anchor="ctr"/>
+              <a:lstStyle>
+                <a:defPPr>
+                  <a:defRPr lang="en-US"/>
+                </a:defPPr>
+                <a:lvl1pPr>
+                  <a:defRPr sz="800">
+                    <a:solidFill>
+                      <a:schemeClr val="dk1"/>
+                    </a:solidFill>
+                  </a:defRPr>
+                </a:lvl1pPr>
+                <a:lvl2pPr>
+                  <a:defRPr>
+                    <a:solidFill>
+                      <a:schemeClr val="dk1"/>
+                    </a:solidFill>
+                  </a:defRPr>
+                </a:lvl2pPr>
+                <a:lvl3pPr>
+                  <a:defRPr>
+                    <a:solidFill>
+                      <a:schemeClr val="dk1"/>
+                    </a:solidFill>
+                  </a:defRPr>
+                </a:lvl3pPr>
+                <a:lvl4pPr>
+                  <a:defRPr>
+                    <a:solidFill>
+                      <a:schemeClr val="dk1"/>
+                    </a:solidFill>
+                  </a:defRPr>
+                </a:lvl4pPr>
+                <a:lvl5pPr>
+                  <a:defRPr>
+                    <a:solidFill>
+                      <a:schemeClr val="dk1"/>
+                    </a:solidFill>
+                  </a:defRPr>
+                </a:lvl5pPr>
+                <a:lvl6pPr>
+                  <a:defRPr>
+                    <a:solidFill>
+                      <a:schemeClr val="dk1"/>
+                    </a:solidFill>
+                  </a:defRPr>
+                </a:lvl6pPr>
+                <a:lvl7pPr>
+                  <a:defRPr>
+                    <a:solidFill>
+                      <a:schemeClr val="dk1"/>
+                    </a:solidFill>
+                  </a:defRPr>
+                </a:lvl7pPr>
+                <a:lvl8pPr>
+                  <a:defRPr>
+                    <a:solidFill>
+                      <a:schemeClr val="dk1"/>
+                    </a:solidFill>
+                  </a:defRPr>
+                </a:lvl8pPr>
+                <a:lvl9pPr>
+                  <a:defRPr>
+                    <a:solidFill>
+                      <a:schemeClr val="dk1"/>
+                    </a:solidFill>
+                  </a:defRPr>
+                </a:lvl9pPr>
+              </a:lstStyle>
+              <a:p>
+                <a:pPr/>
+                <a14:m>
+                  <m:oMathPara xmlns:m="http://schemas.openxmlformats.org/officeDocument/2006/math">
+                    <m:oMathParaPr>
+                      <m:jc m:val="centerGroup"/>
+                    </m:oMathParaPr>
+                    <m:oMath xmlns:m="http://schemas.openxmlformats.org/officeDocument/2006/math">
+                      <m:r>
+                        <a:rPr lang="en-US">
+                          <a:latin typeface="Cambria Math"/>
+                        </a:rPr>
+                        <m:t>𝑝</m:t>
+                      </m:r>
+                      <m:r>
+                        <a:rPr lang="en-US">
+                          <a:latin typeface="Cambria Math"/>
+                        </a:rPr>
+                        <m:t>=</m:t>
+                      </m:r>
+                      <m:sSup>
+                        <m:sSupPr>
+                          <m:ctrlPr>
+                            <a:rPr lang="en-US" i="1">
+                              <a:latin typeface="Cambria Math" panose="02040503050406030204" pitchFamily="18" charset="0"/>
+                            </a:rPr>
+                          </m:ctrlPr>
+                        </m:sSupPr>
+                        <m:e>
+                          <m:r>
+                            <a:rPr lang="en-US">
+                              <a:latin typeface="Cambria Math"/>
+                            </a:rPr>
+                            <m:t>10</m:t>
+                          </m:r>
+                        </m:e>
+                        <m:sup>
+                          <m:d>
+                            <m:dPr>
+                              <m:ctrlPr>
+                                <a:rPr lang="en-US" i="1">
+                                  <a:latin typeface="Cambria Math" panose="02040503050406030204" pitchFamily="18" charset="0"/>
+                                </a:rPr>
+                              </m:ctrlPr>
+                            </m:dPr>
+                            <m:e>
+                              <m:r>
+                                <a:rPr lang="en-US">
+                                  <a:latin typeface="Cambria Math"/>
+                                </a:rPr>
+                                <m:t>𝐴</m:t>
+                              </m:r>
+                              <m:r>
+                                <a:rPr lang="en-US">
+                                  <a:latin typeface="Cambria Math"/>
+                                </a:rPr>
+                                <m:t>−</m:t>
+                              </m:r>
+                              <m:f>
+                                <m:fPr>
+                                  <m:ctrlPr>
+                                    <a:rPr lang="en-US" i="1">
+                                      <a:latin typeface="Cambria Math" panose="02040503050406030204" pitchFamily="18" charset="0"/>
+                                    </a:rPr>
+                                  </m:ctrlPr>
+                                </m:fPr>
+                                <m:num>
+                                  <m:r>
+                                    <a:rPr lang="en-US">
+                                      <a:latin typeface="Cambria Math"/>
+                                    </a:rPr>
+                                    <m:t>𝐵</m:t>
+                                  </m:r>
+                                </m:num>
+                                <m:den>
+                                  <m:r>
+                                    <a:rPr lang="en-US">
+                                      <a:latin typeface="Cambria Math"/>
+                                    </a:rPr>
+                                    <m:t>𝐶</m:t>
+                                  </m:r>
+                                  <m:r>
+                                    <a:rPr lang="en-US">
+                                      <a:latin typeface="Cambria Math"/>
+                                    </a:rPr>
+                                    <m:t>+</m:t>
+                                  </m:r>
+                                  <m:r>
+                                    <a:rPr lang="en-US">
+                                      <a:latin typeface="Cambria Math"/>
+                                    </a:rPr>
+                                    <m:t>𝑡</m:t>
+                                  </m:r>
+                                </m:den>
+                              </m:f>
+                            </m:e>
+                          </m:d>
+                        </m:sup>
+                      </m:sSup>
+                    </m:oMath>
+                  </m:oMathPara>
+                </a14:m>
+                <a:endParaRPr lang="en-US" dirty="0"/>
+              </a:p>
+            </p:txBody>
+          </p:sp>
+        </mc:Choice>
+        <mc:Fallback xmlns="">
+          <p:sp>
+            <p:nvSpPr>
+              <p:cNvPr id="2" name="TextBox 1"/>
+              <p:cNvSpPr txBox="1">
+                <a:spLocks noRot="1" noChangeAspect="1" noMove="1" noResize="1" noEditPoints="1" noAdjustHandles="1" noChangeArrowheads="1" noChangeShapeType="1" noTextEdit="1"/>
+              </p:cNvSpPr>
+              <p:nvPr/>
+            </p:nvSpPr>
+            <p:spPr>
+              <a:xfrm>
+                <a:off x="329438" y="4794411"/>
+                <a:ext cx="833112" cy="273729"/>
+              </a:xfrm>
+              <a:prstGeom prst="rect">
+                <a:avLst/>
+              </a:prstGeom>
+              <a:blipFill rotWithShape="1">
+                <a:blip r:embed="rId3"/>
+                <a:stretch>
+                  <a:fillRect/>
+                </a:stretch>
+              </a:blipFill>
+              <a:ln>
+                <a:noFill/>
+              </a:ln>
+              <a:effectLst/>
+            </p:spPr>
+            <p:txBody>
+              <a:bodyPr/>
+              <a:lstStyle/>
+              <a:p>
+                <a:r>
+                  <a:rPr lang="en-US">
+                    <a:noFill/>
+                  </a:rPr>
+                  <a:t> </a:t>
+                </a:r>
+              </a:p>
+            </p:txBody>
+          </p:sp>
+        </mc:Fallback>
+      </mc:AlternateContent>
+      <p:graphicFrame>
+        <p:nvGraphicFramePr>
+          <p:cNvPr id="3" name="Table 2"/>
+          <p:cNvGraphicFramePr>
+            <a:graphicFrameLocks noGrp="1"/>
+          </p:cNvGraphicFramePr>
+          <p:nvPr>
+            <p:extLst>
+              <p:ext uri="{D42A27DB-BD31-4B8C-83A1-F6EECF244321}">
+                <p14:modId xmlns:p14="http://schemas.microsoft.com/office/powerpoint/2010/main" val="3895212552"/>
+              </p:ext>
+            </p:extLst>
+          </p:nvPr>
+        </p:nvGraphicFramePr>
+        <p:xfrm>
+          <a:off x="329438" y="5304199"/>
+          <a:ext cx="2981708" cy="812806"/>
+        </p:xfrm>
+        <a:graphic>
+          <a:graphicData uri="http://schemas.openxmlformats.org/drawingml/2006/table">
+            <a:tbl>
+              <a:tblPr>
+                <a:tableStyleId>{5940675A-B579-460E-94D1-54222C63F5DA}</a:tableStyleId>
+              </a:tblPr>
+              <a:tblGrid>
+                <a:gridCol w="602744">
+                  <a:extLst>
+                    <a:ext uri="{9D8B030D-6E8A-4147-A177-3AD203B41FA5}">
+                      <a16:colId xmlns:a16="http://schemas.microsoft.com/office/drawing/2014/main" val="20000"/>
+                    </a:ext>
+                  </a:extLst>
+                </a:gridCol>
+                <a:gridCol w="602744">
+                  <a:extLst>
+                    <a:ext uri="{9D8B030D-6E8A-4147-A177-3AD203B41FA5}">
+                      <a16:colId xmlns:a16="http://schemas.microsoft.com/office/drawing/2014/main" val="20001"/>
+                    </a:ext>
+                  </a:extLst>
+                </a:gridCol>
+                <a:gridCol w="602744">
+                  <a:extLst>
+                    <a:ext uri="{9D8B030D-6E8A-4147-A177-3AD203B41FA5}">
+                      <a16:colId xmlns:a16="http://schemas.microsoft.com/office/drawing/2014/main" val="20002"/>
+                    </a:ext>
+                  </a:extLst>
+                </a:gridCol>
+                <a:gridCol w="568566">
+                  <a:extLst>
+                    <a:ext uri="{9D8B030D-6E8A-4147-A177-3AD203B41FA5}">
+                      <a16:colId xmlns:a16="http://schemas.microsoft.com/office/drawing/2014/main" val="20003"/>
+                    </a:ext>
+                  </a:extLst>
+                </a:gridCol>
+                <a:gridCol w="604910">
+                  <a:extLst>
+                    <a:ext uri="{9D8B030D-6E8A-4147-A177-3AD203B41FA5}">
+                      <a16:colId xmlns:a16="http://schemas.microsoft.com/office/drawing/2014/main" val="20004"/>
+                    </a:ext>
+                  </a:extLst>
+                </a:gridCol>
+              </a:tblGrid>
+              <a:tr h="249746">
+                <a:tc>
+                  <a:txBody>
+                    <a:bodyPr/>
+                    <a:lstStyle/>
+                    <a:p>
+                      <a:pPr algn="ctr"/>
+                      <a:r>
+                        <a:rPr lang="en-US" sz="1200" b="1" dirty="0"/>
+                        <a:t>A</a:t>
+                      </a:r>
+                    </a:p>
+                  </a:txBody>
+                  <a:tcPr marL="38100" marR="38100" marT="38100" marB="38100" anchor="ctr"/>
+                </a:tc>
+                <a:tc>
+                  <a:txBody>
+                    <a:bodyPr/>
+                    <a:lstStyle/>
+                    <a:p>
+                      <a:pPr algn="ctr"/>
+                      <a:r>
+                        <a:rPr lang="en-US" sz="1200" b="1" dirty="0"/>
+                        <a:t>B</a:t>
+                      </a:r>
+                    </a:p>
+                  </a:txBody>
+                  <a:tcPr marL="38100" marR="38100" marT="38100" marB="38100" anchor="ctr"/>
+                </a:tc>
+                <a:tc>
+                  <a:txBody>
+                    <a:bodyPr/>
+                    <a:lstStyle/>
+                    <a:p>
+                      <a:pPr algn="ctr"/>
+                      <a:r>
+                        <a:rPr lang="en-US" sz="1200" b="1" dirty="0"/>
+                        <a:t>C</a:t>
+                      </a:r>
+                    </a:p>
+                  </a:txBody>
+                  <a:tcPr marL="38100" marR="38100" marT="38100" marB="38100" anchor="ctr"/>
+                </a:tc>
+                <a:tc>
+                  <a:txBody>
+                    <a:bodyPr/>
+                    <a:lstStyle/>
+                    <a:p>
+                      <a:pPr algn="ctr"/>
+                      <a:r>
+                        <a:rPr lang="en-US" sz="1200" b="1" dirty="0" err="1"/>
+                        <a:t>t</a:t>
+                      </a:r>
+                      <a:r>
+                        <a:rPr lang="en-US" sz="1200" b="1" baseline="-25000" dirty="0" err="1"/>
+                        <a:t>min</a:t>
+                      </a:r>
+                      <a:r>
+                        <a:rPr lang="en-US" sz="1200" b="1" baseline="0" dirty="0"/>
+                        <a:t> (</a:t>
+                      </a:r>
+                      <a:r>
+                        <a:rPr lang="en-US" sz="1200" b="1" dirty="0">
+                          <a:effectLst/>
+                        </a:rPr>
+                        <a:t>°C)</a:t>
+                      </a:r>
+                    </a:p>
+                  </a:txBody>
+                  <a:tcPr marL="38100" marR="38100" marT="38100" marB="38100" anchor="ctr"/>
+                </a:tc>
+                <a:tc>
+                  <a:txBody>
+                    <a:bodyPr/>
+                    <a:lstStyle/>
+                    <a:p>
+                      <a:pPr algn="ctr"/>
+                      <a:r>
+                        <a:rPr lang="en-US" sz="1200" b="1" dirty="0" err="1"/>
+                        <a:t>t</a:t>
+                      </a:r>
+                      <a:r>
+                        <a:rPr lang="en-US" sz="1200" b="1" baseline="-25000" dirty="0" err="1"/>
+                        <a:t>max</a:t>
+                      </a:r>
+                      <a:r>
+                        <a:rPr lang="en-US" sz="1200" b="1" dirty="0"/>
+                        <a:t> (</a:t>
+                      </a:r>
+                      <a:r>
+                        <a:rPr lang="en-US" sz="1200" b="1" dirty="0">
+                          <a:effectLst/>
+                        </a:rPr>
+                        <a:t>°C)</a:t>
+                      </a:r>
+                    </a:p>
+                  </a:txBody>
+                  <a:tcPr marL="38100" marR="38100" marT="38100" marB="38100" anchor="ctr"/>
+                </a:tc>
+                <a:extLst>
+                  <a:ext uri="{0D108BD9-81ED-4DB2-BD59-A6C34878D82A}">
+                    <a16:rowId xmlns:a16="http://schemas.microsoft.com/office/drawing/2014/main" val="10000"/>
+                  </a:ext>
+                </a:extLst>
+              </a:tr>
+              <a:tr h="276863">
+                <a:tc>
+                  <a:txBody>
+                    <a:bodyPr/>
+                    <a:lstStyle/>
+                    <a:p>
+                      <a:pPr algn="ctr"/>
+                      <a:r>
+                        <a:rPr lang="en-US" sz="1200" dirty="0"/>
+                        <a:t>8.07131</a:t>
+                      </a:r>
+                    </a:p>
+                  </a:txBody>
+                  <a:tcPr marL="38100" marR="38100" marT="38100" marB="38100" anchor="ctr"/>
+                </a:tc>
+                <a:tc>
+                  <a:txBody>
+                    <a:bodyPr/>
+                    <a:lstStyle/>
+                    <a:p>
+                      <a:pPr algn="ctr"/>
+                      <a:r>
+                        <a:rPr lang="en-US" sz="1200" dirty="0"/>
+                        <a:t>1730.63</a:t>
+                      </a:r>
+                    </a:p>
+                  </a:txBody>
+                  <a:tcPr marL="38100" marR="38100" marT="38100" marB="38100" anchor="ctr"/>
+                </a:tc>
+                <a:tc>
+                  <a:txBody>
+                    <a:bodyPr/>
+                    <a:lstStyle/>
+                    <a:p>
+                      <a:pPr algn="ctr"/>
+                      <a:r>
+                        <a:rPr lang="en-US" sz="1200" dirty="0"/>
+                        <a:t>233.426</a:t>
+                      </a:r>
+                    </a:p>
+                  </a:txBody>
+                  <a:tcPr marL="38100" marR="38100" marT="38100" marB="38100" anchor="ctr"/>
+                </a:tc>
+                <a:tc>
+                  <a:txBody>
+                    <a:bodyPr/>
+                    <a:lstStyle/>
+                    <a:p>
+                      <a:pPr algn="ctr"/>
+                      <a:r>
+                        <a:rPr lang="en-US" sz="1200" dirty="0"/>
+                        <a:t>1</a:t>
+                      </a:r>
+                    </a:p>
+                  </a:txBody>
+                  <a:tcPr marL="38100" marR="38100" marT="38100" marB="38100" anchor="ctr"/>
+                </a:tc>
+                <a:tc>
+                  <a:txBody>
+                    <a:bodyPr/>
+                    <a:lstStyle/>
+                    <a:p>
+                      <a:pPr algn="ctr"/>
+                      <a:r>
+                        <a:rPr lang="en-US" sz="1200" dirty="0"/>
+                        <a:t>100</a:t>
+                      </a:r>
+                    </a:p>
+                  </a:txBody>
+                  <a:tcPr marL="38100" marR="38100" marT="38100" marB="38100" anchor="ctr"/>
+                </a:tc>
+                <a:extLst>
+                  <a:ext uri="{0D108BD9-81ED-4DB2-BD59-A6C34878D82A}">
+                    <a16:rowId xmlns:a16="http://schemas.microsoft.com/office/drawing/2014/main" val="10001"/>
+                  </a:ext>
+                </a:extLst>
+              </a:tr>
+              <a:tr h="276863">
+                <a:tc>
+                  <a:txBody>
+                    <a:bodyPr/>
+                    <a:lstStyle/>
+                    <a:p>
+                      <a:pPr algn="ctr"/>
+                      <a:r>
+                        <a:rPr lang="en-US" sz="1200" dirty="0"/>
+                        <a:t>8.14019</a:t>
+                      </a:r>
+                    </a:p>
+                  </a:txBody>
+                  <a:tcPr marL="38100" marR="38100" marT="38100" marB="38100" anchor="ctr"/>
+                </a:tc>
+                <a:tc>
+                  <a:txBody>
+                    <a:bodyPr/>
+                    <a:lstStyle/>
+                    <a:p>
+                      <a:pPr algn="ctr"/>
+                      <a:r>
+                        <a:rPr lang="en-US" sz="1200" dirty="0"/>
+                        <a:t>1810.94</a:t>
+                      </a:r>
+                    </a:p>
+                  </a:txBody>
+                  <a:tcPr marL="38100" marR="38100" marT="38100" marB="38100" anchor="ctr"/>
+                </a:tc>
+                <a:tc>
+                  <a:txBody>
+                    <a:bodyPr/>
+                    <a:lstStyle/>
+                    <a:p>
+                      <a:pPr algn="ctr"/>
+                      <a:r>
+                        <a:rPr lang="en-US" sz="1200" dirty="0"/>
+                        <a:t>244.485</a:t>
+                      </a:r>
+                    </a:p>
+                  </a:txBody>
+                  <a:tcPr marL="38100" marR="38100" marT="38100" marB="38100" anchor="ctr"/>
+                </a:tc>
+                <a:tc>
+                  <a:txBody>
+                    <a:bodyPr/>
+                    <a:lstStyle/>
+                    <a:p>
+                      <a:pPr algn="ctr"/>
+                      <a:r>
+                        <a:rPr lang="en-US" sz="1200"/>
+                        <a:t>99</a:t>
+                      </a:r>
+                    </a:p>
+                  </a:txBody>
+                  <a:tcPr marL="38100" marR="38100" marT="38100" marB="38100" anchor="ctr"/>
+                </a:tc>
+                <a:tc>
+                  <a:txBody>
+                    <a:bodyPr/>
+                    <a:lstStyle/>
+                    <a:p>
+                      <a:pPr algn="ctr"/>
+                      <a:r>
+                        <a:rPr lang="en-US" sz="1200" dirty="0"/>
+                        <a:t>374</a:t>
+                      </a:r>
+                    </a:p>
+                  </a:txBody>
+                  <a:tcPr marL="38100" marR="38100" marT="38100" marB="38100" anchor="ctr"/>
+                </a:tc>
+                <a:extLst>
+                  <a:ext uri="{0D108BD9-81ED-4DB2-BD59-A6C34878D82A}">
+                    <a16:rowId xmlns:a16="http://schemas.microsoft.com/office/drawing/2014/main" val="10002"/>
+                  </a:ext>
+                </a:extLst>
+              </a:tr>
+            </a:tbl>
+          </a:graphicData>
+        </a:graphic>
+      </p:graphicFrame>
+      <p:sp>
+        <p:nvSpPr>
+          <p:cNvPr id="4" name="Rectangle 3"/>
+          <p:cNvSpPr/>
+          <p:nvPr/>
+        </p:nvSpPr>
+        <p:spPr>
+          <a:xfrm>
+            <a:off x="236374" y="4489112"/>
+            <a:ext cx="3121367" cy="369332"/>
+          </a:xfrm>
+          <a:prstGeom prst="rect">
+            <a:avLst/>
+          </a:prstGeom>
+        </p:spPr>
+        <p:txBody>
+          <a:bodyPr wrap="none">
+            <a:spAutoFit/>
+          </a:bodyPr>
+          <a:lstStyle/>
+          <a:p>
+            <a:r>
+              <a:rPr lang="en-US" u="sng" dirty="0"/>
+              <a:t>Antoine Equation (for water):</a:t>
+            </a:r>
+          </a:p>
+        </p:txBody>
+      </p:sp>
+      <p:sp>
+        <p:nvSpPr>
+          <p:cNvPr id="5" name="TextBox 4"/>
+          <p:cNvSpPr txBox="1"/>
+          <p:nvPr/>
+        </p:nvSpPr>
+        <p:spPr>
+          <a:xfrm>
+            <a:off x="2123877" y="4921133"/>
+            <a:ext cx="1115669" cy="276999"/>
+          </a:xfrm>
+          <a:prstGeom prst="rect">
+            <a:avLst/>
+          </a:prstGeom>
+        </p:spPr>
+        <p:style>
+          <a:lnRef idx="1">
+            <a:schemeClr val="dk1"/>
+          </a:lnRef>
+          <a:fillRef idx="2">
+            <a:schemeClr val="dk1"/>
+          </a:fillRef>
+          <a:effectRef idx="1">
+            <a:schemeClr val="dk1"/>
+          </a:effectRef>
+          <a:fontRef idx="minor">
+            <a:schemeClr val="dk1"/>
+          </a:fontRef>
+        </p:style>
+        <p:txBody>
+          <a:bodyPr wrap="square" rtlCol="0">
+            <a:spAutoFit/>
+          </a:bodyPr>
+          <a:lstStyle/>
+          <a:p>
+            <a:r>
+              <a:rPr lang="en-US" sz="1200" i="1" dirty="0"/>
+              <a:t>For </a:t>
+            </a:r>
+            <a:r>
+              <a:rPr lang="en-US" sz="1200" i="1" dirty="0" err="1"/>
+              <a:t>p</a:t>
+            </a:r>
+            <a:r>
+              <a:rPr lang="en-US" sz="1200" i="1" baseline="-25000" dirty="0" err="1"/>
+              <a:t>sk,s</a:t>
+            </a:r>
+            <a:r>
+              <a:rPr lang="en-US" sz="1200" i="1" dirty="0"/>
+              <a:t> and p</a:t>
+            </a:r>
+            <a:r>
+              <a:rPr lang="en-US" sz="1200" i="1" baseline="-25000" dirty="0"/>
+              <a:t>a</a:t>
+            </a:r>
+          </a:p>
+        </p:txBody>
+      </p:sp>
+      <mc:AlternateContent xmlns:mc="http://schemas.openxmlformats.org/markup-compatibility/2006" xmlns:a14="http://schemas.microsoft.com/office/drawing/2010/main">
+        <mc:Choice Requires="a14">
+          <p:sp>
+            <p:nvSpPr>
+              <p:cNvPr id="7" name="TextBox 6"/>
+              <p:cNvSpPr txBox="1"/>
+              <p:nvPr/>
+            </p:nvSpPr>
+            <p:spPr>
+              <a:xfrm>
+                <a:off x="293687" y="1708867"/>
+                <a:ext cx="561179" cy="357983"/>
+              </a:xfrm>
+              <a:prstGeom prst="rect">
+                <a:avLst/>
+              </a:prstGeom>
+              <a:noFill/>
+              <a:ln>
+                <a:noFill/>
+              </a:ln>
+              <a:effectLst/>
+            </p:spPr>
+            <p:style>
+              <a:lnRef idx="1">
+                <a:schemeClr val="dk1"/>
+              </a:lnRef>
+              <a:fillRef idx="2">
+                <a:schemeClr val="dk1"/>
+              </a:fillRef>
+              <a:effectRef idx="1">
+                <a:schemeClr val="dk1"/>
+              </a:effectRef>
+              <a:fontRef idx="minor">
+                <a:schemeClr val="dk1"/>
+              </a:fontRef>
+            </p:style>
+            <p:txBody>
+              <a:bodyPr rtlCol="0" anchor="ctr"/>
+              <a:lstStyle>
+                <a:defPPr>
+                  <a:defRPr lang="en-US"/>
+                </a:defPPr>
+                <a:lvl1pPr>
+                  <a:defRPr sz="800">
+                    <a:solidFill>
+                      <a:schemeClr val="dk1"/>
+                    </a:solidFill>
+                  </a:defRPr>
+                </a:lvl1pPr>
+                <a:lvl2pPr>
+                  <a:defRPr>
+                    <a:solidFill>
+                      <a:schemeClr val="dk1"/>
+                    </a:solidFill>
+                  </a:defRPr>
+                </a:lvl2pPr>
+                <a:lvl3pPr>
+                  <a:defRPr>
+                    <a:solidFill>
+                      <a:schemeClr val="dk1"/>
+                    </a:solidFill>
+                  </a:defRPr>
+                </a:lvl3pPr>
+                <a:lvl4pPr>
+                  <a:defRPr>
+                    <a:solidFill>
+                      <a:schemeClr val="dk1"/>
+                    </a:solidFill>
+                  </a:defRPr>
+                </a:lvl4pPr>
+                <a:lvl5pPr>
+                  <a:defRPr>
+                    <a:solidFill>
+                      <a:schemeClr val="dk1"/>
+                    </a:solidFill>
+                  </a:defRPr>
+                </a:lvl5pPr>
+                <a:lvl6pPr>
+                  <a:defRPr>
+                    <a:solidFill>
+                      <a:schemeClr val="dk1"/>
+                    </a:solidFill>
+                  </a:defRPr>
+                </a:lvl6pPr>
+                <a:lvl7pPr>
+                  <a:defRPr>
+                    <a:solidFill>
+                      <a:schemeClr val="dk1"/>
+                    </a:solidFill>
+                  </a:defRPr>
+                </a:lvl7pPr>
+                <a:lvl8pPr>
+                  <a:defRPr>
+                    <a:solidFill>
+                      <a:schemeClr val="dk1"/>
+                    </a:solidFill>
+                  </a:defRPr>
+                </a:lvl8pPr>
+                <a:lvl9pPr>
+                  <a:defRPr>
+                    <a:solidFill>
+                      <a:schemeClr val="dk1"/>
+                    </a:solidFill>
+                  </a:defRPr>
+                </a:lvl9pPr>
+              </a:lstStyle>
+              <a:p>
+                <a:pPr/>
+                <a14:m>
+                  <m:oMathPara xmlns:m="http://schemas.openxmlformats.org/officeDocument/2006/math">
+                    <m:oMathParaPr>
+                      <m:jc m:val="centerGroup"/>
+                    </m:oMathParaPr>
+                    <m:oMath xmlns:m="http://schemas.openxmlformats.org/officeDocument/2006/math">
+                      <m:r>
+                        <a:rPr lang="en-US">
+                          <a:latin typeface="Cambria Math"/>
+                        </a:rPr>
+                        <m:t>𝛽</m:t>
+                      </m:r>
+                      <m:r>
+                        <a:rPr lang="en-US">
+                          <a:latin typeface="Cambria Math"/>
+                        </a:rPr>
+                        <m:t>=</m:t>
+                      </m:r>
+                      <m:f>
+                        <m:fPr>
+                          <m:ctrlPr>
+                            <a:rPr lang="en-US" i="1">
+                              <a:latin typeface="Cambria Math" panose="02040503050406030204" pitchFamily="18" charset="0"/>
+                            </a:rPr>
+                          </m:ctrlPr>
+                        </m:fPr>
+                        <m:num>
+                          <m:r>
+                            <a:rPr lang="en-US">
+                              <a:latin typeface="Cambria Math"/>
+                            </a:rPr>
+                            <m:t>1</m:t>
+                          </m:r>
+                        </m:num>
+                        <m:den>
+                          <m:r>
+                            <a:rPr lang="en-US">
+                              <a:latin typeface="Cambria Math"/>
+                            </a:rPr>
+                            <m:t>𝜌</m:t>
+                          </m:r>
+                          <m:sSub>
+                            <m:sSubPr>
+                              <m:ctrlPr>
+                                <a:rPr lang="en-US" i="1">
+                                  <a:latin typeface="Cambria Math" panose="02040503050406030204" pitchFamily="18" charset="0"/>
+                                </a:rPr>
+                              </m:ctrlPr>
+                            </m:sSubPr>
+                            <m:e>
+                              <m:r>
+                                <a:rPr lang="en-US">
+                                  <a:latin typeface="Cambria Math"/>
+                                </a:rPr>
+                                <m:t>𝑐</m:t>
+                              </m:r>
+                            </m:e>
+                            <m:sub>
+                              <m:r>
+                                <a:rPr lang="en-US">
+                                  <a:latin typeface="Cambria Math"/>
+                                </a:rPr>
+                                <m:t>𝑝</m:t>
+                              </m:r>
+                            </m:sub>
+                          </m:sSub>
+                        </m:den>
+                      </m:f>
+                    </m:oMath>
+                  </m:oMathPara>
+                </a14:m>
+                <a:endParaRPr lang="en-US" dirty="0"/>
+              </a:p>
+            </p:txBody>
+          </p:sp>
+        </mc:Choice>
+        <mc:Fallback xmlns="">
+          <p:sp>
+            <p:nvSpPr>
+              <p:cNvPr id="7" name="TextBox 6"/>
+              <p:cNvSpPr txBox="1">
+                <a:spLocks noRot="1" noChangeAspect="1" noMove="1" noResize="1" noEditPoints="1" noAdjustHandles="1" noChangeArrowheads="1" noChangeShapeType="1" noTextEdit="1"/>
+              </p:cNvSpPr>
+              <p:nvPr/>
+            </p:nvSpPr>
+            <p:spPr>
+              <a:xfrm>
+                <a:off x="293687" y="1708867"/>
+                <a:ext cx="561179" cy="357983"/>
+              </a:xfrm>
+              <a:prstGeom prst="rect">
+                <a:avLst/>
+              </a:prstGeom>
+              <a:blipFill rotWithShape="1">
+                <a:blip r:embed="rId4"/>
+                <a:stretch>
+                  <a:fillRect/>
+                </a:stretch>
+              </a:blipFill>
+              <a:ln>
+                <a:noFill/>
+              </a:ln>
+              <a:effectLst/>
+            </p:spPr>
+            <p:txBody>
+              <a:bodyPr/>
+              <a:lstStyle/>
+              <a:p>
+                <a:r>
+                  <a:rPr lang="en-US">
+                    <a:noFill/>
+                  </a:rPr>
+                  <a:t> </a:t>
+                </a:r>
+              </a:p>
+            </p:txBody>
+          </p:sp>
+        </mc:Fallback>
+      </mc:AlternateContent>
+      <mc:AlternateContent xmlns:mc="http://schemas.openxmlformats.org/markup-compatibility/2006" xmlns:a14="http://schemas.microsoft.com/office/drawing/2010/main">
+        <mc:Choice Requires="a14">
+          <p:sp>
+            <p:nvSpPr>
+              <p:cNvPr id="8" name="TextBox 7"/>
+              <p:cNvSpPr txBox="1"/>
+              <p:nvPr/>
+            </p:nvSpPr>
+            <p:spPr>
+              <a:xfrm>
+                <a:off x="293687" y="2457385"/>
+                <a:ext cx="998735" cy="349904"/>
+              </a:xfrm>
+              <a:prstGeom prst="rect">
+                <a:avLst/>
+              </a:prstGeom>
+              <a:noFill/>
+              <a:ln>
+                <a:noFill/>
+              </a:ln>
+              <a:effectLst/>
+            </p:spPr>
+            <p:style>
+              <a:lnRef idx="1">
+                <a:schemeClr val="dk1"/>
+              </a:lnRef>
+              <a:fillRef idx="2">
+                <a:schemeClr val="dk1"/>
+              </a:fillRef>
+              <a:effectRef idx="1">
+                <a:schemeClr val="dk1"/>
+              </a:effectRef>
+              <a:fontRef idx="minor">
+                <a:schemeClr val="dk1"/>
+              </a:fontRef>
+            </p:style>
+            <p:txBody>
+              <a:bodyPr rtlCol="0" anchor="ctr"/>
+              <a:lstStyle>
+                <a:defPPr>
+                  <a:defRPr lang="en-US"/>
+                </a:defPPr>
+                <a:lvl1pPr>
+                  <a:defRPr sz="800">
+                    <a:solidFill>
+                      <a:schemeClr val="dk1"/>
+                    </a:solidFill>
+                  </a:defRPr>
+                </a:lvl1pPr>
+                <a:lvl2pPr>
+                  <a:defRPr>
+                    <a:solidFill>
+                      <a:schemeClr val="dk1"/>
+                    </a:solidFill>
+                  </a:defRPr>
+                </a:lvl2pPr>
+                <a:lvl3pPr>
+                  <a:defRPr>
+                    <a:solidFill>
+                      <a:schemeClr val="dk1"/>
+                    </a:solidFill>
+                  </a:defRPr>
+                </a:lvl3pPr>
+                <a:lvl4pPr>
+                  <a:defRPr>
+                    <a:solidFill>
+                      <a:schemeClr val="dk1"/>
+                    </a:solidFill>
+                  </a:defRPr>
+                </a:lvl4pPr>
+                <a:lvl5pPr>
+                  <a:defRPr>
+                    <a:solidFill>
+                      <a:schemeClr val="dk1"/>
+                    </a:solidFill>
+                  </a:defRPr>
+                </a:lvl5pPr>
+                <a:lvl6pPr>
+                  <a:defRPr>
+                    <a:solidFill>
+                      <a:schemeClr val="dk1"/>
+                    </a:solidFill>
+                  </a:defRPr>
+                </a:lvl6pPr>
+                <a:lvl7pPr>
+                  <a:defRPr>
+                    <a:solidFill>
+                      <a:schemeClr val="dk1"/>
+                    </a:solidFill>
+                  </a:defRPr>
+                </a:lvl7pPr>
+                <a:lvl8pPr>
+                  <a:defRPr>
+                    <a:solidFill>
+                      <a:schemeClr val="dk1"/>
+                    </a:solidFill>
+                  </a:defRPr>
+                </a:lvl8pPr>
+                <a:lvl9pPr>
+                  <a:defRPr>
+                    <a:solidFill>
+                      <a:schemeClr val="dk1"/>
+                    </a:solidFill>
+                  </a:defRPr>
+                </a:lvl9pPr>
+              </a:lstStyle>
+              <a:p>
+                <a:pPr/>
+                <a14:m>
+                  <m:oMathPara xmlns:m="http://schemas.openxmlformats.org/officeDocument/2006/math">
+                    <m:oMathParaPr>
+                      <m:jc m:val="centerGroup"/>
+                    </m:oMathParaPr>
+                    <m:oMath xmlns:m="http://schemas.openxmlformats.org/officeDocument/2006/math">
+                      <m:r>
+                        <a:rPr lang="en-US">
+                          <a:latin typeface="Cambria Math"/>
+                        </a:rPr>
+                        <m:t>𝜌</m:t>
+                      </m:r>
+                      <m:r>
+                        <a:rPr lang="en-US">
+                          <a:latin typeface="Cambria Math"/>
+                        </a:rPr>
+                        <m:t>=</m:t>
+                      </m:r>
+                      <m:f>
+                        <m:fPr>
+                          <m:ctrlPr>
+                            <a:rPr lang="en-US" i="1">
+                              <a:latin typeface="Cambria Math" panose="02040503050406030204" pitchFamily="18" charset="0"/>
+                            </a:rPr>
+                          </m:ctrlPr>
+                        </m:fPr>
+                        <m:num>
+                          <m:sSub>
+                            <m:sSubPr>
+                              <m:ctrlPr>
+                                <a:rPr lang="en-US" i="1">
+                                  <a:latin typeface="Cambria Math" panose="02040503050406030204" pitchFamily="18" charset="0"/>
+                                </a:rPr>
+                              </m:ctrlPr>
+                            </m:sSubPr>
+                            <m:e>
+                              <m:r>
+                                <a:rPr lang="en-US">
+                                  <a:latin typeface="Cambria Math"/>
+                                </a:rPr>
+                                <m:t>𝑝</m:t>
+                              </m:r>
+                            </m:e>
+                            <m:sub>
+                              <m:r>
+                                <a:rPr lang="en-US">
+                                  <a:latin typeface="Cambria Math"/>
+                                </a:rPr>
+                                <m:t>𝑑</m:t>
+                              </m:r>
+                            </m:sub>
+                          </m:sSub>
+                          <m:sSub>
+                            <m:sSubPr>
+                              <m:ctrlPr>
+                                <a:rPr lang="en-US" i="1">
+                                  <a:latin typeface="Cambria Math" panose="02040503050406030204" pitchFamily="18" charset="0"/>
+                                </a:rPr>
+                              </m:ctrlPr>
+                            </m:sSubPr>
+                            <m:e>
+                              <m:r>
+                                <a:rPr lang="en-US">
+                                  <a:latin typeface="Cambria Math"/>
+                                </a:rPr>
+                                <m:t>𝑀</m:t>
+                              </m:r>
+                            </m:e>
+                            <m:sub>
+                              <m:r>
+                                <a:rPr lang="en-US">
+                                  <a:latin typeface="Cambria Math"/>
+                                </a:rPr>
+                                <m:t>𝑑</m:t>
+                              </m:r>
+                            </m:sub>
+                          </m:sSub>
+                          <m:r>
+                            <a:rPr lang="en-US">
+                              <a:latin typeface="Cambria Math"/>
+                            </a:rPr>
+                            <m:t>+</m:t>
+                          </m:r>
+                          <m:sSub>
+                            <m:sSubPr>
+                              <m:ctrlPr>
+                                <a:rPr lang="en-US" i="1">
+                                  <a:latin typeface="Cambria Math" panose="02040503050406030204" pitchFamily="18" charset="0"/>
+                                </a:rPr>
+                              </m:ctrlPr>
+                            </m:sSubPr>
+                            <m:e>
+                              <m:r>
+                                <a:rPr lang="en-US">
+                                  <a:latin typeface="Cambria Math"/>
+                                </a:rPr>
+                                <m:t>𝑝</m:t>
+                              </m:r>
+                            </m:e>
+                            <m:sub>
+                              <m:r>
+                                <a:rPr lang="en-US">
+                                  <a:latin typeface="Cambria Math"/>
+                                </a:rPr>
+                                <m:t>𝑣</m:t>
+                              </m:r>
+                            </m:sub>
+                          </m:sSub>
+                          <m:sSub>
+                            <m:sSubPr>
+                              <m:ctrlPr>
+                                <a:rPr lang="en-US" i="1">
+                                  <a:latin typeface="Cambria Math" panose="02040503050406030204" pitchFamily="18" charset="0"/>
+                                </a:rPr>
+                              </m:ctrlPr>
+                            </m:sSubPr>
+                            <m:e>
+                              <m:r>
+                                <a:rPr lang="en-US">
+                                  <a:latin typeface="Cambria Math"/>
+                                </a:rPr>
+                                <m:t>𝑀</m:t>
+                              </m:r>
+                            </m:e>
+                            <m:sub>
+                              <m:r>
+                                <a:rPr lang="en-US">
+                                  <a:latin typeface="Cambria Math"/>
+                                </a:rPr>
+                                <m:t>𝑣</m:t>
+                              </m:r>
+                            </m:sub>
+                          </m:sSub>
+                        </m:num>
+                        <m:den>
+                          <m:r>
+                            <a:rPr lang="en-US">
+                              <a:latin typeface="Cambria Math"/>
+                            </a:rPr>
+                            <m:t>𝑈</m:t>
+                          </m:r>
+                          <m:sSub>
+                            <m:sSubPr>
+                              <m:ctrlPr>
+                                <a:rPr lang="en-US" i="1">
+                                  <a:latin typeface="Cambria Math" panose="02040503050406030204" pitchFamily="18" charset="0"/>
+                                </a:rPr>
+                              </m:ctrlPr>
+                            </m:sSubPr>
+                            <m:e>
+                              <m:r>
+                                <a:rPr lang="en-US">
+                                  <a:latin typeface="Cambria Math"/>
+                                </a:rPr>
+                                <m:t>𝑡</m:t>
+                              </m:r>
+                            </m:e>
+                            <m:sub>
+                              <m:r>
+                                <a:rPr lang="en-US">
+                                  <a:latin typeface="Cambria Math"/>
+                                </a:rPr>
+                                <m:t>𝑎</m:t>
+                              </m:r>
+                            </m:sub>
+                          </m:sSub>
+                        </m:den>
+                      </m:f>
+                    </m:oMath>
+                  </m:oMathPara>
+                </a14:m>
+                <a:endParaRPr lang="en-US" dirty="0"/>
+              </a:p>
+            </p:txBody>
+          </p:sp>
+        </mc:Choice>
+        <mc:Fallback xmlns="">
+          <p:sp>
+            <p:nvSpPr>
+              <p:cNvPr id="8" name="TextBox 7"/>
+              <p:cNvSpPr txBox="1">
+                <a:spLocks noRot="1" noChangeAspect="1" noMove="1" noResize="1" noEditPoints="1" noAdjustHandles="1" noChangeArrowheads="1" noChangeShapeType="1" noTextEdit="1"/>
+              </p:cNvSpPr>
+              <p:nvPr/>
+            </p:nvSpPr>
+            <p:spPr>
+              <a:xfrm>
+                <a:off x="293687" y="2457385"/>
+                <a:ext cx="998735" cy="349904"/>
+              </a:xfrm>
+              <a:prstGeom prst="rect">
+                <a:avLst/>
+              </a:prstGeom>
+              <a:blipFill rotWithShape="1">
+                <a:blip r:embed="rId5"/>
+                <a:stretch>
+                  <a:fillRect/>
+                </a:stretch>
+              </a:blipFill>
+              <a:ln>
+                <a:noFill/>
+              </a:ln>
+              <a:effectLst/>
+            </p:spPr>
+            <p:txBody>
+              <a:bodyPr/>
+              <a:lstStyle/>
+              <a:p>
+                <a:r>
+                  <a:rPr lang="en-US">
+                    <a:noFill/>
+                  </a:rPr>
+                  <a:t> </a:t>
+                </a:r>
+              </a:p>
+            </p:txBody>
+          </p:sp>
+        </mc:Fallback>
+      </mc:AlternateContent>
+      <mc:AlternateContent xmlns:mc="http://schemas.openxmlformats.org/markup-compatibility/2006" xmlns:a14="http://schemas.microsoft.com/office/drawing/2010/main">
+        <mc:Choice Requires="a14">
+          <p:sp>
+            <p:nvSpPr>
+              <p:cNvPr id="9" name="TextBox 8"/>
+              <p:cNvSpPr txBox="1"/>
+              <p:nvPr/>
+            </p:nvSpPr>
+            <p:spPr>
+              <a:xfrm>
+                <a:off x="293687" y="3208511"/>
+                <a:ext cx="624851" cy="228076"/>
+              </a:xfrm>
+              <a:prstGeom prst="rect">
+                <a:avLst/>
+              </a:prstGeom>
+              <a:noFill/>
+              <a:ln>
+                <a:noFill/>
+              </a:ln>
+              <a:effectLst/>
+            </p:spPr>
+            <p:style>
+              <a:lnRef idx="1">
+                <a:schemeClr val="dk1"/>
+              </a:lnRef>
+              <a:fillRef idx="2">
+                <a:schemeClr val="dk1"/>
+              </a:fillRef>
+              <a:effectRef idx="1">
+                <a:schemeClr val="dk1"/>
+              </a:effectRef>
+              <a:fontRef idx="minor">
+                <a:schemeClr val="dk1"/>
+              </a:fontRef>
+            </p:style>
+            <p:txBody>
+              <a:bodyPr rtlCol="0" anchor="ctr"/>
+              <a:lstStyle>
+                <a:defPPr>
+                  <a:defRPr lang="en-US"/>
+                </a:defPPr>
+                <a:lvl1pPr>
+                  <a:defRPr sz="800">
+                    <a:solidFill>
+                      <a:schemeClr val="dk1"/>
+                    </a:solidFill>
+                  </a:defRPr>
+                </a:lvl1pPr>
+                <a:lvl2pPr>
+                  <a:defRPr>
+                    <a:solidFill>
+                      <a:schemeClr val="dk1"/>
+                    </a:solidFill>
+                  </a:defRPr>
+                </a:lvl2pPr>
+                <a:lvl3pPr>
+                  <a:defRPr>
+                    <a:solidFill>
+                      <a:schemeClr val="dk1"/>
+                    </a:solidFill>
+                  </a:defRPr>
+                </a:lvl3pPr>
+                <a:lvl4pPr>
+                  <a:defRPr>
+                    <a:solidFill>
+                      <a:schemeClr val="dk1"/>
+                    </a:solidFill>
+                  </a:defRPr>
+                </a:lvl4pPr>
+                <a:lvl5pPr>
+                  <a:defRPr>
+                    <a:solidFill>
+                      <a:schemeClr val="dk1"/>
+                    </a:solidFill>
+                  </a:defRPr>
+                </a:lvl5pPr>
+                <a:lvl6pPr>
+                  <a:defRPr>
+                    <a:solidFill>
+                      <a:schemeClr val="dk1"/>
+                    </a:solidFill>
+                  </a:defRPr>
+                </a:lvl6pPr>
+                <a:lvl7pPr>
+                  <a:defRPr>
+                    <a:solidFill>
+                      <a:schemeClr val="dk1"/>
+                    </a:solidFill>
+                  </a:defRPr>
+                </a:lvl7pPr>
+                <a:lvl8pPr>
+                  <a:defRPr>
+                    <a:solidFill>
+                      <a:schemeClr val="dk1"/>
+                    </a:solidFill>
+                  </a:defRPr>
+                </a:lvl8pPr>
+                <a:lvl9pPr>
+                  <a:defRPr>
+                    <a:solidFill>
+                      <a:schemeClr val="dk1"/>
+                    </a:solidFill>
+                  </a:defRPr>
+                </a:lvl9pPr>
+              </a:lstStyle>
+              <a:p>
+                <a:pPr/>
+                <a14:m>
+                  <m:oMathPara xmlns:m="http://schemas.openxmlformats.org/officeDocument/2006/math">
+                    <m:oMathParaPr>
+                      <m:jc m:val="centerGroup"/>
+                    </m:oMathParaPr>
+                    <m:oMath xmlns:m="http://schemas.openxmlformats.org/officeDocument/2006/math">
+                      <m:sSub>
+                        <m:sSubPr>
+                          <m:ctrlPr>
+                            <a:rPr lang="en-US" i="1">
+                              <a:latin typeface="Cambria Math" panose="02040503050406030204" pitchFamily="18" charset="0"/>
+                            </a:rPr>
+                          </m:ctrlPr>
+                        </m:sSubPr>
+                        <m:e>
+                          <m:r>
+                            <a:rPr lang="en-US">
+                              <a:latin typeface="Cambria Math"/>
+                            </a:rPr>
+                            <m:t>𝑝</m:t>
+                          </m:r>
+                        </m:e>
+                        <m:sub>
+                          <m:r>
+                            <a:rPr lang="en-US">
+                              <a:latin typeface="Cambria Math"/>
+                            </a:rPr>
+                            <m:t>𝑣</m:t>
+                          </m:r>
+                        </m:sub>
+                      </m:sSub>
+                      <m:r>
+                        <a:rPr lang="en-US">
+                          <a:latin typeface="Cambria Math"/>
+                        </a:rPr>
+                        <m:t>=</m:t>
+                      </m:r>
+                      <m:r>
+                        <m:rPr>
+                          <m:sty m:val="p"/>
+                        </m:rPr>
+                        <a:rPr lang="en-US">
+                          <a:latin typeface="Cambria Math"/>
+                        </a:rPr>
+                        <m:t>ϕ</m:t>
+                      </m:r>
+                      <m:sSub>
+                        <m:sSubPr>
+                          <m:ctrlPr>
+                            <a:rPr lang="en-US" i="1">
+                              <a:latin typeface="Cambria Math" panose="02040503050406030204" pitchFamily="18" charset="0"/>
+                            </a:rPr>
+                          </m:ctrlPr>
+                        </m:sSubPr>
+                        <m:e>
+                          <m:r>
+                            <a:rPr lang="en-US">
+                              <a:latin typeface="Cambria Math"/>
+                            </a:rPr>
+                            <m:t>𝑝</m:t>
+                          </m:r>
+                        </m:e>
+                        <m:sub>
+                          <m:r>
+                            <a:rPr lang="en-US">
+                              <a:latin typeface="Cambria Math"/>
+                            </a:rPr>
+                            <m:t>𝑎</m:t>
+                          </m:r>
+                        </m:sub>
+                      </m:sSub>
+                    </m:oMath>
+                  </m:oMathPara>
+                </a14:m>
+                <a:endParaRPr lang="en-US" dirty="0"/>
+              </a:p>
+            </p:txBody>
+          </p:sp>
+        </mc:Choice>
+        <mc:Fallback xmlns="">
+          <p:sp>
+            <p:nvSpPr>
+              <p:cNvPr id="9" name="TextBox 8"/>
+              <p:cNvSpPr txBox="1">
+                <a:spLocks noRot="1" noChangeAspect="1" noMove="1" noResize="1" noEditPoints="1" noAdjustHandles="1" noChangeArrowheads="1" noChangeShapeType="1" noTextEdit="1"/>
+              </p:cNvSpPr>
+              <p:nvPr/>
+            </p:nvSpPr>
+            <p:spPr>
+              <a:xfrm>
+                <a:off x="293687" y="3208511"/>
+                <a:ext cx="624851" cy="228076"/>
+              </a:xfrm>
+              <a:prstGeom prst="rect">
+                <a:avLst/>
+              </a:prstGeom>
+              <a:blipFill rotWithShape="1">
+                <a:blip r:embed="rId6"/>
+                <a:stretch>
+                  <a:fillRect/>
+                </a:stretch>
+              </a:blipFill>
+              <a:ln>
+                <a:noFill/>
+              </a:ln>
+              <a:effectLst/>
+            </p:spPr>
+            <p:txBody>
+              <a:bodyPr/>
+              <a:lstStyle/>
+              <a:p>
+                <a:r>
+                  <a:rPr lang="en-US">
+                    <a:noFill/>
+                  </a:rPr>
+                  <a:t> </a:t>
+                </a:r>
+              </a:p>
+            </p:txBody>
+          </p:sp>
+        </mc:Fallback>
+      </mc:AlternateContent>
+      <mc:AlternateContent xmlns:mc="http://schemas.openxmlformats.org/markup-compatibility/2006" xmlns:a14="http://schemas.microsoft.com/office/drawing/2010/main">
+        <mc:Choice Requires="a14">
+          <p:sp>
+            <p:nvSpPr>
+              <p:cNvPr id="10" name="TextBox 9"/>
+              <p:cNvSpPr txBox="1"/>
+              <p:nvPr/>
+            </p:nvSpPr>
+            <p:spPr>
+              <a:xfrm>
+                <a:off x="293687" y="3726104"/>
+                <a:ext cx="771814" cy="228139"/>
+              </a:xfrm>
+              <a:prstGeom prst="rect">
+                <a:avLst/>
+              </a:prstGeom>
+              <a:noFill/>
+              <a:ln>
+                <a:noFill/>
+              </a:ln>
+              <a:effectLst/>
+            </p:spPr>
+            <p:style>
+              <a:lnRef idx="1">
+                <a:schemeClr val="dk1"/>
+              </a:lnRef>
+              <a:fillRef idx="2">
+                <a:schemeClr val="dk1"/>
+              </a:fillRef>
+              <a:effectRef idx="1">
+                <a:schemeClr val="dk1"/>
+              </a:effectRef>
+              <a:fontRef idx="minor">
+                <a:schemeClr val="dk1"/>
+              </a:fontRef>
+            </p:style>
+            <p:txBody>
+              <a:bodyPr rtlCol="0" anchor="ctr"/>
+              <a:lstStyle>
+                <a:defPPr>
+                  <a:defRPr lang="en-US"/>
+                </a:defPPr>
+                <a:lvl1pPr>
+                  <a:defRPr sz="800">
+                    <a:solidFill>
+                      <a:schemeClr val="dk1"/>
+                    </a:solidFill>
+                  </a:defRPr>
+                </a:lvl1pPr>
+                <a:lvl2pPr>
+                  <a:defRPr>
+                    <a:solidFill>
+                      <a:schemeClr val="dk1"/>
+                    </a:solidFill>
+                  </a:defRPr>
+                </a:lvl2pPr>
+                <a:lvl3pPr>
+                  <a:defRPr>
+                    <a:solidFill>
+                      <a:schemeClr val="dk1"/>
+                    </a:solidFill>
+                  </a:defRPr>
+                </a:lvl3pPr>
+                <a:lvl4pPr>
+                  <a:defRPr>
+                    <a:solidFill>
+                      <a:schemeClr val="dk1"/>
+                    </a:solidFill>
+                  </a:defRPr>
+                </a:lvl4pPr>
+                <a:lvl5pPr>
+                  <a:defRPr>
+                    <a:solidFill>
+                      <a:schemeClr val="dk1"/>
+                    </a:solidFill>
+                  </a:defRPr>
+                </a:lvl5pPr>
+                <a:lvl6pPr>
+                  <a:defRPr>
+                    <a:solidFill>
+                      <a:schemeClr val="dk1"/>
+                    </a:solidFill>
+                  </a:defRPr>
+                </a:lvl6pPr>
+                <a:lvl7pPr>
+                  <a:defRPr>
+                    <a:solidFill>
+                      <a:schemeClr val="dk1"/>
+                    </a:solidFill>
+                  </a:defRPr>
+                </a:lvl7pPr>
+                <a:lvl8pPr>
+                  <a:defRPr>
+                    <a:solidFill>
+                      <a:schemeClr val="dk1"/>
+                    </a:solidFill>
+                  </a:defRPr>
+                </a:lvl8pPr>
+                <a:lvl9pPr>
+                  <a:defRPr>
+                    <a:solidFill>
+                      <a:schemeClr val="dk1"/>
+                    </a:solidFill>
+                  </a:defRPr>
+                </a:lvl9pPr>
+              </a:lstStyle>
+              <a:p>
+                <a:pPr/>
+                <a14:m>
+                  <m:oMathPara xmlns:m="http://schemas.openxmlformats.org/officeDocument/2006/math">
+                    <m:oMathParaPr>
+                      <m:jc m:val="centerGroup"/>
+                    </m:oMathParaPr>
+                    <m:oMath xmlns:m="http://schemas.openxmlformats.org/officeDocument/2006/math">
+                      <m:sSub>
+                        <m:sSubPr>
+                          <m:ctrlPr>
+                            <a:rPr lang="en-US" i="1">
+                              <a:latin typeface="Cambria Math" panose="02040503050406030204" pitchFamily="18" charset="0"/>
+                            </a:rPr>
+                          </m:ctrlPr>
+                        </m:sSubPr>
+                        <m:e>
+                          <m:r>
+                            <a:rPr lang="en-US">
+                              <a:latin typeface="Cambria Math"/>
+                            </a:rPr>
+                            <m:t>𝑝</m:t>
+                          </m:r>
+                        </m:e>
+                        <m:sub>
+                          <m:r>
+                            <a:rPr lang="en-US">
+                              <a:latin typeface="Cambria Math"/>
+                            </a:rPr>
+                            <m:t>𝑑</m:t>
+                          </m:r>
+                        </m:sub>
+                      </m:sSub>
+                      <m:r>
+                        <a:rPr lang="en-US">
+                          <a:latin typeface="Cambria Math"/>
+                        </a:rPr>
+                        <m:t>=</m:t>
+                      </m:r>
+                      <m:sSub>
+                        <m:sSubPr>
+                          <m:ctrlPr>
+                            <a:rPr lang="en-US" i="1">
+                              <a:latin typeface="Cambria Math" panose="02040503050406030204" pitchFamily="18" charset="0"/>
+                            </a:rPr>
+                          </m:ctrlPr>
+                        </m:sSubPr>
+                        <m:e>
+                          <m:r>
+                            <a:rPr lang="en-US">
+                              <a:latin typeface="Cambria Math"/>
+                            </a:rPr>
+                            <m:t>𝑝</m:t>
+                          </m:r>
+                        </m:e>
+                        <m:sub>
+                          <m:r>
+                            <a:rPr lang="en-US">
+                              <a:latin typeface="Cambria Math"/>
+                            </a:rPr>
+                            <m:t>𝑡</m:t>
+                          </m:r>
+                        </m:sub>
+                      </m:sSub>
+                      <m:r>
+                        <a:rPr lang="en-US">
+                          <a:latin typeface="Cambria Math"/>
+                        </a:rPr>
+                        <m:t>−</m:t>
+                      </m:r>
+                      <m:sSub>
+                        <m:sSubPr>
+                          <m:ctrlPr>
+                            <a:rPr lang="en-US" i="1">
+                              <a:latin typeface="Cambria Math" panose="02040503050406030204" pitchFamily="18" charset="0"/>
+                            </a:rPr>
+                          </m:ctrlPr>
+                        </m:sSubPr>
+                        <m:e>
+                          <m:r>
+                            <a:rPr lang="en-US">
+                              <a:latin typeface="Cambria Math"/>
+                            </a:rPr>
+                            <m:t>𝑝</m:t>
+                          </m:r>
+                        </m:e>
+                        <m:sub>
+                          <m:r>
+                            <a:rPr lang="en-US">
+                              <a:latin typeface="Cambria Math"/>
+                            </a:rPr>
+                            <m:t>𝑣</m:t>
+                          </m:r>
+                        </m:sub>
+                      </m:sSub>
+                    </m:oMath>
+                  </m:oMathPara>
+                </a14:m>
+                <a:endParaRPr lang="en-US" dirty="0"/>
+              </a:p>
+            </p:txBody>
+          </p:sp>
+        </mc:Choice>
+        <mc:Fallback xmlns="">
+          <p:sp>
+            <p:nvSpPr>
+              <p:cNvPr id="10" name="TextBox 9"/>
+              <p:cNvSpPr txBox="1">
+                <a:spLocks noRot="1" noChangeAspect="1" noMove="1" noResize="1" noEditPoints="1" noAdjustHandles="1" noChangeArrowheads="1" noChangeShapeType="1" noTextEdit="1"/>
+              </p:cNvSpPr>
+              <p:nvPr/>
+            </p:nvSpPr>
+            <p:spPr>
+              <a:xfrm>
+                <a:off x="293687" y="3726104"/>
+                <a:ext cx="771814" cy="228139"/>
+              </a:xfrm>
+              <a:prstGeom prst="rect">
+                <a:avLst/>
+              </a:prstGeom>
+              <a:blipFill rotWithShape="1">
+                <a:blip r:embed="rId7"/>
+                <a:stretch>
+                  <a:fillRect/>
+                </a:stretch>
+              </a:blipFill>
+              <a:ln>
+                <a:noFill/>
+              </a:ln>
+              <a:effectLst/>
+            </p:spPr>
+            <p:txBody>
+              <a:bodyPr/>
+              <a:lstStyle/>
+              <a:p>
+                <a:r>
+                  <a:rPr lang="en-US">
+                    <a:noFill/>
+                  </a:rPr>
+                  <a:t> </a:t>
+                </a:r>
+              </a:p>
+            </p:txBody>
+          </p:sp>
+        </mc:Fallback>
+      </mc:AlternateContent>
+      <p:sp>
+        <p:nvSpPr>
+          <p:cNvPr id="11" name="Rectangle 10"/>
+          <p:cNvSpPr/>
+          <p:nvPr/>
+        </p:nvSpPr>
+        <p:spPr>
+          <a:xfrm>
+            <a:off x="2436944" y="2663114"/>
+            <a:ext cx="1765227" cy="184666"/>
+          </a:xfrm>
+          <a:prstGeom prst="rect">
+            <a:avLst/>
+          </a:prstGeom>
+          <a:noFill/>
+        </p:spPr>
+        <p:txBody>
+          <a:bodyPr wrap="none" rtlCol="0">
+            <a:spAutoFit/>
+          </a:bodyPr>
+          <a:lstStyle/>
+          <a:p>
+            <a:r>
+              <a:rPr lang="en-US" sz="600" i="1" dirty="0"/>
+              <a:t>http://wahiduddin.net/calc/density_altitude.htm</a:t>
+            </a:r>
+          </a:p>
+        </p:txBody>
+      </p:sp>
+      <p:sp>
+        <p:nvSpPr>
+          <p:cNvPr id="12" name="Rectangle 11"/>
+          <p:cNvSpPr/>
+          <p:nvPr/>
+        </p:nvSpPr>
+        <p:spPr>
+          <a:xfrm>
+            <a:off x="1639587" y="3331622"/>
+            <a:ext cx="1765227" cy="184666"/>
+          </a:xfrm>
+          <a:prstGeom prst="rect">
+            <a:avLst/>
+          </a:prstGeom>
+          <a:noFill/>
+        </p:spPr>
+        <p:txBody>
+          <a:bodyPr wrap="none" rtlCol="0">
+            <a:spAutoFit/>
+          </a:bodyPr>
+          <a:lstStyle/>
+          <a:p>
+            <a:r>
+              <a:rPr lang="en-US" sz="600" i="1" dirty="0"/>
+              <a:t>http://wahiduddin.net/calc/density_altitude.htm</a:t>
+            </a:r>
+          </a:p>
+        </p:txBody>
+      </p:sp>
+      <p:sp>
+        <p:nvSpPr>
+          <p:cNvPr id="13" name="Rectangle 12"/>
+          <p:cNvSpPr/>
+          <p:nvPr/>
+        </p:nvSpPr>
+        <p:spPr>
+          <a:xfrm>
+            <a:off x="1799099" y="3787659"/>
+            <a:ext cx="1765227" cy="184666"/>
+          </a:xfrm>
+          <a:prstGeom prst="rect">
+            <a:avLst/>
+          </a:prstGeom>
+          <a:noFill/>
+        </p:spPr>
+        <p:txBody>
+          <a:bodyPr wrap="none" rtlCol="0">
+            <a:spAutoFit/>
+          </a:bodyPr>
+          <a:lstStyle/>
+          <a:p>
+            <a:r>
+              <a:rPr lang="en-US" sz="600" i="1" dirty="0"/>
+              <a:t>http://wahiduddin.net/calc/density_altitude.htm</a:t>
+            </a:r>
+          </a:p>
+        </p:txBody>
+      </p:sp>
+      <p:sp>
+        <p:nvSpPr>
+          <p:cNvPr id="14" name="TextBox 13"/>
+          <p:cNvSpPr txBox="1"/>
+          <p:nvPr/>
+        </p:nvSpPr>
+        <p:spPr>
+          <a:xfrm>
+            <a:off x="2917404" y="1378196"/>
+            <a:ext cx="1473480" cy="184666"/>
+          </a:xfrm>
+          <a:prstGeom prst="rect">
+            <a:avLst/>
+          </a:prstGeom>
+          <a:noFill/>
+        </p:spPr>
+        <p:txBody>
+          <a:bodyPr wrap="none" rtlCol="0">
+            <a:spAutoFit/>
+          </a:bodyPr>
+          <a:lstStyle/>
+          <a:p>
+            <a:r>
+              <a:rPr lang="en-US" sz="600" i="1" dirty="0"/>
+              <a:t>ASHRAE Handbook of Fundamentals</a:t>
+            </a:r>
+          </a:p>
+        </p:txBody>
+      </p:sp>
+      <p:sp>
+        <p:nvSpPr>
+          <p:cNvPr id="15" name="TextBox 14"/>
+          <p:cNvSpPr txBox="1"/>
+          <p:nvPr/>
+        </p:nvSpPr>
+        <p:spPr>
+          <a:xfrm>
+            <a:off x="1473625" y="1961532"/>
+            <a:ext cx="1608133" cy="184666"/>
+          </a:xfrm>
+          <a:prstGeom prst="rect">
+            <a:avLst/>
+          </a:prstGeom>
+          <a:noFill/>
+        </p:spPr>
+        <p:txBody>
+          <a:bodyPr wrap="none" rtlCol="0">
+            <a:spAutoFit/>
+          </a:bodyPr>
+          <a:lstStyle/>
+          <a:p>
+            <a:r>
+              <a:rPr lang="en-US" sz="600" i="1" dirty="0"/>
+              <a:t>http://www.thermopedia.com/content/923/</a:t>
+            </a:r>
+          </a:p>
+        </p:txBody>
+      </p:sp>
+      <mc:AlternateContent xmlns:mc="http://schemas.openxmlformats.org/markup-compatibility/2006" xmlns:a14="http://schemas.microsoft.com/office/drawing/2010/main">
+        <mc:Choice Requires="a14">
+          <p:sp>
+            <p:nvSpPr>
+              <p:cNvPr id="16" name="Rectangle 15"/>
+              <p:cNvSpPr/>
+              <p:nvPr/>
+            </p:nvSpPr>
+            <p:spPr>
+              <a:xfrm>
+                <a:off x="5181600" y="1919598"/>
+                <a:ext cx="2260607" cy="226600"/>
+              </a:xfrm>
+              <a:prstGeom prst="rect">
+                <a:avLst/>
+              </a:prstGeom>
+              <a:noFill/>
+              <a:ln>
+                <a:noFill/>
+              </a:ln>
+              <a:effectLst/>
+            </p:spPr>
+            <p:style>
+              <a:lnRef idx="1">
+                <a:schemeClr val="dk1"/>
+              </a:lnRef>
+              <a:fillRef idx="2">
+                <a:schemeClr val="dk1"/>
+              </a:fillRef>
+              <a:effectRef idx="1">
+                <a:schemeClr val="dk1"/>
+              </a:effectRef>
+              <a:fontRef idx="minor">
+                <a:schemeClr val="dk1"/>
+              </a:fontRef>
+            </p:style>
+            <p:txBody>
+              <a:bodyPr rtlCol="0" anchor="ctr"/>
+              <a:lstStyle/>
+              <a:p>
+                <a14:m>
+                  <m:oMath xmlns:m="http://schemas.openxmlformats.org/officeDocument/2006/math">
+                    <m:sSub>
+                      <m:sSubPr>
+                        <m:ctrlPr>
+                          <a:rPr lang="en-US" sz="800" i="1">
+                            <a:solidFill>
+                              <a:schemeClr val="dk1"/>
+                            </a:solidFill>
+                            <a:latin typeface="Cambria Math" panose="02040503050406030204" pitchFamily="18" charset="0"/>
+                          </a:rPr>
+                        </m:ctrlPr>
+                      </m:sSubPr>
+                      <m:e>
+                        <m:r>
+                          <m:rPr>
+                            <m:sty m:val="p"/>
+                          </m:rPr>
+                          <a:rPr lang="en-US" sz="800">
+                            <a:solidFill>
+                              <a:schemeClr val="dk1"/>
+                            </a:solidFill>
+                            <a:latin typeface="Cambria Math"/>
+                          </a:rPr>
+                          <m:t>c</m:t>
+                        </m:r>
+                      </m:e>
+                      <m:sub>
+                        <m:r>
+                          <m:rPr>
+                            <m:sty m:val="p"/>
+                          </m:rPr>
+                          <a:rPr lang="en-US" sz="800">
+                            <a:solidFill>
+                              <a:schemeClr val="dk1"/>
+                            </a:solidFill>
+                            <a:latin typeface="Cambria Math"/>
+                          </a:rPr>
+                          <m:t>p</m:t>
+                        </m:r>
+                        <m:r>
+                          <a:rPr lang="en-US" sz="800">
+                            <a:solidFill>
+                              <a:schemeClr val="dk1"/>
+                            </a:solidFill>
+                            <a:latin typeface="Cambria Math"/>
+                          </a:rPr>
+                          <m:t>,</m:t>
+                        </m:r>
+                        <m:r>
+                          <m:rPr>
+                            <m:sty m:val="p"/>
+                          </m:rPr>
+                          <a:rPr lang="en-US" sz="800">
+                            <a:solidFill>
+                              <a:schemeClr val="dk1"/>
+                            </a:solidFill>
+                            <a:latin typeface="Cambria Math"/>
+                          </a:rPr>
+                          <m:t>w</m:t>
+                        </m:r>
+                      </m:sub>
+                    </m:sSub>
+                  </m:oMath>
+                </a14:m>
+                <a:r>
+                  <a:rPr lang="en-US" sz="800" dirty="0">
+                    <a:solidFill>
+                      <a:schemeClr val="dk1"/>
+                    </a:solidFill>
+                  </a:rPr>
+                  <a:t> = -1E-07</a:t>
+                </a:r>
+                <a14:m>
+                  <m:oMath xmlns:m="http://schemas.openxmlformats.org/officeDocument/2006/math">
+                    <m:sSubSup>
+                      <m:sSubSupPr>
+                        <m:ctrlPr>
+                          <a:rPr lang="en-US" sz="800" i="1">
+                            <a:solidFill>
+                              <a:schemeClr val="dk1"/>
+                            </a:solidFill>
+                            <a:latin typeface="Cambria Math" panose="02040503050406030204" pitchFamily="18" charset="0"/>
+                          </a:rPr>
+                        </m:ctrlPr>
+                      </m:sSubSupPr>
+                      <m:e>
+                        <m:r>
+                          <m:rPr>
+                            <m:sty m:val="p"/>
+                          </m:rPr>
+                          <a:rPr lang="en-US" sz="800">
+                            <a:solidFill>
+                              <a:schemeClr val="dk1"/>
+                            </a:solidFill>
+                            <a:latin typeface="Cambria Math"/>
+                          </a:rPr>
+                          <m:t>T</m:t>
+                        </m:r>
+                      </m:e>
+                      <m:sub>
+                        <m:r>
+                          <a:rPr lang="en-US" sz="800">
+                            <a:solidFill>
+                              <a:schemeClr val="dk1"/>
+                            </a:solidFill>
+                            <a:latin typeface="Cambria Math"/>
+                          </a:rPr>
+                          <m:t>∞</m:t>
+                        </m:r>
+                      </m:sub>
+                      <m:sup>
+                        <m:r>
+                          <a:rPr lang="en-US" sz="800">
+                            <a:solidFill>
+                              <a:schemeClr val="dk1"/>
+                            </a:solidFill>
+                            <a:latin typeface="Cambria Math"/>
+                          </a:rPr>
+                          <m:t>3</m:t>
+                        </m:r>
+                      </m:sup>
+                    </m:sSubSup>
+                  </m:oMath>
+                </a14:m>
+                <a:r>
+                  <a:rPr lang="en-US" sz="800" dirty="0">
+                    <a:solidFill>
+                      <a:schemeClr val="dk1"/>
+                    </a:solidFill>
+                  </a:rPr>
+                  <a:t>+ 3E-05</a:t>
+                </a:r>
+                <a14:m>
+                  <m:oMath xmlns:m="http://schemas.openxmlformats.org/officeDocument/2006/math">
+                    <m:sSubSup>
+                      <m:sSubSupPr>
+                        <m:ctrlPr>
+                          <a:rPr lang="en-US" sz="800" i="1" dirty="0">
+                            <a:solidFill>
+                              <a:schemeClr val="dk1"/>
+                            </a:solidFill>
+                            <a:latin typeface="Cambria Math" panose="02040503050406030204" pitchFamily="18" charset="0"/>
+                          </a:rPr>
+                        </m:ctrlPr>
+                      </m:sSubSupPr>
+                      <m:e>
+                        <m:r>
+                          <m:rPr>
+                            <m:sty m:val="p"/>
+                          </m:rPr>
+                          <a:rPr lang="en-US" sz="800" dirty="0">
+                            <a:solidFill>
+                              <a:schemeClr val="dk1"/>
+                            </a:solidFill>
+                            <a:latin typeface="Cambria Math"/>
+                          </a:rPr>
+                          <m:t>T</m:t>
+                        </m:r>
+                      </m:e>
+                      <m:sub>
+                        <m:r>
+                          <a:rPr lang="en-US" sz="800" dirty="0">
+                            <a:solidFill>
+                              <a:schemeClr val="dk1"/>
+                            </a:solidFill>
+                            <a:latin typeface="Cambria Math"/>
+                          </a:rPr>
+                          <m:t>∞</m:t>
+                        </m:r>
+                      </m:sub>
+                      <m:sup>
+                        <m:r>
+                          <a:rPr lang="en-US" sz="800" dirty="0">
+                            <a:solidFill>
+                              <a:schemeClr val="dk1"/>
+                            </a:solidFill>
+                            <a:latin typeface="Cambria Math"/>
+                          </a:rPr>
+                          <m:t>2</m:t>
+                        </m:r>
+                      </m:sup>
+                    </m:sSubSup>
+                  </m:oMath>
+                </a14:m>
+                <a:r>
+                  <a:rPr lang="en-US" sz="800" dirty="0">
+                    <a:solidFill>
+                      <a:schemeClr val="dk1"/>
+                    </a:solidFill>
+                  </a:rPr>
+                  <a:t> - 0.0018</a:t>
+                </a:r>
+                <a14:m>
+                  <m:oMath xmlns:m="http://schemas.openxmlformats.org/officeDocument/2006/math">
+                    <m:sSub>
+                      <m:sSubPr>
+                        <m:ctrlPr>
+                          <a:rPr lang="en-US" sz="800" i="1">
+                            <a:solidFill>
+                              <a:schemeClr val="dk1"/>
+                            </a:solidFill>
+                            <a:latin typeface="Cambria Math" panose="02040503050406030204" pitchFamily="18" charset="0"/>
+                          </a:rPr>
+                        </m:ctrlPr>
+                      </m:sSubPr>
+                      <m:e>
+                        <m:r>
+                          <m:rPr>
+                            <m:sty m:val="p"/>
+                          </m:rPr>
+                          <a:rPr lang="en-US" sz="800">
+                            <a:solidFill>
+                              <a:schemeClr val="dk1"/>
+                            </a:solidFill>
+                            <a:latin typeface="Cambria Math"/>
+                          </a:rPr>
+                          <m:t>T</m:t>
+                        </m:r>
+                      </m:e>
+                      <m:sub>
+                        <m:r>
+                          <a:rPr lang="en-US" sz="800">
+                            <a:solidFill>
+                              <a:schemeClr val="dk1"/>
+                            </a:solidFill>
+                            <a:latin typeface="Cambria Math"/>
+                          </a:rPr>
+                          <m:t>∞</m:t>
+                        </m:r>
+                      </m:sub>
+                    </m:sSub>
+                  </m:oMath>
+                </a14:m>
+                <a:r>
+                  <a:rPr lang="en-US" sz="800" dirty="0">
+                    <a:solidFill>
+                      <a:schemeClr val="dk1"/>
+                    </a:solidFill>
+                  </a:rPr>
+                  <a:t> + 4.2093</a:t>
+                </a:r>
+              </a:p>
+            </p:txBody>
+          </p:sp>
+        </mc:Choice>
+        <mc:Fallback xmlns="">
+          <p:sp>
+            <p:nvSpPr>
+              <p:cNvPr id="16" name="Rectangle 15"/>
+              <p:cNvSpPr>
+                <a:spLocks noRot="1" noChangeAspect="1" noMove="1" noResize="1" noEditPoints="1" noAdjustHandles="1" noChangeArrowheads="1" noChangeShapeType="1" noTextEdit="1"/>
+              </p:cNvSpPr>
+              <p:nvPr/>
+            </p:nvSpPr>
+            <p:spPr>
+              <a:xfrm>
+                <a:off x="5181600" y="1919598"/>
+                <a:ext cx="2260607" cy="226600"/>
+              </a:xfrm>
+              <a:prstGeom prst="rect">
+                <a:avLst/>
+              </a:prstGeom>
+              <a:blipFill rotWithShape="1">
+                <a:blip r:embed="rId8"/>
+                <a:stretch>
+                  <a:fillRect b="-5405"/>
+                </a:stretch>
+              </a:blipFill>
+              <a:ln>
+                <a:noFill/>
+              </a:ln>
+              <a:effectLst/>
+            </p:spPr>
+            <p:txBody>
+              <a:bodyPr/>
+              <a:lstStyle/>
+              <a:p>
+                <a:r>
+                  <a:rPr lang="en-US">
+                    <a:noFill/>
+                  </a:rPr>
+                  <a:t> </a:t>
+                </a:r>
+              </a:p>
+            </p:txBody>
+          </p:sp>
+        </mc:Fallback>
+      </mc:AlternateContent>
+      <mc:AlternateContent xmlns:mc="http://schemas.openxmlformats.org/markup-compatibility/2006" xmlns:a14="http://schemas.microsoft.com/office/drawing/2010/main">
+        <mc:Choice Requires="a14">
+          <p:sp>
+            <p:nvSpPr>
+              <p:cNvPr id="17" name="Rectangle 16"/>
+              <p:cNvSpPr/>
+              <p:nvPr/>
+            </p:nvSpPr>
+            <p:spPr>
+              <a:xfrm>
+                <a:off x="5193828" y="2383480"/>
+                <a:ext cx="2275427" cy="225959"/>
+              </a:xfrm>
+              <a:prstGeom prst="rect">
+                <a:avLst/>
+              </a:prstGeom>
+              <a:noFill/>
+              <a:ln>
+                <a:noFill/>
+              </a:ln>
+              <a:effectLst/>
+            </p:spPr>
+            <p:style>
+              <a:lnRef idx="1">
+                <a:schemeClr val="dk1"/>
+              </a:lnRef>
+              <a:fillRef idx="2">
+                <a:schemeClr val="dk1"/>
+              </a:fillRef>
+              <a:effectRef idx="1">
+                <a:schemeClr val="dk1"/>
+              </a:effectRef>
+              <a:fontRef idx="minor">
+                <a:schemeClr val="dk1"/>
+              </a:fontRef>
+            </p:style>
+            <p:txBody>
+              <a:bodyPr rtlCol="0" anchor="ctr"/>
+              <a:lstStyle/>
+              <a:p>
+                <a14:m>
+                  <m:oMath xmlns:m="http://schemas.openxmlformats.org/officeDocument/2006/math">
+                    <m:r>
+                      <a:rPr lang="en-US" sz="800">
+                        <a:solidFill>
+                          <a:schemeClr val="dk1"/>
+                        </a:solidFill>
+                        <a:latin typeface="Cambria Math"/>
+                      </a:rPr>
+                      <m:t>𝜇</m:t>
+                    </m:r>
+                  </m:oMath>
+                </a14:m>
+                <a:r>
+                  <a:rPr lang="en-US" sz="800" dirty="0">
+                    <a:solidFill>
+                      <a:schemeClr val="dk1"/>
+                    </a:solidFill>
+                  </a:rPr>
+                  <a:t> = -3E-06</a:t>
+                </a:r>
+                <a14:m>
+                  <m:oMath xmlns:m="http://schemas.openxmlformats.org/officeDocument/2006/math">
+                    <m:sSubSup>
+                      <m:sSubSupPr>
+                        <m:ctrlPr>
+                          <a:rPr lang="en-US" sz="800" i="1">
+                            <a:solidFill>
+                              <a:schemeClr val="dk1"/>
+                            </a:solidFill>
+                            <a:latin typeface="Cambria Math" panose="02040503050406030204" pitchFamily="18" charset="0"/>
+                          </a:rPr>
+                        </m:ctrlPr>
+                      </m:sSubSupPr>
+                      <m:e>
+                        <m:r>
+                          <a:rPr lang="en-US" sz="800">
+                            <a:solidFill>
+                              <a:schemeClr val="dk1"/>
+                            </a:solidFill>
+                            <a:latin typeface="Cambria Math"/>
+                          </a:rPr>
+                          <m:t>𝑇</m:t>
+                        </m:r>
+                      </m:e>
+                      <m:sub>
+                        <m:r>
+                          <a:rPr lang="en-US" sz="800">
+                            <a:solidFill>
+                              <a:schemeClr val="dk1"/>
+                            </a:solidFill>
+                            <a:latin typeface="Cambria Math"/>
+                          </a:rPr>
+                          <m:t>∞</m:t>
+                        </m:r>
+                      </m:sub>
+                      <m:sup>
+                        <m:r>
+                          <a:rPr lang="en-US" sz="800">
+                            <a:solidFill>
+                              <a:schemeClr val="dk1"/>
+                            </a:solidFill>
+                            <a:latin typeface="Cambria Math"/>
+                          </a:rPr>
+                          <m:t>3</m:t>
+                        </m:r>
+                      </m:sup>
+                    </m:sSubSup>
+                  </m:oMath>
+                </a14:m>
+                <a:r>
+                  <a:rPr lang="en-US" sz="800" dirty="0">
+                    <a:solidFill>
+                      <a:schemeClr val="dk1"/>
+                    </a:solidFill>
+                  </a:rPr>
+                  <a:t> + 0.0006</a:t>
+                </a:r>
+                <a14:m>
+                  <m:oMath xmlns:m="http://schemas.openxmlformats.org/officeDocument/2006/math">
+                    <m:sSubSup>
+                      <m:sSubSupPr>
+                        <m:ctrlPr>
+                          <a:rPr lang="en-US" sz="800" i="1">
+                            <a:solidFill>
+                              <a:schemeClr val="dk1"/>
+                            </a:solidFill>
+                            <a:latin typeface="Cambria Math" panose="02040503050406030204" pitchFamily="18" charset="0"/>
+                          </a:rPr>
+                        </m:ctrlPr>
+                      </m:sSubSupPr>
+                      <m:e>
+                        <m:r>
+                          <a:rPr lang="en-US" sz="800">
+                            <a:solidFill>
+                              <a:schemeClr val="dk1"/>
+                            </a:solidFill>
+                            <a:latin typeface="Cambria Math"/>
+                          </a:rPr>
+                          <m:t>𝑇</m:t>
+                        </m:r>
+                      </m:e>
+                      <m:sub>
+                        <m:r>
+                          <a:rPr lang="en-US" sz="800">
+                            <a:solidFill>
+                              <a:schemeClr val="dk1"/>
+                            </a:solidFill>
+                            <a:latin typeface="Cambria Math"/>
+                          </a:rPr>
+                          <m:t>∞</m:t>
+                        </m:r>
+                      </m:sub>
+                      <m:sup>
+                        <m:r>
+                          <a:rPr lang="en-US" sz="800">
+                            <a:solidFill>
+                              <a:schemeClr val="dk1"/>
+                            </a:solidFill>
+                            <a:latin typeface="Cambria Math"/>
+                          </a:rPr>
+                          <m:t>2</m:t>
+                        </m:r>
+                      </m:sup>
+                    </m:sSubSup>
+                  </m:oMath>
+                </a14:m>
+                <a:r>
+                  <a:rPr lang="en-US" sz="800" dirty="0">
+                    <a:solidFill>
+                      <a:schemeClr val="dk1"/>
+                    </a:solidFill>
+                  </a:rPr>
+                  <a:t> - 0.0462</a:t>
+                </a:r>
+                <a14:m>
+                  <m:oMath xmlns:m="http://schemas.openxmlformats.org/officeDocument/2006/math">
+                    <m:sSub>
+                      <m:sSubPr>
+                        <m:ctrlPr>
+                          <a:rPr lang="en-US" sz="800" i="1">
+                            <a:solidFill>
+                              <a:schemeClr val="dk1"/>
+                            </a:solidFill>
+                            <a:latin typeface="Cambria Math" panose="02040503050406030204" pitchFamily="18" charset="0"/>
+                          </a:rPr>
+                        </m:ctrlPr>
+                      </m:sSubPr>
+                      <m:e>
+                        <m:r>
+                          <a:rPr lang="en-US" sz="800">
+                            <a:solidFill>
+                              <a:schemeClr val="dk1"/>
+                            </a:solidFill>
+                            <a:latin typeface="Cambria Math"/>
+                          </a:rPr>
+                          <m:t>𝑇</m:t>
+                        </m:r>
+                      </m:e>
+                      <m:sub>
+                        <m:r>
+                          <a:rPr lang="en-US" sz="800">
+                            <a:solidFill>
+                              <a:schemeClr val="dk1"/>
+                            </a:solidFill>
+                            <a:latin typeface="Cambria Math"/>
+                          </a:rPr>
+                          <m:t>∞</m:t>
+                        </m:r>
+                      </m:sub>
+                    </m:sSub>
+                  </m:oMath>
+                </a14:m>
+                <a:r>
+                  <a:rPr lang="en-US" sz="800" dirty="0">
+                    <a:solidFill>
+                      <a:schemeClr val="dk1"/>
+                    </a:solidFill>
+                  </a:rPr>
+                  <a:t> + 1.7412</a:t>
+                </a:r>
+              </a:p>
+            </p:txBody>
+          </p:sp>
+        </mc:Choice>
+        <mc:Fallback xmlns="">
+          <p:sp>
+            <p:nvSpPr>
+              <p:cNvPr id="17" name="Rectangle 16"/>
+              <p:cNvSpPr>
+                <a:spLocks noRot="1" noChangeAspect="1" noMove="1" noResize="1" noEditPoints="1" noAdjustHandles="1" noChangeArrowheads="1" noChangeShapeType="1" noTextEdit="1"/>
+              </p:cNvSpPr>
+              <p:nvPr/>
+            </p:nvSpPr>
+            <p:spPr>
+              <a:xfrm>
+                <a:off x="5193828" y="2383480"/>
+                <a:ext cx="2275427" cy="225959"/>
+              </a:xfrm>
+              <a:prstGeom prst="rect">
+                <a:avLst/>
+              </a:prstGeom>
+              <a:blipFill rotWithShape="1">
+                <a:blip r:embed="rId9"/>
+                <a:stretch>
+                  <a:fillRect b="-8108"/>
+                </a:stretch>
+              </a:blipFill>
+              <a:ln>
+                <a:noFill/>
+              </a:ln>
+              <a:effectLst/>
+            </p:spPr>
+            <p:txBody>
+              <a:bodyPr/>
+              <a:lstStyle/>
+              <a:p>
+                <a:r>
+                  <a:rPr lang="en-US">
+                    <a:noFill/>
+                  </a:rPr>
+                  <a:t> </a:t>
+                </a:r>
+              </a:p>
+            </p:txBody>
+          </p:sp>
+        </mc:Fallback>
+      </mc:AlternateContent>
+      <mc:AlternateContent xmlns:mc="http://schemas.openxmlformats.org/markup-compatibility/2006" xmlns:a14="http://schemas.microsoft.com/office/drawing/2010/main">
+        <mc:Choice Requires="a14">
+          <p:sp>
+            <p:nvSpPr>
+              <p:cNvPr id="18" name="Rectangle 17"/>
+              <p:cNvSpPr/>
+              <p:nvPr/>
+            </p:nvSpPr>
+            <p:spPr>
+              <a:xfrm>
+                <a:off x="5277979" y="2863120"/>
+                <a:ext cx="2164228" cy="225959"/>
+              </a:xfrm>
+              <a:prstGeom prst="rect">
+                <a:avLst/>
+              </a:prstGeom>
+              <a:noFill/>
+              <a:ln>
+                <a:noFill/>
+              </a:ln>
+              <a:effectLst/>
+            </p:spPr>
+            <p:style>
+              <a:lnRef idx="1">
+                <a:schemeClr val="dk1"/>
+              </a:lnRef>
+              <a:fillRef idx="2">
+                <a:schemeClr val="dk1"/>
+              </a:fillRef>
+              <a:effectRef idx="1">
+                <a:schemeClr val="dk1"/>
+              </a:effectRef>
+              <a:fontRef idx="minor">
+                <a:schemeClr val="dk1"/>
+              </a:fontRef>
+            </p:style>
+            <p:txBody>
+              <a:bodyPr rtlCol="0" anchor="ctr"/>
+              <a:lstStyle/>
+              <a:p>
+                <a14:m>
+                  <m:oMath xmlns:m="http://schemas.openxmlformats.org/officeDocument/2006/math">
+                    <m:r>
+                      <m:rPr>
+                        <m:sty m:val="p"/>
+                      </m:rPr>
+                      <a:rPr lang="el-GR" sz="800">
+                        <a:solidFill>
+                          <a:schemeClr val="dk1"/>
+                        </a:solidFill>
+                        <a:latin typeface="Cambria Math"/>
+                      </a:rPr>
+                      <m:t>α</m:t>
+                    </m:r>
+                  </m:oMath>
+                </a14:m>
+                <a:r>
+                  <a:rPr lang="en-US" sz="800" dirty="0">
+                    <a:solidFill>
+                      <a:schemeClr val="dk1"/>
+                    </a:solidFill>
+                  </a:rPr>
+                  <a:t>= 6E-07</a:t>
+                </a:r>
+                <a14:m>
+                  <m:oMath xmlns:m="http://schemas.openxmlformats.org/officeDocument/2006/math">
+                    <m:sSubSup>
+                      <m:sSubSupPr>
+                        <m:ctrlPr>
+                          <a:rPr lang="en-US" sz="800" i="1">
+                            <a:solidFill>
+                              <a:schemeClr val="dk1"/>
+                            </a:solidFill>
+                            <a:latin typeface="Cambria Math" panose="02040503050406030204" pitchFamily="18" charset="0"/>
+                          </a:rPr>
+                        </m:ctrlPr>
+                      </m:sSubSupPr>
+                      <m:e>
+                        <m:r>
+                          <a:rPr lang="en-US" sz="800">
+                            <a:solidFill>
+                              <a:schemeClr val="dk1"/>
+                            </a:solidFill>
+                            <a:latin typeface="Cambria Math"/>
+                          </a:rPr>
+                          <m:t>𝑇</m:t>
+                        </m:r>
+                      </m:e>
+                      <m:sub>
+                        <m:r>
+                          <a:rPr lang="en-US" sz="800">
+                            <a:solidFill>
+                              <a:schemeClr val="dk1"/>
+                            </a:solidFill>
+                            <a:latin typeface="Cambria Math"/>
+                          </a:rPr>
+                          <m:t>∞</m:t>
+                        </m:r>
+                      </m:sub>
+                      <m:sup>
+                        <m:r>
+                          <a:rPr lang="en-US" sz="800">
+                            <a:solidFill>
+                              <a:schemeClr val="dk1"/>
+                            </a:solidFill>
+                            <a:latin typeface="Cambria Math"/>
+                          </a:rPr>
+                          <m:t>3</m:t>
+                        </m:r>
+                      </m:sup>
+                    </m:sSubSup>
+                  </m:oMath>
+                </a14:m>
+                <a:r>
+                  <a:rPr lang="en-US" sz="800" dirty="0">
+                    <a:solidFill>
+                      <a:schemeClr val="dk1"/>
+                    </a:solidFill>
+                  </a:rPr>
+                  <a:t> - 0.0001</a:t>
+                </a:r>
+                <a14:m>
+                  <m:oMath xmlns:m="http://schemas.openxmlformats.org/officeDocument/2006/math">
+                    <m:sSubSup>
+                      <m:sSubSupPr>
+                        <m:ctrlPr>
+                          <a:rPr lang="en-US" sz="800" i="1">
+                            <a:solidFill>
+                              <a:schemeClr val="dk1"/>
+                            </a:solidFill>
+                            <a:latin typeface="Cambria Math" panose="02040503050406030204" pitchFamily="18" charset="0"/>
+                          </a:rPr>
+                        </m:ctrlPr>
+                      </m:sSubSupPr>
+                      <m:e>
+                        <m:r>
+                          <a:rPr lang="en-US" sz="800">
+                            <a:solidFill>
+                              <a:schemeClr val="dk1"/>
+                            </a:solidFill>
+                            <a:latin typeface="Cambria Math"/>
+                          </a:rPr>
+                          <m:t>𝑇</m:t>
+                        </m:r>
+                      </m:e>
+                      <m:sub>
+                        <m:r>
+                          <a:rPr lang="en-US" sz="800">
+                            <a:solidFill>
+                              <a:schemeClr val="dk1"/>
+                            </a:solidFill>
+                            <a:latin typeface="Cambria Math"/>
+                          </a:rPr>
+                          <m:t>∞</m:t>
+                        </m:r>
+                      </m:sub>
+                      <m:sup>
+                        <m:r>
+                          <a:rPr lang="en-US" sz="800">
+                            <a:solidFill>
+                              <a:schemeClr val="dk1"/>
+                            </a:solidFill>
+                            <a:latin typeface="Cambria Math"/>
+                          </a:rPr>
+                          <m:t>2</m:t>
+                        </m:r>
+                      </m:sup>
+                    </m:sSubSup>
+                  </m:oMath>
+                </a14:m>
+                <a:r>
+                  <a:rPr lang="en-US" sz="800" dirty="0">
+                    <a:solidFill>
+                      <a:schemeClr val="dk1"/>
+                    </a:solidFill>
+                  </a:rPr>
+                  <a:t> + 0.016</a:t>
+                </a:r>
+                <a14:m>
+                  <m:oMath xmlns:m="http://schemas.openxmlformats.org/officeDocument/2006/math">
+                    <m:sSub>
+                      <m:sSubPr>
+                        <m:ctrlPr>
+                          <a:rPr lang="en-US" sz="800" i="1">
+                            <a:solidFill>
+                              <a:schemeClr val="dk1"/>
+                            </a:solidFill>
+                            <a:latin typeface="Cambria Math" panose="02040503050406030204" pitchFamily="18" charset="0"/>
+                          </a:rPr>
+                        </m:ctrlPr>
+                      </m:sSubPr>
+                      <m:e>
+                        <m:r>
+                          <a:rPr lang="en-US" sz="800">
+                            <a:solidFill>
+                              <a:schemeClr val="dk1"/>
+                            </a:solidFill>
+                            <a:latin typeface="Cambria Math"/>
+                          </a:rPr>
+                          <m:t>𝑇</m:t>
+                        </m:r>
+                      </m:e>
+                      <m:sub>
+                        <m:r>
+                          <a:rPr lang="en-US" sz="800">
+                            <a:solidFill>
+                              <a:schemeClr val="dk1"/>
+                            </a:solidFill>
+                            <a:latin typeface="Cambria Math"/>
+                          </a:rPr>
+                          <m:t>∞</m:t>
+                        </m:r>
+                      </m:sub>
+                    </m:sSub>
+                  </m:oMath>
+                </a14:m>
+                <a:r>
+                  <a:rPr lang="en-US" sz="800" dirty="0">
+                    <a:solidFill>
+                      <a:schemeClr val="dk1"/>
+                    </a:solidFill>
+                  </a:rPr>
+                  <a:t> - 0.0632</a:t>
+                </a:r>
+              </a:p>
+            </p:txBody>
+          </p:sp>
+        </mc:Choice>
+        <mc:Fallback xmlns="">
+          <p:sp>
+            <p:nvSpPr>
+              <p:cNvPr id="18" name="Rectangle 17"/>
+              <p:cNvSpPr>
+                <a:spLocks noRot="1" noChangeAspect="1" noMove="1" noResize="1" noEditPoints="1" noAdjustHandles="1" noChangeArrowheads="1" noChangeShapeType="1" noTextEdit="1"/>
+              </p:cNvSpPr>
+              <p:nvPr/>
+            </p:nvSpPr>
+            <p:spPr>
+              <a:xfrm>
+                <a:off x="5277979" y="2863120"/>
+                <a:ext cx="2164228" cy="225959"/>
+              </a:xfrm>
+              <a:prstGeom prst="rect">
+                <a:avLst/>
+              </a:prstGeom>
+              <a:blipFill rotWithShape="1">
+                <a:blip r:embed="rId10"/>
+                <a:stretch>
+                  <a:fillRect b="-8108"/>
+                </a:stretch>
+              </a:blipFill>
+              <a:ln>
+                <a:noFill/>
+              </a:ln>
+              <a:effectLst/>
+            </p:spPr>
+            <p:txBody>
+              <a:bodyPr/>
+              <a:lstStyle/>
+              <a:p>
+                <a:r>
+                  <a:rPr lang="en-US">
+                    <a:noFill/>
+                  </a:rPr>
+                  <a:t> </a:t>
+                </a:r>
+              </a:p>
+            </p:txBody>
+          </p:sp>
+        </mc:Fallback>
+      </mc:AlternateContent>
+      <mc:AlternateContent xmlns:mc="http://schemas.openxmlformats.org/markup-compatibility/2006" xmlns:a14="http://schemas.microsoft.com/office/drawing/2010/main">
+        <mc:Choice Requires="a14">
+          <p:sp>
+            <p:nvSpPr>
+              <p:cNvPr id="20" name="Rectangle 19"/>
+              <p:cNvSpPr/>
+              <p:nvPr/>
+            </p:nvSpPr>
+            <p:spPr>
+              <a:xfrm>
+                <a:off x="5486400" y="4074562"/>
+                <a:ext cx="2518056" cy="339428"/>
+              </a:xfrm>
+              <a:prstGeom prst="rect">
+                <a:avLst/>
+              </a:prstGeom>
+              <a:noFill/>
+              <a:ln>
+                <a:noFill/>
+              </a:ln>
+              <a:effectLst/>
+            </p:spPr>
+            <p:style>
+              <a:lnRef idx="1">
+                <a:schemeClr val="dk1"/>
+              </a:lnRef>
+              <a:fillRef idx="2">
+                <a:schemeClr val="dk1"/>
+              </a:fillRef>
+              <a:effectRef idx="1">
+                <a:schemeClr val="dk1"/>
+              </a:effectRef>
+              <a:fontRef idx="minor">
+                <a:schemeClr val="dk1"/>
+              </a:fontRef>
+            </p:style>
+            <p:txBody>
+              <a:bodyPr rtlCol="0" anchor="ctr"/>
+              <a:lstStyle/>
+              <a:p>
+                <a:pPr/>
+                <a14:m>
+                  <m:oMathPara xmlns:m="http://schemas.openxmlformats.org/officeDocument/2006/math">
+                    <m:oMathParaPr>
+                      <m:jc m:val="centerGroup"/>
+                    </m:oMathParaPr>
+                    <m:oMath xmlns:m="http://schemas.openxmlformats.org/officeDocument/2006/math">
+                      <m:sSub>
+                        <m:sSubPr>
+                          <m:ctrlPr>
+                            <a:rPr lang="en-US" sz="800" i="1" smtClean="0">
+                              <a:solidFill>
+                                <a:schemeClr val="dk1"/>
+                              </a:solidFill>
+                              <a:latin typeface="Cambria Math" panose="02040503050406030204" pitchFamily="18" charset="0"/>
+                            </a:rPr>
+                          </m:ctrlPr>
+                        </m:sSubPr>
+                        <m:e>
+                          <m:r>
+                            <m:rPr>
+                              <m:sty m:val="p"/>
+                            </m:rPr>
+                            <a:rPr lang="en-US" sz="800" b="0" i="0" smtClean="0">
+                              <a:solidFill>
+                                <a:schemeClr val="dk1"/>
+                              </a:solidFill>
+                              <a:latin typeface="Cambria Math"/>
+                            </a:rPr>
+                            <m:t>h</m:t>
+                          </m:r>
+                        </m:e>
+                        <m:sub>
+                          <m:r>
+                            <m:rPr>
+                              <m:sty m:val="p"/>
+                            </m:rPr>
+                            <a:rPr lang="en-US" sz="800" b="0" i="0" smtClean="0">
+                              <a:solidFill>
+                                <a:schemeClr val="dk1"/>
+                              </a:solidFill>
+                              <a:latin typeface="Cambria Math"/>
+                            </a:rPr>
+                            <m:t>fg</m:t>
+                          </m:r>
+                        </m:sub>
+                      </m:sSub>
+                      <m:r>
+                        <a:rPr lang="en-US" sz="800">
+                          <a:solidFill>
+                            <a:schemeClr val="dk1"/>
+                          </a:solidFill>
+                          <a:latin typeface="Cambria Math"/>
+                        </a:rPr>
+                        <m:t>=</m:t>
+                      </m:r>
+                      <m:d>
+                        <m:dPr>
+                          <m:begChr m:val="{"/>
+                          <m:endChr m:val=""/>
+                          <m:ctrlPr>
+                            <a:rPr lang="en-US" sz="800" i="1">
+                              <a:solidFill>
+                                <a:schemeClr val="dk1"/>
+                              </a:solidFill>
+                              <a:latin typeface="Cambria Math" panose="02040503050406030204" pitchFamily="18" charset="0"/>
+                            </a:rPr>
+                          </m:ctrlPr>
+                        </m:dPr>
+                        <m:e>
+                          <m:eqArr>
+                            <m:eqArrPr>
+                              <m:ctrlPr>
+                                <a:rPr lang="en-US" sz="800" i="1">
+                                  <a:solidFill>
+                                    <a:schemeClr val="dk1"/>
+                                  </a:solidFill>
+                                  <a:latin typeface="Cambria Math" panose="02040503050406030204" pitchFamily="18" charset="0"/>
+                                </a:rPr>
+                              </m:ctrlPr>
+                            </m:eqArrPr>
+                            <m:e>
+                              <m:r>
+                                <a:rPr lang="en-US" sz="800" i="1">
+                                  <a:latin typeface="Cambria Math"/>
+                                </a:rPr>
+                                <m:t>−0.10042</m:t>
+                              </m:r>
+                              <m:sSubSup>
+                                <m:sSubSupPr>
+                                  <m:ctrlPr>
+                                    <a:rPr lang="en-US" sz="800" i="1" smtClean="0">
+                                      <a:latin typeface="Cambria Math" panose="02040503050406030204" pitchFamily="18" charset="0"/>
+                                    </a:rPr>
+                                  </m:ctrlPr>
+                                </m:sSubSupPr>
+                                <m:e>
+                                  <m:r>
+                                    <a:rPr lang="en-US" sz="800" b="0" i="1" smtClean="0">
+                                      <a:latin typeface="Cambria Math"/>
+                                    </a:rPr>
+                                    <m:t>𝑡</m:t>
+                                  </m:r>
+                                </m:e>
+                                <m:sub>
+                                  <m:r>
+                                    <a:rPr lang="en-US" sz="800" b="0" i="1" smtClean="0">
+                                      <a:latin typeface="Cambria Math"/>
+                                    </a:rPr>
+                                    <m:t>𝑎</m:t>
+                                  </m:r>
+                                </m:sub>
+                                <m:sup>
+                                  <m:r>
+                                    <a:rPr lang="en-US" sz="800" b="0" i="1" smtClean="0">
+                                      <a:latin typeface="Cambria Math"/>
+                                    </a:rPr>
+                                    <m:t>2</m:t>
+                                  </m:r>
+                                </m:sup>
+                              </m:sSubSup>
+                              <m:r>
+                                <a:rPr lang="en-US" sz="800" i="1">
+                                  <a:latin typeface="Cambria Math"/>
+                                </a:rPr>
+                                <m:t>+22.173</m:t>
+                              </m:r>
+                              <m:sSub>
+                                <m:sSubPr>
+                                  <m:ctrlPr>
+                                    <a:rPr lang="en-US" sz="800" i="1" smtClean="0">
+                                      <a:latin typeface="Cambria Math" panose="02040503050406030204" pitchFamily="18" charset="0"/>
+                                    </a:rPr>
+                                  </m:ctrlPr>
+                                </m:sSubPr>
+                                <m:e>
+                                  <m:r>
+                                    <a:rPr lang="en-US" sz="800" b="0" i="1" smtClean="0">
+                                      <a:latin typeface="Cambria Math"/>
+                                    </a:rPr>
+                                    <m:t>𝑡</m:t>
+                                  </m:r>
+                                </m:e>
+                                <m:sub>
+                                  <m:r>
+                                    <a:rPr lang="en-US" sz="800" b="0" i="1" smtClean="0">
+                                      <a:latin typeface="Cambria Math"/>
+                                    </a:rPr>
+                                    <m:t>𝑎</m:t>
+                                  </m:r>
+                                </m:sub>
+                              </m:sSub>
+                              <m:r>
+                                <a:rPr lang="en-US" sz="800" i="1">
+                                  <a:latin typeface="Cambria Math"/>
+                                </a:rPr>
+                                <m:t>+46375</m:t>
+                              </m:r>
+                              <m:r>
+                                <a:rPr lang="en-US" sz="800">
+                                  <a:solidFill>
+                                    <a:schemeClr val="dk1"/>
+                                  </a:solidFill>
+                                  <a:latin typeface="Cambria Math"/>
+                                </a:rPr>
+                                <m:t>, </m:t>
+                              </m:r>
+                              <m:sSub>
+                                <m:sSubPr>
+                                  <m:ctrlPr>
+                                    <a:rPr lang="en-US" sz="800" i="1" smtClean="0">
+                                      <a:solidFill>
+                                        <a:schemeClr val="dk1"/>
+                                      </a:solidFill>
+                                      <a:latin typeface="Cambria Math" panose="02040503050406030204" pitchFamily="18" charset="0"/>
+                                    </a:rPr>
+                                  </m:ctrlPr>
+                                </m:sSubPr>
+                                <m:e>
+                                  <m:r>
+                                    <a:rPr lang="en-US" sz="800" b="0" i="1" smtClean="0">
+                                      <a:solidFill>
+                                        <a:schemeClr val="dk1"/>
+                                      </a:solidFill>
+                                      <a:latin typeface="Cambria Math"/>
+                                    </a:rPr>
+                                    <m:t>𝑡</m:t>
+                                  </m:r>
+                                </m:e>
+                                <m:sub>
+                                  <m:r>
+                                    <a:rPr lang="en-US" sz="800" b="0" i="1" smtClean="0">
+                                      <a:solidFill>
+                                        <a:schemeClr val="dk1"/>
+                                      </a:solidFill>
+                                      <a:latin typeface="Cambria Math"/>
+                                    </a:rPr>
+                                    <m:t>𝑎</m:t>
+                                  </m:r>
+                                </m:sub>
+                              </m:sSub>
+                              <m:r>
+                                <a:rPr lang="en-US" sz="800">
+                                  <a:solidFill>
+                                    <a:schemeClr val="dk1"/>
+                                  </a:solidFill>
+                                  <a:latin typeface="Cambria Math"/>
+                                </a:rPr>
+                                <m:t>≤</m:t>
+                              </m:r>
+                              <m:r>
+                                <a:rPr lang="en-US" sz="800" b="0" i="0" smtClean="0">
+                                  <a:solidFill>
+                                    <a:schemeClr val="dk1"/>
+                                  </a:solidFill>
+                                  <a:latin typeface="Cambria Math"/>
+                                </a:rPr>
+                                <m:t>560</m:t>
+                              </m:r>
+                              <m:r>
+                                <m:rPr>
+                                  <m:sty m:val="p"/>
+                                </m:rPr>
+                                <a:rPr lang="en-US" sz="800" b="0" i="0" smtClean="0">
+                                  <a:solidFill>
+                                    <a:schemeClr val="dk1"/>
+                                  </a:solidFill>
+                                  <a:latin typeface="Cambria Math"/>
+                                </a:rPr>
+                                <m:t>K</m:t>
+                              </m:r>
+                            </m:e>
+                            <m:e>
+                              <m:r>
+                                <a:rPr lang="en-US" sz="800" i="1">
+                                  <a:latin typeface="Cambria Math"/>
+                                </a:rPr>
+                                <m:t>−</m:t>
+                              </m:r>
+                              <m:r>
+                                <a:rPr lang="en-US" sz="800" b="0" i="1" smtClean="0">
+                                  <a:latin typeface="Cambria Math"/>
+                                </a:rPr>
+                                <m:t>1.5625</m:t>
+                              </m:r>
+                              <m:sSubSup>
+                                <m:sSubSupPr>
+                                  <m:ctrlPr>
+                                    <a:rPr lang="en-US" sz="800" i="1">
+                                      <a:latin typeface="Cambria Math" panose="02040503050406030204" pitchFamily="18" charset="0"/>
+                                    </a:rPr>
+                                  </m:ctrlPr>
+                                </m:sSubSupPr>
+                                <m:e>
+                                  <m:r>
+                                    <a:rPr lang="en-US" sz="800" i="1">
+                                      <a:latin typeface="Cambria Math"/>
+                                    </a:rPr>
+                                    <m:t>𝑡</m:t>
+                                  </m:r>
+                                </m:e>
+                                <m:sub>
+                                  <m:r>
+                                    <a:rPr lang="en-US" sz="800" i="1">
+                                      <a:latin typeface="Cambria Math"/>
+                                    </a:rPr>
+                                    <m:t>𝑎</m:t>
+                                  </m:r>
+                                </m:sub>
+                                <m:sup>
+                                  <m:r>
+                                    <a:rPr lang="en-US" sz="800" i="1">
+                                      <a:latin typeface="Cambria Math"/>
+                                    </a:rPr>
+                                    <m:t>2</m:t>
+                                  </m:r>
+                                </m:sup>
+                              </m:sSubSup>
+                              <m:r>
+                                <a:rPr lang="en-US" sz="800" i="1">
+                                  <a:latin typeface="Cambria Math"/>
+                                </a:rPr>
+                                <m:t>+</m:t>
+                              </m:r>
+                              <m:r>
+                                <a:rPr lang="en-US" sz="800" b="0" i="1" smtClean="0">
+                                  <a:latin typeface="Cambria Math"/>
+                                </a:rPr>
+                                <m:t>1662.5</m:t>
+                              </m:r>
+                              <m:sSub>
+                                <m:sSubPr>
+                                  <m:ctrlPr>
+                                    <a:rPr lang="en-US" sz="800" i="1">
+                                      <a:latin typeface="Cambria Math" panose="02040503050406030204" pitchFamily="18" charset="0"/>
+                                    </a:rPr>
+                                  </m:ctrlPr>
+                                </m:sSubPr>
+                                <m:e>
+                                  <m:r>
+                                    <a:rPr lang="en-US" sz="800" i="1">
+                                      <a:latin typeface="Cambria Math"/>
+                                    </a:rPr>
+                                    <m:t>𝑡</m:t>
+                                  </m:r>
+                                </m:e>
+                                <m:sub>
+                                  <m:r>
+                                    <a:rPr lang="en-US" sz="800" i="1">
+                                      <a:latin typeface="Cambria Math"/>
+                                    </a:rPr>
+                                    <m:t>𝑎</m:t>
+                                  </m:r>
+                                </m:sub>
+                              </m:sSub>
+                              <m:r>
+                                <a:rPr lang="en-US" sz="800" b="0" i="1" smtClean="0">
+                                  <a:latin typeface="Cambria Math"/>
+                                </a:rPr>
+                                <m:t>−</m:t>
+                              </m:r>
+                              <m:r>
+                                <a:rPr lang="en-US" sz="800" b="0" i="0" smtClean="0">
+                                  <a:latin typeface="Cambria Math"/>
+                                </a:rPr>
+                                <m:t>414000</m:t>
+                              </m:r>
+                              <m:r>
+                                <a:rPr lang="en-US" sz="800">
+                                  <a:latin typeface="Cambria Math"/>
+                                </a:rPr>
+                                <m:t>, </m:t>
+                              </m:r>
+                              <m:sSub>
+                                <m:sSubPr>
+                                  <m:ctrlPr>
+                                    <a:rPr lang="en-US" sz="800" i="1">
+                                      <a:latin typeface="Cambria Math" panose="02040503050406030204" pitchFamily="18" charset="0"/>
+                                    </a:rPr>
+                                  </m:ctrlPr>
+                                </m:sSubPr>
+                                <m:e>
+                                  <m:r>
+                                    <a:rPr lang="en-US" sz="800" i="1">
+                                      <a:latin typeface="Cambria Math"/>
+                                    </a:rPr>
+                                    <m:t>𝑡</m:t>
+                                  </m:r>
+                                </m:e>
+                                <m:sub>
+                                  <m:r>
+                                    <a:rPr lang="en-US" sz="800" i="1">
+                                      <a:latin typeface="Cambria Math"/>
+                                    </a:rPr>
+                                    <m:t>𝑎</m:t>
+                                  </m:r>
+                                </m:sub>
+                              </m:sSub>
+                              <m:r>
+                                <a:rPr lang="en-US" sz="800" b="0" i="0" smtClean="0">
+                                  <a:latin typeface="Cambria Math"/>
+                                </a:rPr>
+                                <m:t>&gt;560</m:t>
+                              </m:r>
+                              <m:r>
+                                <m:rPr>
+                                  <m:sty m:val="p"/>
+                                </m:rPr>
+                                <a:rPr lang="en-US" sz="800" b="0" i="0" smtClean="0">
+                                  <a:latin typeface="Cambria Math"/>
+                                </a:rPr>
+                                <m:t>K</m:t>
+                              </m:r>
+                            </m:e>
+                          </m:eqArr>
+                        </m:e>
+                      </m:d>
+                    </m:oMath>
+                  </m:oMathPara>
+                </a14:m>
+                <a:endParaRPr lang="en-US" sz="800" dirty="0">
+                  <a:solidFill>
+                    <a:schemeClr val="dk1"/>
+                  </a:solidFill>
+                  <a:latin typeface="Cambria Math"/>
+                </a:endParaRPr>
+              </a:p>
+            </p:txBody>
+          </p:sp>
+        </mc:Choice>
+        <mc:Fallback xmlns="">
+          <p:sp>
+            <p:nvSpPr>
+              <p:cNvPr id="20" name="Rectangle 19"/>
+              <p:cNvSpPr>
+                <a:spLocks noRot="1" noChangeAspect="1" noMove="1" noResize="1" noEditPoints="1" noAdjustHandles="1" noChangeArrowheads="1" noChangeShapeType="1" noTextEdit="1"/>
+              </p:cNvSpPr>
+              <p:nvPr/>
+            </p:nvSpPr>
+            <p:spPr>
+              <a:xfrm>
+                <a:off x="5486400" y="4074562"/>
+                <a:ext cx="2518056" cy="339428"/>
+              </a:xfrm>
+              <a:prstGeom prst="rect">
+                <a:avLst/>
+              </a:prstGeom>
+              <a:blipFill rotWithShape="1">
+                <a:blip r:embed="rId11"/>
+                <a:stretch>
+                  <a:fillRect l="-4843" t="-178571" b="-260714"/>
+                </a:stretch>
+              </a:blipFill>
+              <a:ln>
+                <a:noFill/>
+              </a:ln>
+              <a:effectLst/>
+            </p:spPr>
+            <p:txBody>
+              <a:bodyPr/>
+              <a:lstStyle/>
+              <a:p>
+                <a:r>
+                  <a:rPr lang="en-US">
+                    <a:noFill/>
+                  </a:rPr>
+                  <a:t> </a:t>
+                </a:r>
+              </a:p>
+            </p:txBody>
+          </p:sp>
+        </mc:Fallback>
+      </mc:AlternateContent>
+      <p:graphicFrame>
+        <p:nvGraphicFramePr>
+          <p:cNvPr id="19" name="Object 18"/>
+          <p:cNvGraphicFramePr>
+            <a:graphicFrameLocks noChangeAspect="1"/>
+          </p:cNvGraphicFramePr>
+          <p:nvPr>
+            <p:extLst>
+              <p:ext uri="{D42A27DB-BD31-4B8C-83A1-F6EECF244321}">
+                <p14:modId xmlns:p14="http://schemas.microsoft.com/office/powerpoint/2010/main" val="4208946737"/>
+              </p:ext>
+            </p:extLst>
+          </p:nvPr>
+        </p:nvGraphicFramePr>
+        <p:xfrm>
+          <a:off x="658806" y="1257546"/>
+          <a:ext cx="1206500" cy="241300"/>
+        </p:xfrm>
+        <a:graphic>
+          <a:graphicData uri="http://schemas.openxmlformats.org/presentationml/2006/ole">
+            <mc:AlternateContent xmlns:mc="http://schemas.openxmlformats.org/markup-compatibility/2006">
+              <mc:Choice xmlns:v="urn:schemas-microsoft-com:vml" Requires="v">
+                <p:oleObj spid="_x0000_s2066" name="Equation" r:id="rId12" imgW="1206360" imgH="241200" progId="Equation.DSMT4">
+                  <p:embed/>
+                </p:oleObj>
+              </mc:Choice>
+              <mc:Fallback>
+                <p:oleObj name="Equation" r:id="rId12" imgW="1206360" imgH="241200" progId="Equation.DSMT4">
+                  <p:embed/>
+                  <p:pic>
+                    <p:nvPicPr>
+                      <p:cNvPr id="0" name=""/>
+                      <p:cNvPicPr/>
+                      <p:nvPr/>
+                    </p:nvPicPr>
+                    <p:blipFill>
+                      <a:blip r:embed="rId13"/>
+                      <a:stretch>
+                        <a:fillRect/>
+                      </a:stretch>
+                    </p:blipFill>
+                    <p:spPr>
+                      <a:xfrm>
+                        <a:off x="658806" y="1257546"/>
+                        <a:ext cx="1206500" cy="241300"/>
+                      </a:xfrm>
+                      <a:prstGeom prst="rect">
+                        <a:avLst/>
+                      </a:prstGeom>
+                    </p:spPr>
+                  </p:pic>
+                </p:oleObj>
+              </mc:Fallback>
+            </mc:AlternateContent>
+          </a:graphicData>
+        </a:graphic>
+      </p:graphicFrame>
+    </p:spTree>
+    <p:extLst>
+      <p:ext uri="{BB962C8B-B14F-4D97-AF65-F5344CB8AC3E}">
+        <p14:creationId xmlns:p14="http://schemas.microsoft.com/office/powerpoint/2010/main" val="752915343"/>
       </p:ext>
     </p:extLst>
   </p:cSld>
